--- a/Java 9.pptx
+++ b/Java 9.pptx
@@ -6,24 +6,28 @@
     <p:sldMasterId id="2147483730" r:id="rId5"/>
   </p:sldMasterIdLst>
   <p:notesMasterIdLst>
-    <p:notesMasterId r:id="rId18"/>
+    <p:notesMasterId r:id="rId22"/>
   </p:notesMasterIdLst>
   <p:handoutMasterIdLst>
-    <p:handoutMasterId r:id="rId19"/>
+    <p:handoutMasterId r:id="rId23"/>
   </p:handoutMasterIdLst>
   <p:sldIdLst>
     <p:sldId id="449" r:id="rId6"/>
     <p:sldId id="353" r:id="rId7"/>
     <p:sldId id="271" r:id="rId8"/>
-    <p:sldId id="472" r:id="rId9"/>
-    <p:sldId id="476" r:id="rId10"/>
-    <p:sldId id="473" r:id="rId11"/>
-    <p:sldId id="474" r:id="rId12"/>
-    <p:sldId id="475" r:id="rId13"/>
-    <p:sldId id="477" r:id="rId14"/>
-    <p:sldId id="478" r:id="rId15"/>
-    <p:sldId id="479" r:id="rId16"/>
-    <p:sldId id="471" r:id="rId17"/>
+    <p:sldId id="481" r:id="rId9"/>
+    <p:sldId id="480" r:id="rId10"/>
+    <p:sldId id="482" r:id="rId11"/>
+    <p:sldId id="483" r:id="rId12"/>
+    <p:sldId id="472" r:id="rId13"/>
+    <p:sldId id="476" r:id="rId14"/>
+    <p:sldId id="473" r:id="rId15"/>
+    <p:sldId id="474" r:id="rId16"/>
+    <p:sldId id="475" r:id="rId17"/>
+    <p:sldId id="477" r:id="rId18"/>
+    <p:sldId id="478" r:id="rId19"/>
+    <p:sldId id="479" r:id="rId20"/>
+    <p:sldId id="471" r:id="rId21"/>
   </p:sldIdLst>
   <p:sldSz cx="9144000" cy="6858000" type="screen4x3"/>
   <p:notesSz cx="6858000" cy="9144000"/>
@@ -124,7 +128,7 @@
   </p:defaultTextStyle>
   <p:extLst>
     <p:ext uri="{EFAFB233-063F-42B5-8137-9DF3F51BA10A}">
-      <p15:sldGuideLst xmlns:p15="http://schemas.microsoft.com/office/powerpoint/2012/main" xmlns="">
+      <p15:sldGuideLst xmlns:p15="http://schemas.microsoft.com/office/powerpoint/2012/main">
         <p15:guide id="1" orient="horz" pos="373">
           <p15:clr>
             <a:srgbClr val="A4A3A4"/>
@@ -325,7 +329,7 @@
           <a:p>
             <a:fld id="{7F5E9BF7-95E4-A242-BA1D-05FDCF603BE6}" type="datetime1">
               <a:rPr lang="en-US" smtClean="0"/>
-              <a:t>10/15/2017</a:t>
+              <a:t>10/18/2017</a:t>
             </a:fld>
             <a:endParaRPr lang="en-US"/>
           </a:p>
@@ -491,7 +495,7 @@
           <a:p>
             <a:fld id="{165DBCB1-0306-AD41-9452-11E7C08D5C04}" type="datetime1">
               <a:rPr lang="en-US" smtClean="0"/>
-              <a:t>10/15/2017</a:t>
+              <a:t>10/18/2017</a:t>
             </a:fld>
             <a:endParaRPr lang="en-US"/>
           </a:p>
@@ -1044,7 +1048,7 @@
           <a:p>
             <a:fld id="{7AE90029-A909-AD4E-9775-A0D64990AD22}" type="slidenum">
               <a:rPr lang="en-US" smtClean="0"/>
-              <a:t>12</a:t>
+              <a:t>16</a:t>
             </a:fld>
             <a:endParaRPr lang="en-US"/>
           </a:p>
@@ -5729,18 +5733,90 @@
                 <a:tableStyleId>{2D5ABB26-0587-4C30-8999-92F81FD0307C}</a:tableStyleId>
               </a:tblPr>
               <a:tblGrid>
-                <a:gridCol w="762000"/>
-                <a:gridCol w="762000"/>
-                <a:gridCol w="762000"/>
-                <a:gridCol w="762000"/>
-                <a:gridCol w="762000"/>
-                <a:gridCol w="762000"/>
-                <a:gridCol w="762000"/>
-                <a:gridCol w="762000"/>
-                <a:gridCol w="762000"/>
-                <a:gridCol w="762000"/>
-                <a:gridCol w="762000"/>
-                <a:gridCol w="762000"/>
+                <a:gridCol w="762000">
+                  <a:extLst>
+                    <a:ext uri="{9D8B030D-6E8A-4147-A177-3AD203B41FA5}">
+                      <a16:colId xmlns:a16="http://schemas.microsoft.com/office/drawing/2014/main" val="20000"/>
+                    </a:ext>
+                  </a:extLst>
+                </a:gridCol>
+                <a:gridCol w="762000">
+                  <a:extLst>
+                    <a:ext uri="{9D8B030D-6E8A-4147-A177-3AD203B41FA5}">
+                      <a16:colId xmlns:a16="http://schemas.microsoft.com/office/drawing/2014/main" val="20001"/>
+                    </a:ext>
+                  </a:extLst>
+                </a:gridCol>
+                <a:gridCol w="762000">
+                  <a:extLst>
+                    <a:ext uri="{9D8B030D-6E8A-4147-A177-3AD203B41FA5}">
+                      <a16:colId xmlns:a16="http://schemas.microsoft.com/office/drawing/2014/main" val="20002"/>
+                    </a:ext>
+                  </a:extLst>
+                </a:gridCol>
+                <a:gridCol w="762000">
+                  <a:extLst>
+                    <a:ext uri="{9D8B030D-6E8A-4147-A177-3AD203B41FA5}">
+                      <a16:colId xmlns:a16="http://schemas.microsoft.com/office/drawing/2014/main" val="20003"/>
+                    </a:ext>
+                  </a:extLst>
+                </a:gridCol>
+                <a:gridCol w="762000">
+                  <a:extLst>
+                    <a:ext uri="{9D8B030D-6E8A-4147-A177-3AD203B41FA5}">
+                      <a16:colId xmlns:a16="http://schemas.microsoft.com/office/drawing/2014/main" val="20004"/>
+                    </a:ext>
+                  </a:extLst>
+                </a:gridCol>
+                <a:gridCol w="762000">
+                  <a:extLst>
+                    <a:ext uri="{9D8B030D-6E8A-4147-A177-3AD203B41FA5}">
+                      <a16:colId xmlns:a16="http://schemas.microsoft.com/office/drawing/2014/main" val="20005"/>
+                    </a:ext>
+                  </a:extLst>
+                </a:gridCol>
+                <a:gridCol w="762000">
+                  <a:extLst>
+                    <a:ext uri="{9D8B030D-6E8A-4147-A177-3AD203B41FA5}">
+                      <a16:colId xmlns:a16="http://schemas.microsoft.com/office/drawing/2014/main" val="20006"/>
+                    </a:ext>
+                  </a:extLst>
+                </a:gridCol>
+                <a:gridCol w="762000">
+                  <a:extLst>
+                    <a:ext uri="{9D8B030D-6E8A-4147-A177-3AD203B41FA5}">
+                      <a16:colId xmlns:a16="http://schemas.microsoft.com/office/drawing/2014/main" val="20007"/>
+                    </a:ext>
+                  </a:extLst>
+                </a:gridCol>
+                <a:gridCol w="762000">
+                  <a:extLst>
+                    <a:ext uri="{9D8B030D-6E8A-4147-A177-3AD203B41FA5}">
+                      <a16:colId xmlns:a16="http://schemas.microsoft.com/office/drawing/2014/main" val="20008"/>
+                    </a:ext>
+                  </a:extLst>
+                </a:gridCol>
+                <a:gridCol w="762000">
+                  <a:extLst>
+                    <a:ext uri="{9D8B030D-6E8A-4147-A177-3AD203B41FA5}">
+                      <a16:colId xmlns:a16="http://schemas.microsoft.com/office/drawing/2014/main" val="20009"/>
+                    </a:ext>
+                  </a:extLst>
+                </a:gridCol>
+                <a:gridCol w="762000">
+                  <a:extLst>
+                    <a:ext uri="{9D8B030D-6E8A-4147-A177-3AD203B41FA5}">
+                      <a16:colId xmlns:a16="http://schemas.microsoft.com/office/drawing/2014/main" val="20010"/>
+                    </a:ext>
+                  </a:extLst>
+                </a:gridCol>
+                <a:gridCol w="762000">
+                  <a:extLst>
+                    <a:ext uri="{9D8B030D-6E8A-4147-A177-3AD203B41FA5}">
+                      <a16:colId xmlns:a16="http://schemas.microsoft.com/office/drawing/2014/main" val="20011"/>
+                    </a:ext>
+                  </a:extLst>
+                </a:gridCol>
               </a:tblGrid>
               <a:tr h="362760">
                 <a:tc>
@@ -6619,6 +6695,11 @@
                     </a:solidFill>
                   </a:tcPr>
                 </a:tc>
+                <a:extLst>
+                  <a:ext uri="{0D108BD9-81ED-4DB2-BD59-A6C34878D82A}">
+                    <a16:rowId xmlns:a16="http://schemas.microsoft.com/office/drawing/2014/main" val="10000"/>
+                  </a:ext>
+                </a:extLst>
               </a:tr>
               <a:tr h="5167589">
                 <a:tc>
@@ -7245,6 +7326,11 @@
                     </a:solidFill>
                   </a:tcPr>
                 </a:tc>
+                <a:extLst>
+                  <a:ext uri="{0D108BD9-81ED-4DB2-BD59-A6C34878D82A}">
+                    <a16:rowId xmlns:a16="http://schemas.microsoft.com/office/drawing/2014/main" val="10001"/>
+                  </a:ext>
+                </a:extLst>
               </a:tr>
             </a:tbl>
           </a:graphicData>
@@ -13889,2647 +13975,6 @@
           <a:lstStyle/>
           <a:p>
             <a:r>
-              <a:rPr lang="en-US" dirty="0"/>
-              <a:t>Private interface methods</a:t>
-            </a:r>
-          </a:p>
-        </p:txBody>
-      </p:sp>
-      <p:sp>
-        <p:nvSpPr>
-          <p:cNvPr id="5" name="TextBox 4"/>
-          <p:cNvSpPr txBox="1"/>
-          <p:nvPr/>
-        </p:nvSpPr>
-        <p:spPr>
-          <a:xfrm>
-            <a:off x="187777" y="1085850"/>
-            <a:ext cx="7609199" cy="5380640"/>
-          </a:xfrm>
-          <a:prstGeom prst="rect">
-            <a:avLst/>
-          </a:prstGeom>
-          <a:noFill/>
-        </p:spPr>
-        <p:txBody>
-          <a:bodyPr wrap="none" rtlCol="0">
-            <a:spAutoFit/>
-          </a:bodyPr>
-          <a:lstStyle/>
-          <a:p>
-            <a:pPr>
-              <a:lnSpc>
-                <a:spcPct val="120000"/>
-              </a:lnSpc>
-            </a:pPr>
-            <a:r>
-              <a:rPr lang="en-US" b="1" dirty="0"/>
-              <a:t>public interface </a:t>
-            </a:r>
-            <a:r>
-              <a:rPr lang="en-US" dirty="0" err="1"/>
-              <a:t>MyInterface</a:t>
-            </a:r>
-            <a:r>
-              <a:rPr lang="en-US" dirty="0"/>
-              <a:t> {</a:t>
-            </a:r>
-            <a:br>
-              <a:rPr lang="en-US" dirty="0"/>
-            </a:br>
-            <a:r>
-              <a:rPr lang="en-US" dirty="0"/>
-              <a:t>    </a:t>
-            </a:r>
-            <a:r>
-              <a:rPr lang="en-US" b="1" dirty="0"/>
-              <a:t>void </a:t>
-            </a:r>
-            <a:r>
-              <a:rPr lang="en-US" dirty="0" err="1"/>
-              <a:t>normalInterfaceMethod</a:t>
-            </a:r>
-            <a:r>
-              <a:rPr lang="en-US" dirty="0"/>
-              <a:t>();</a:t>
-            </a:r>
-            <a:br>
-              <a:rPr lang="en-US" dirty="0"/>
-            </a:br>
-            <a:r>
-              <a:rPr lang="en-US" dirty="0"/>
-              <a:t/>
-            </a:r>
-            <a:br>
-              <a:rPr lang="en-US" dirty="0"/>
-            </a:br>
-            <a:r>
-              <a:rPr lang="en-US" dirty="0"/>
-              <a:t>    </a:t>
-            </a:r>
-            <a:r>
-              <a:rPr lang="en-US" b="1" dirty="0"/>
-              <a:t>default void </a:t>
-            </a:r>
-            <a:r>
-              <a:rPr lang="en-US" dirty="0" err="1"/>
-              <a:t>interfaceMethodWithDefault</a:t>
-            </a:r>
-            <a:r>
-              <a:rPr lang="en-US" dirty="0"/>
-              <a:t>() {</a:t>
-            </a:r>
-            <a:br>
-              <a:rPr lang="en-US" dirty="0"/>
-            </a:br>
-            <a:r>
-              <a:rPr lang="en-US" dirty="0"/>
-              <a:t>        </a:t>
-            </a:r>
-            <a:r>
-              <a:rPr lang="en-US" dirty="0" err="1"/>
-              <a:t>init</a:t>
-            </a:r>
-            <a:r>
-              <a:rPr lang="en-US" dirty="0"/>
-              <a:t>();</a:t>
-            </a:r>
-            <a:br>
-              <a:rPr lang="en-US" dirty="0"/>
-            </a:br>
-            <a:r>
-              <a:rPr lang="en-US" dirty="0"/>
-              <a:t>    }</a:t>
-            </a:r>
-            <a:br>
-              <a:rPr lang="en-US" dirty="0"/>
-            </a:br>
-            <a:r>
-              <a:rPr lang="en-US" dirty="0"/>
-              <a:t/>
-            </a:r>
-            <a:br>
-              <a:rPr lang="en-US" dirty="0"/>
-            </a:br>
-            <a:r>
-              <a:rPr lang="en-US" dirty="0"/>
-              <a:t>    </a:t>
-            </a:r>
-            <a:r>
-              <a:rPr lang="en-US" b="1" dirty="0"/>
-              <a:t>default void </a:t>
-            </a:r>
-            <a:r>
-              <a:rPr lang="en-US" dirty="0" err="1"/>
-              <a:t>anotherDefaultMethod</a:t>
-            </a:r>
-            <a:r>
-              <a:rPr lang="en-US" dirty="0"/>
-              <a:t>() {</a:t>
-            </a:r>
-            <a:br>
-              <a:rPr lang="en-US" dirty="0"/>
-            </a:br>
-            <a:r>
-              <a:rPr lang="en-US" dirty="0"/>
-              <a:t>        </a:t>
-            </a:r>
-            <a:r>
-              <a:rPr lang="en-US" dirty="0" err="1"/>
-              <a:t>init</a:t>
-            </a:r>
-            <a:r>
-              <a:rPr lang="en-US" dirty="0"/>
-              <a:t>();</a:t>
-            </a:r>
-            <a:br>
-              <a:rPr lang="en-US" dirty="0"/>
-            </a:br>
-            <a:r>
-              <a:rPr lang="en-US" dirty="0"/>
-              <a:t>    }</a:t>
-            </a:r>
-            <a:br>
-              <a:rPr lang="en-US" dirty="0"/>
-            </a:br>
-            <a:r>
-              <a:rPr lang="en-US" dirty="0"/>
-              <a:t/>
-            </a:r>
-            <a:br>
-              <a:rPr lang="en-US" dirty="0"/>
-            </a:br>
-            <a:r>
-              <a:rPr lang="en-US" dirty="0"/>
-              <a:t>    </a:t>
-            </a:r>
-            <a:r>
-              <a:rPr lang="en-US" i="1" dirty="0"/>
-              <a:t>// This method is not part of the public API exposed by </a:t>
-            </a:r>
-            <a:r>
-              <a:rPr lang="en-US" i="1" dirty="0" err="1"/>
-              <a:t>MyInterface</a:t>
-            </a:r>
-            <a:r>
-              <a:rPr lang="en-US" i="1" dirty="0"/>
-              <a:t> </a:t>
-            </a:r>
-            <a:br>
-              <a:rPr lang="en-US" i="1" dirty="0"/>
-            </a:br>
-            <a:r>
-              <a:rPr lang="en-US" i="1" dirty="0"/>
-              <a:t>    </a:t>
-            </a:r>
-            <a:r>
-              <a:rPr lang="en-US" b="1" dirty="0"/>
-              <a:t>private void </a:t>
-            </a:r>
-            <a:r>
-              <a:rPr lang="en-US" dirty="0" err="1"/>
-              <a:t>init</a:t>
-            </a:r>
-            <a:r>
-              <a:rPr lang="en-US" dirty="0"/>
-              <a:t>() {</a:t>
-            </a:r>
-            <a:br>
-              <a:rPr lang="en-US" dirty="0"/>
-            </a:br>
-            <a:r>
-              <a:rPr lang="en-US" dirty="0"/>
-              <a:t>        </a:t>
-            </a:r>
-            <a:r>
-              <a:rPr lang="en-US" dirty="0" err="1"/>
-              <a:t>System.</a:t>
-            </a:r>
-            <a:r>
-              <a:rPr lang="en-US" b="1" i="1" dirty="0" err="1"/>
-              <a:t>out</a:t>
-            </a:r>
-            <a:r>
-              <a:rPr lang="en-US" dirty="0" err="1"/>
-              <a:t>.println</a:t>
-            </a:r>
-            <a:r>
-              <a:rPr lang="en-US" dirty="0"/>
-              <a:t>(</a:t>
-            </a:r>
-            <a:r>
-              <a:rPr lang="en-US" b="1" dirty="0"/>
-              <a:t>"Initializing"</a:t>
-            </a:r>
-            <a:r>
-              <a:rPr lang="en-US" dirty="0"/>
-              <a:t>);</a:t>
-            </a:r>
-            <a:br>
-              <a:rPr lang="en-US" dirty="0"/>
-            </a:br>
-            <a:r>
-              <a:rPr lang="en-US" dirty="0"/>
-              <a:t>    }</a:t>
-            </a:r>
-            <a:br>
-              <a:rPr lang="en-US" dirty="0"/>
-            </a:br>
-            <a:r>
-              <a:rPr lang="en-US" dirty="0"/>
-              <a:t>}</a:t>
-            </a:r>
-            <a:endParaRPr lang="ru-RU" dirty="0" err="1">
-              <a:solidFill>
-                <a:srgbClr val="444444"/>
-              </a:solidFill>
-              <a:latin typeface="Trebuchet MS"/>
-              <a:cs typeface="Trebuchet MS"/>
-            </a:endParaRPr>
-          </a:p>
-        </p:txBody>
-      </p:sp>
-    </p:spTree>
-    <p:extLst>
-      <p:ext uri="{BB962C8B-B14F-4D97-AF65-F5344CB8AC3E}">
-        <p14:creationId xmlns:p14="http://schemas.microsoft.com/office/powerpoint/2010/main" val="431730922"/>
-      </p:ext>
-    </p:extLst>
-  </p:cSld>
-  <p:clrMapOvr>
-    <a:masterClrMapping/>
-  </p:clrMapOvr>
-</p:sld>
-</file>
-
-<file path=ppt/slides/slide11.xml><?xml version="1.0" encoding="utf-8"?>
-<p:sld xmlns:a="http://schemas.openxmlformats.org/drawingml/2006/main" xmlns:r="http://schemas.openxmlformats.org/officeDocument/2006/relationships" xmlns:p="http://schemas.openxmlformats.org/presentationml/2006/main">
-  <p:cSld>
-    <p:spTree>
-      <p:nvGrpSpPr>
-        <p:cNvPr id="1" name=""/>
-        <p:cNvGrpSpPr/>
-        <p:nvPr/>
-      </p:nvGrpSpPr>
-      <p:grpSpPr>
-        <a:xfrm>
-          <a:off x="0" y="0"/>
-          <a:ext cx="0" cy="0"/>
-          <a:chOff x="0" y="0"/>
-          <a:chExt cx="0" cy="0"/>
-        </a:xfrm>
-      </p:grpSpPr>
-      <p:sp>
-        <p:nvSpPr>
-          <p:cNvPr id="2" name="Text Placeholder 1"/>
-          <p:cNvSpPr>
-            <a:spLocks noGrp="1"/>
-          </p:cNvSpPr>
-          <p:nvPr>
-            <p:ph type="body" sz="quarter" idx="10"/>
-          </p:nvPr>
-        </p:nvSpPr>
-        <p:spPr/>
-        <p:txBody>
-          <a:bodyPr/>
-          <a:lstStyle/>
-          <a:p>
-            <a:endParaRPr lang="ru-RU"/>
-          </a:p>
-        </p:txBody>
-      </p:sp>
-      <p:sp>
-        <p:nvSpPr>
-          <p:cNvPr id="4" name="Text Placeholder 3"/>
-          <p:cNvSpPr>
-            <a:spLocks noGrp="1"/>
-          </p:cNvSpPr>
-          <p:nvPr>
-            <p:ph type="body" sz="quarter" idx="11"/>
-          </p:nvPr>
-        </p:nvSpPr>
-        <p:spPr/>
-        <p:txBody>
-          <a:bodyPr/>
-          <a:lstStyle/>
-          <a:p>
-            <a:r>
-              <a:rPr lang="en-US" dirty="0" smtClean="0"/>
-              <a:t>Others</a:t>
-            </a:r>
-            <a:endParaRPr lang="en-US" dirty="0"/>
-          </a:p>
-        </p:txBody>
-      </p:sp>
-      <p:grpSp>
-        <p:nvGrpSpPr>
-          <p:cNvPr id="6" name="Group 24"/>
-          <p:cNvGrpSpPr/>
-          <p:nvPr/>
-        </p:nvGrpSpPr>
-        <p:grpSpPr>
-          <a:xfrm>
-            <a:off x="187778" y="1353682"/>
-            <a:ext cx="7780439" cy="408253"/>
-            <a:chOff x="357780" y="1435606"/>
-            <a:chExt cx="7780439" cy="408253"/>
-          </a:xfrm>
-        </p:grpSpPr>
-        <p:sp>
-          <p:nvSpPr>
-            <p:cNvPr id="7" name="TextBox 6"/>
-            <p:cNvSpPr txBox="1"/>
-            <p:nvPr/>
-          </p:nvSpPr>
-          <p:spPr>
-            <a:xfrm>
-              <a:off x="823019" y="1459785"/>
-              <a:ext cx="7315200" cy="361061"/>
-            </a:xfrm>
-            <a:prstGeom prst="rect">
-              <a:avLst/>
-            </a:prstGeom>
-            <a:noFill/>
-          </p:spPr>
-          <p:txBody>
-            <a:bodyPr wrap="square" rtlCol="0">
-              <a:spAutoFit/>
-            </a:bodyPr>
-            <a:lstStyle/>
-            <a:p>
-              <a:pPr>
-                <a:lnSpc>
-                  <a:spcPct val="120000"/>
-                </a:lnSpc>
-              </a:pPr>
-              <a:r>
-                <a:rPr lang="en-US" sz="1600" dirty="0" smtClean="0">
-                  <a:solidFill>
-                    <a:srgbClr val="444444"/>
-                  </a:solidFill>
-                  <a:cs typeface="Trebuchet MS"/>
-                </a:rPr>
-                <a:t>HTTP/2 (incubator module)</a:t>
-              </a:r>
-              <a:endParaRPr lang="en-US" sz="1600" dirty="0"/>
-            </a:p>
-          </p:txBody>
-        </p:sp>
-        <p:grpSp>
-          <p:nvGrpSpPr>
-            <p:cNvPr id="8" name="Group 35"/>
-            <p:cNvGrpSpPr>
-              <a:grpSpLocks noChangeAspect="1"/>
-            </p:cNvGrpSpPr>
-            <p:nvPr/>
-          </p:nvGrpSpPr>
-          <p:grpSpPr>
-            <a:xfrm>
-              <a:off x="357780" y="1435606"/>
-              <a:ext cx="411480" cy="408253"/>
-              <a:chOff x="448467" y="1385718"/>
-              <a:chExt cx="464582" cy="464582"/>
-            </a:xfrm>
-          </p:grpSpPr>
-          <p:sp>
-            <p:nvSpPr>
-              <p:cNvPr id="9" name="Oval 36"/>
-              <p:cNvSpPr/>
-              <p:nvPr/>
-            </p:nvSpPr>
-            <p:spPr>
-              <a:xfrm>
-                <a:off x="448467" y="1385718"/>
-                <a:ext cx="464582" cy="464582"/>
-              </a:xfrm>
-              <a:prstGeom prst="ellipse">
-                <a:avLst/>
-              </a:prstGeom>
-              <a:solidFill>
-                <a:srgbClr val="2FC2D9"/>
-              </a:solidFill>
-              <a:ln>
-                <a:noFill/>
-              </a:ln>
-              <a:effectLst/>
-            </p:spPr>
-            <p:style>
-              <a:lnRef idx="1">
-                <a:schemeClr val="accent1"/>
-              </a:lnRef>
-              <a:fillRef idx="3">
-                <a:schemeClr val="accent1"/>
-              </a:fillRef>
-              <a:effectRef idx="2">
-                <a:schemeClr val="accent1"/>
-              </a:effectRef>
-              <a:fontRef idx="minor">
-                <a:schemeClr val="lt1"/>
-              </a:fontRef>
-            </p:style>
-            <p:txBody>
-              <a:bodyPr tIns="91440" bIns="0" rtlCol="0" anchor="ctr" anchorCtr="1">
-                <a:noAutofit/>
-              </a:bodyPr>
-              <a:lstStyle/>
-              <a:p>
-                <a:pPr algn="ctr"/>
-                <a:endParaRPr lang="en-US" sz="1700" dirty="0">
-                  <a:solidFill>
-                    <a:schemeClr val="bg1"/>
-                  </a:solidFill>
-                  <a:latin typeface="Arial Black"/>
-                  <a:cs typeface="Arial Black"/>
-                </a:endParaRPr>
-              </a:p>
-            </p:txBody>
-          </p:sp>
-          <p:sp>
-            <p:nvSpPr>
-              <p:cNvPr id="10" name="TextBox 9"/>
-              <p:cNvSpPr txBox="1"/>
-              <p:nvPr/>
-            </p:nvSpPr>
-            <p:spPr>
-              <a:xfrm>
-                <a:off x="497577" y="1427189"/>
-                <a:ext cx="363015" cy="280194"/>
-              </a:xfrm>
-              <a:prstGeom prst="rect">
-                <a:avLst/>
-              </a:prstGeom>
-              <a:noFill/>
-            </p:spPr>
-            <p:txBody>
-              <a:bodyPr wrap="none" tIns="91440" bIns="0" rtlCol="0" anchor="ctr" anchorCtr="1">
-                <a:noAutofit/>
-              </a:bodyPr>
-              <a:lstStyle/>
-              <a:p>
-                <a:pPr algn="ctr"/>
-                <a:r>
-                  <a:rPr lang="en-US" sz="1700" dirty="0">
-                    <a:solidFill>
-                      <a:schemeClr val="bg1"/>
-                    </a:solidFill>
-                    <a:latin typeface="Arial Black"/>
-                    <a:cs typeface="Arial Black"/>
-                  </a:rPr>
-                  <a:t>1</a:t>
-                </a:r>
-              </a:p>
-            </p:txBody>
-          </p:sp>
-        </p:grpSp>
-      </p:grpSp>
-      <p:grpSp>
-        <p:nvGrpSpPr>
-          <p:cNvPr id="11" name="Group 23"/>
-          <p:cNvGrpSpPr/>
-          <p:nvPr/>
-        </p:nvGrpSpPr>
-        <p:grpSpPr>
-          <a:xfrm>
-            <a:off x="187778" y="2394037"/>
-            <a:ext cx="7780439" cy="408253"/>
-            <a:chOff x="357780" y="2067708"/>
-            <a:chExt cx="7780439" cy="408253"/>
-          </a:xfrm>
-        </p:grpSpPr>
-        <p:sp>
-          <p:nvSpPr>
-            <p:cNvPr id="12" name="TextBox 11"/>
-            <p:cNvSpPr txBox="1"/>
-            <p:nvPr/>
-          </p:nvSpPr>
-          <p:spPr>
-            <a:xfrm>
-              <a:off x="823019" y="2091887"/>
-              <a:ext cx="7315200" cy="338554"/>
-            </a:xfrm>
-            <a:prstGeom prst="rect">
-              <a:avLst/>
-            </a:prstGeom>
-            <a:noFill/>
-          </p:spPr>
-          <p:txBody>
-            <a:bodyPr wrap="square" rtlCol="0">
-              <a:spAutoFit/>
-            </a:bodyPr>
-            <a:lstStyle/>
-            <a:p>
-              <a:r>
-                <a:rPr lang="en-US" sz="1600" dirty="0"/>
-                <a:t>Improved </a:t>
-              </a:r>
-              <a:r>
-                <a:rPr lang="en-US" sz="1600" dirty="0" smtClean="0"/>
-                <a:t>Javadoc – HTML 5 and search</a:t>
-              </a:r>
-              <a:endParaRPr lang="en-US" sz="1600" dirty="0"/>
-            </a:p>
-          </p:txBody>
-        </p:sp>
-        <p:grpSp>
-          <p:nvGrpSpPr>
-            <p:cNvPr id="13" name="Group 50"/>
-            <p:cNvGrpSpPr>
-              <a:grpSpLocks noChangeAspect="1"/>
-            </p:cNvGrpSpPr>
-            <p:nvPr/>
-          </p:nvGrpSpPr>
-          <p:grpSpPr>
-            <a:xfrm>
-              <a:off x="357780" y="2067708"/>
-              <a:ext cx="411480" cy="408253"/>
-              <a:chOff x="448467" y="2071851"/>
-              <a:chExt cx="464582" cy="464582"/>
-            </a:xfrm>
-          </p:grpSpPr>
-          <p:sp>
-            <p:nvSpPr>
-              <p:cNvPr id="14" name="Oval 51"/>
-              <p:cNvSpPr/>
-              <p:nvPr/>
-            </p:nvSpPr>
-            <p:spPr>
-              <a:xfrm>
-                <a:off x="448467" y="2071851"/>
-                <a:ext cx="464582" cy="464582"/>
-              </a:xfrm>
-              <a:prstGeom prst="ellipse">
-                <a:avLst/>
-              </a:prstGeom>
-              <a:solidFill>
-                <a:srgbClr val="2FC2D9"/>
-              </a:solidFill>
-              <a:ln>
-                <a:noFill/>
-              </a:ln>
-              <a:effectLst/>
-            </p:spPr>
-            <p:style>
-              <a:lnRef idx="1">
-                <a:schemeClr val="accent1"/>
-              </a:lnRef>
-              <a:fillRef idx="3">
-                <a:schemeClr val="accent1"/>
-              </a:fillRef>
-              <a:effectRef idx="2">
-                <a:schemeClr val="accent1"/>
-              </a:effectRef>
-              <a:fontRef idx="minor">
-                <a:schemeClr val="lt1"/>
-              </a:fontRef>
-            </p:style>
-            <p:txBody>
-              <a:bodyPr tIns="91440" bIns="0" rtlCol="0" anchor="ctr" anchorCtr="1">
-                <a:noAutofit/>
-              </a:bodyPr>
-              <a:lstStyle/>
-              <a:p>
-                <a:pPr algn="ctr"/>
-                <a:endParaRPr lang="en-US" sz="1700">
-                  <a:solidFill>
-                    <a:schemeClr val="bg1"/>
-                  </a:solidFill>
-                  <a:latin typeface="Arial Black"/>
-                  <a:cs typeface="Arial Black"/>
-                </a:endParaRPr>
-              </a:p>
-            </p:txBody>
-          </p:sp>
-          <p:sp>
-            <p:nvSpPr>
-              <p:cNvPr id="15" name="TextBox 14"/>
-              <p:cNvSpPr txBox="1"/>
-              <p:nvPr/>
-            </p:nvSpPr>
-            <p:spPr>
-              <a:xfrm>
-                <a:off x="499647" y="2113322"/>
-                <a:ext cx="363015" cy="280194"/>
-              </a:xfrm>
-              <a:prstGeom prst="rect">
-                <a:avLst/>
-              </a:prstGeom>
-              <a:noFill/>
-            </p:spPr>
-            <p:txBody>
-              <a:bodyPr wrap="none" tIns="91440" bIns="0" rtlCol="0" anchor="ctr" anchorCtr="1">
-                <a:noAutofit/>
-              </a:bodyPr>
-              <a:lstStyle/>
-              <a:p>
-                <a:pPr algn="ctr"/>
-                <a:r>
-                  <a:rPr lang="en-US" sz="1700" dirty="0">
-                    <a:solidFill>
-                      <a:schemeClr val="bg1"/>
-                    </a:solidFill>
-                    <a:latin typeface="Arial Black"/>
-                    <a:cs typeface="Arial Black"/>
-                  </a:rPr>
-                  <a:t>2</a:t>
-                </a:r>
-              </a:p>
-            </p:txBody>
-          </p:sp>
-        </p:grpSp>
-      </p:grpSp>
-      <p:sp>
-        <p:nvSpPr>
-          <p:cNvPr id="16" name="Rectangle 15"/>
-          <p:cNvSpPr/>
-          <p:nvPr/>
-        </p:nvSpPr>
-        <p:spPr>
-          <a:xfrm>
-            <a:off x="653017" y="2949068"/>
-            <a:ext cx="5682217" cy="369332"/>
-          </a:xfrm>
-          <a:prstGeom prst="rect">
-            <a:avLst/>
-          </a:prstGeom>
-        </p:spPr>
-        <p:txBody>
-          <a:bodyPr wrap="square">
-            <a:spAutoFit/>
-          </a:bodyPr>
-          <a:lstStyle/>
-          <a:p>
-            <a:r>
-              <a:rPr lang="en-US" dirty="0"/>
-              <a:t>https://docs.oracle.com/javase/8/docs/api/</a:t>
-            </a:r>
-            <a:endParaRPr lang="ru-RU" dirty="0"/>
-          </a:p>
-        </p:txBody>
-      </p:sp>
-      <p:sp>
-        <p:nvSpPr>
-          <p:cNvPr id="17" name="Rectangle 16"/>
-          <p:cNvSpPr/>
-          <p:nvPr/>
-        </p:nvSpPr>
-        <p:spPr>
-          <a:xfrm>
-            <a:off x="653017" y="3440570"/>
-            <a:ext cx="8207482" cy="369332"/>
-          </a:xfrm>
-          <a:prstGeom prst="rect">
-            <a:avLst/>
-          </a:prstGeom>
-        </p:spPr>
-        <p:txBody>
-          <a:bodyPr wrap="square">
-            <a:spAutoFit/>
-          </a:bodyPr>
-          <a:lstStyle/>
-          <a:p>
-            <a:r>
-              <a:rPr lang="en-US" dirty="0"/>
-              <a:t>http://download.java.net/java/jdk9/docs/api/overview-summary.html</a:t>
-            </a:r>
-            <a:endParaRPr lang="ru-RU" dirty="0"/>
-          </a:p>
-        </p:txBody>
-      </p:sp>
-      <p:grpSp>
-        <p:nvGrpSpPr>
-          <p:cNvPr id="18" name="Group 23"/>
-          <p:cNvGrpSpPr/>
-          <p:nvPr/>
-        </p:nvGrpSpPr>
-        <p:grpSpPr>
-          <a:xfrm>
-            <a:off x="231275" y="4146637"/>
-            <a:ext cx="7780439" cy="408253"/>
-            <a:chOff x="357780" y="2067708"/>
-            <a:chExt cx="7780439" cy="408253"/>
-          </a:xfrm>
-        </p:grpSpPr>
-        <p:sp>
-          <p:nvSpPr>
-            <p:cNvPr id="19" name="TextBox 18"/>
-            <p:cNvSpPr txBox="1"/>
-            <p:nvPr/>
-          </p:nvSpPr>
-          <p:spPr>
-            <a:xfrm>
-              <a:off x="823019" y="2091887"/>
-              <a:ext cx="7315200" cy="338554"/>
-            </a:xfrm>
-            <a:prstGeom prst="rect">
-              <a:avLst/>
-            </a:prstGeom>
-            <a:noFill/>
-          </p:spPr>
-          <p:txBody>
-            <a:bodyPr wrap="square" rtlCol="0">
-              <a:spAutoFit/>
-            </a:bodyPr>
-            <a:lstStyle/>
-            <a:p>
-              <a:r>
-                <a:rPr lang="en-US" sz="1600" dirty="0" smtClean="0"/>
-                <a:t>Flow API – Publisher and Subscriber</a:t>
-              </a:r>
-              <a:endParaRPr lang="en-US" sz="1600" dirty="0"/>
-            </a:p>
-          </p:txBody>
-        </p:sp>
-        <p:grpSp>
-          <p:nvGrpSpPr>
-            <p:cNvPr id="20" name="Group 50"/>
-            <p:cNvGrpSpPr>
-              <a:grpSpLocks noChangeAspect="1"/>
-            </p:cNvGrpSpPr>
-            <p:nvPr/>
-          </p:nvGrpSpPr>
-          <p:grpSpPr>
-            <a:xfrm>
-              <a:off x="357780" y="2067708"/>
-              <a:ext cx="411480" cy="408253"/>
-              <a:chOff x="448467" y="2071851"/>
-              <a:chExt cx="464582" cy="464582"/>
-            </a:xfrm>
-          </p:grpSpPr>
-          <p:sp>
-            <p:nvSpPr>
-              <p:cNvPr id="21" name="Oval 51"/>
-              <p:cNvSpPr/>
-              <p:nvPr/>
-            </p:nvSpPr>
-            <p:spPr>
-              <a:xfrm>
-                <a:off x="448467" y="2071851"/>
-                <a:ext cx="464582" cy="464582"/>
-              </a:xfrm>
-              <a:prstGeom prst="ellipse">
-                <a:avLst/>
-              </a:prstGeom>
-              <a:solidFill>
-                <a:srgbClr val="2FC2D9"/>
-              </a:solidFill>
-              <a:ln>
-                <a:noFill/>
-              </a:ln>
-              <a:effectLst/>
-            </p:spPr>
-            <p:style>
-              <a:lnRef idx="1">
-                <a:schemeClr val="accent1"/>
-              </a:lnRef>
-              <a:fillRef idx="3">
-                <a:schemeClr val="accent1"/>
-              </a:fillRef>
-              <a:effectRef idx="2">
-                <a:schemeClr val="accent1"/>
-              </a:effectRef>
-              <a:fontRef idx="minor">
-                <a:schemeClr val="lt1"/>
-              </a:fontRef>
-            </p:style>
-            <p:txBody>
-              <a:bodyPr tIns="91440" bIns="0" rtlCol="0" anchor="ctr" anchorCtr="1">
-                <a:noAutofit/>
-              </a:bodyPr>
-              <a:lstStyle/>
-              <a:p>
-                <a:pPr algn="ctr"/>
-                <a:endParaRPr lang="en-US" sz="1700">
-                  <a:solidFill>
-                    <a:schemeClr val="bg1"/>
-                  </a:solidFill>
-                  <a:latin typeface="Arial Black"/>
-                  <a:cs typeface="Arial Black"/>
-                </a:endParaRPr>
-              </a:p>
-            </p:txBody>
-          </p:sp>
-          <p:sp>
-            <p:nvSpPr>
-              <p:cNvPr id="22" name="TextBox 21"/>
-              <p:cNvSpPr txBox="1"/>
-              <p:nvPr/>
-            </p:nvSpPr>
-            <p:spPr>
-              <a:xfrm>
-                <a:off x="499647" y="2113322"/>
-                <a:ext cx="363015" cy="280194"/>
-              </a:xfrm>
-              <a:prstGeom prst="rect">
-                <a:avLst/>
-              </a:prstGeom>
-              <a:noFill/>
-            </p:spPr>
-            <p:txBody>
-              <a:bodyPr wrap="none" tIns="91440" bIns="0" rtlCol="0" anchor="ctr" anchorCtr="1">
-                <a:noAutofit/>
-              </a:bodyPr>
-              <a:lstStyle/>
-              <a:p>
-                <a:pPr algn="ctr"/>
-                <a:r>
-                  <a:rPr lang="en-US" sz="1700" dirty="0" smtClean="0">
-                    <a:solidFill>
-                      <a:schemeClr val="bg1"/>
-                    </a:solidFill>
-                    <a:latin typeface="Arial Black"/>
-                    <a:cs typeface="Arial Black"/>
-                  </a:rPr>
-                  <a:t>3</a:t>
-                </a:r>
-                <a:endParaRPr lang="en-US" sz="1700" dirty="0">
-                  <a:solidFill>
-                    <a:schemeClr val="bg1"/>
-                  </a:solidFill>
-                  <a:latin typeface="Arial Black"/>
-                  <a:cs typeface="Arial Black"/>
-                </a:endParaRPr>
-              </a:p>
-            </p:txBody>
-          </p:sp>
-        </p:grpSp>
-      </p:grpSp>
-    </p:spTree>
-    <p:extLst>
-      <p:ext uri="{BB962C8B-B14F-4D97-AF65-F5344CB8AC3E}">
-        <p14:creationId xmlns:p14="http://schemas.microsoft.com/office/powerpoint/2010/main" val="2684034211"/>
-      </p:ext>
-    </p:extLst>
-  </p:cSld>
-  <p:clrMapOvr>
-    <a:masterClrMapping/>
-  </p:clrMapOvr>
-</p:sld>
-</file>
-
-<file path=ppt/slides/slide12.xml><?xml version="1.0" encoding="utf-8"?>
-<p:sld xmlns:a="http://schemas.openxmlformats.org/drawingml/2006/main" xmlns:r="http://schemas.openxmlformats.org/officeDocument/2006/relationships" xmlns:p="http://schemas.openxmlformats.org/presentationml/2006/main">
-  <p:cSld>
-    <p:spTree>
-      <p:nvGrpSpPr>
-        <p:cNvPr id="1" name=""/>
-        <p:cNvGrpSpPr/>
-        <p:nvPr/>
-      </p:nvGrpSpPr>
-      <p:grpSpPr>
-        <a:xfrm>
-          <a:off x="0" y="0"/>
-          <a:ext cx="0" cy="0"/>
-          <a:chOff x="0" y="0"/>
-          <a:chExt cx="0" cy="0"/>
-        </a:xfrm>
-      </p:grpSpPr>
-      <p:sp>
-        <p:nvSpPr>
-          <p:cNvPr id="5" name="Text Placeholder 4"/>
-          <p:cNvSpPr>
-            <a:spLocks noGrp="1"/>
-          </p:cNvSpPr>
-          <p:nvPr>
-            <p:ph type="body" sz="quarter" idx="11"/>
-          </p:nvPr>
-        </p:nvSpPr>
-        <p:spPr/>
-        <p:txBody>
-          <a:bodyPr/>
-          <a:lstStyle/>
-          <a:p>
-            <a:r>
-              <a:rPr lang="en-US" dirty="0" smtClean="0"/>
-              <a:t>Questions? </a:t>
-            </a:r>
-            <a:endParaRPr lang="en-US" dirty="0"/>
-          </a:p>
-        </p:txBody>
-      </p:sp>
-    </p:spTree>
-    <p:extLst>
-      <p:ext uri="{BB962C8B-B14F-4D97-AF65-F5344CB8AC3E}">
-        <p14:creationId xmlns:p14="http://schemas.microsoft.com/office/powerpoint/2010/main" val="432070721"/>
-      </p:ext>
-    </p:extLst>
-  </p:cSld>
-  <p:clrMapOvr>
-    <a:masterClrMapping/>
-  </p:clrMapOvr>
-  <p:timing>
-    <p:tnLst>
-      <p:par>
-        <p:cTn id="1" dur="indefinite" restart="never" nodeType="tmRoot"/>
-      </p:par>
-    </p:tnLst>
-  </p:timing>
-</p:sld>
-</file>
-
-<file path=ppt/slides/slide2.xml><?xml version="1.0" encoding="utf-8"?>
-<p:sld xmlns:a="http://schemas.openxmlformats.org/drawingml/2006/main" xmlns:r="http://schemas.openxmlformats.org/officeDocument/2006/relationships" xmlns:p="http://schemas.openxmlformats.org/presentationml/2006/main">
-  <p:cSld>
-    <p:spTree>
-      <p:nvGrpSpPr>
-        <p:cNvPr id="1" name=""/>
-        <p:cNvGrpSpPr/>
-        <p:nvPr/>
-      </p:nvGrpSpPr>
-      <p:grpSpPr>
-        <a:xfrm>
-          <a:off x="0" y="0"/>
-          <a:ext cx="0" cy="0"/>
-          <a:chOff x="0" y="0"/>
-          <a:chExt cx="0" cy="0"/>
-        </a:xfrm>
-      </p:grpSpPr>
-      <p:sp>
-        <p:nvSpPr>
-          <p:cNvPr id="13" name="Text Placeholder 12"/>
-          <p:cNvSpPr>
-            <a:spLocks noGrp="1"/>
-          </p:cNvSpPr>
-          <p:nvPr>
-            <p:ph type="body" sz="quarter" idx="10"/>
-          </p:nvPr>
-        </p:nvSpPr>
-        <p:spPr/>
-        <p:txBody>
-          <a:bodyPr/>
-          <a:lstStyle/>
-          <a:p>
-            <a:r>
-              <a:rPr lang="en-US" dirty="0" smtClean="0"/>
-              <a:t>Agenda</a:t>
-            </a:r>
-            <a:endParaRPr lang="en-US" dirty="0"/>
-          </a:p>
-        </p:txBody>
-      </p:sp>
-      <p:grpSp>
-        <p:nvGrpSpPr>
-          <p:cNvPr id="25" name="Group 24"/>
-          <p:cNvGrpSpPr/>
-          <p:nvPr/>
-        </p:nvGrpSpPr>
-        <p:grpSpPr>
-          <a:xfrm>
-            <a:off x="357780" y="1435606"/>
-            <a:ext cx="7780439" cy="408253"/>
-            <a:chOff x="357780" y="1435606"/>
-            <a:chExt cx="7780439" cy="408253"/>
-          </a:xfrm>
-        </p:grpSpPr>
-        <p:sp>
-          <p:nvSpPr>
-            <p:cNvPr id="35" name="TextBox 34"/>
-            <p:cNvSpPr txBox="1"/>
-            <p:nvPr/>
-          </p:nvSpPr>
-          <p:spPr>
-            <a:xfrm>
-              <a:off x="823019" y="1459785"/>
-              <a:ext cx="7315200" cy="338554"/>
-            </a:xfrm>
-            <a:prstGeom prst="rect">
-              <a:avLst/>
-            </a:prstGeom>
-            <a:noFill/>
-          </p:spPr>
-          <p:txBody>
-            <a:bodyPr wrap="square" rtlCol="0">
-              <a:spAutoFit/>
-            </a:bodyPr>
-            <a:lstStyle/>
-            <a:p>
-              <a:pPr>
-                <a:buClr>
-                  <a:schemeClr val="bg1"/>
-                </a:buClr>
-                <a:buSzPct val="140000"/>
-              </a:pPr>
-              <a:r>
-                <a:rPr lang="en-US" sz="1600" dirty="0" err="1" smtClean="0">
-                  <a:solidFill>
-                    <a:srgbClr val="444444"/>
-                  </a:solidFill>
-                  <a:latin typeface="Trebuchet MS"/>
-                  <a:cs typeface="Trebuchet MS"/>
-                </a:rPr>
-                <a:t>Jigsag</a:t>
-              </a:r>
-              <a:endParaRPr lang="en-US" sz="1600" dirty="0">
-                <a:solidFill>
-                  <a:srgbClr val="444444"/>
-                </a:solidFill>
-                <a:latin typeface="Trebuchet MS"/>
-                <a:cs typeface="Trebuchet MS"/>
-              </a:endParaRPr>
-            </a:p>
-          </p:txBody>
-        </p:sp>
-        <p:grpSp>
-          <p:nvGrpSpPr>
-            <p:cNvPr id="36" name="Group 35"/>
-            <p:cNvGrpSpPr>
-              <a:grpSpLocks noChangeAspect="1"/>
-            </p:cNvGrpSpPr>
-            <p:nvPr/>
-          </p:nvGrpSpPr>
-          <p:grpSpPr>
-            <a:xfrm>
-              <a:off x="357780" y="1435606"/>
-              <a:ext cx="411480" cy="408253"/>
-              <a:chOff x="448467" y="1385718"/>
-              <a:chExt cx="464582" cy="464582"/>
-            </a:xfrm>
-          </p:grpSpPr>
-          <p:sp>
-            <p:nvSpPr>
-              <p:cNvPr id="37" name="Oval 36"/>
-              <p:cNvSpPr/>
-              <p:nvPr/>
-            </p:nvSpPr>
-            <p:spPr>
-              <a:xfrm>
-                <a:off x="448467" y="1385718"/>
-                <a:ext cx="464582" cy="464582"/>
-              </a:xfrm>
-              <a:prstGeom prst="ellipse">
-                <a:avLst/>
-              </a:prstGeom>
-              <a:solidFill>
-                <a:srgbClr val="2FC2D9"/>
-              </a:solidFill>
-              <a:ln>
-                <a:noFill/>
-              </a:ln>
-              <a:effectLst/>
-            </p:spPr>
-            <p:style>
-              <a:lnRef idx="1">
-                <a:schemeClr val="accent1"/>
-              </a:lnRef>
-              <a:fillRef idx="3">
-                <a:schemeClr val="accent1"/>
-              </a:fillRef>
-              <a:effectRef idx="2">
-                <a:schemeClr val="accent1"/>
-              </a:effectRef>
-              <a:fontRef idx="minor">
-                <a:schemeClr val="lt1"/>
-              </a:fontRef>
-            </p:style>
-            <p:txBody>
-              <a:bodyPr tIns="91440" bIns="0" rtlCol="0" anchor="ctr" anchorCtr="1">
-                <a:noAutofit/>
-              </a:bodyPr>
-              <a:lstStyle/>
-              <a:p>
-                <a:pPr algn="ctr"/>
-                <a:endParaRPr lang="en-US" sz="1700" dirty="0">
-                  <a:solidFill>
-                    <a:schemeClr val="bg1"/>
-                  </a:solidFill>
-                  <a:latin typeface="Arial Black"/>
-                  <a:cs typeface="Arial Black"/>
-                </a:endParaRPr>
-              </a:p>
-            </p:txBody>
-          </p:sp>
-          <p:sp>
-            <p:nvSpPr>
-              <p:cNvPr id="48" name="TextBox 47"/>
-              <p:cNvSpPr txBox="1"/>
-              <p:nvPr/>
-            </p:nvSpPr>
-            <p:spPr>
-              <a:xfrm>
-                <a:off x="497577" y="1427189"/>
-                <a:ext cx="363015" cy="280194"/>
-              </a:xfrm>
-              <a:prstGeom prst="rect">
-                <a:avLst/>
-              </a:prstGeom>
-              <a:noFill/>
-            </p:spPr>
-            <p:txBody>
-              <a:bodyPr wrap="none" tIns="91440" bIns="0" rtlCol="0" anchor="ctr" anchorCtr="1">
-                <a:noAutofit/>
-              </a:bodyPr>
-              <a:lstStyle/>
-              <a:p>
-                <a:pPr algn="ctr"/>
-                <a:r>
-                  <a:rPr lang="en-US" sz="1700" dirty="0">
-                    <a:solidFill>
-                      <a:schemeClr val="bg1"/>
-                    </a:solidFill>
-                    <a:latin typeface="Arial Black"/>
-                    <a:cs typeface="Arial Black"/>
-                  </a:rPr>
-                  <a:t>1</a:t>
-                </a:r>
-              </a:p>
-            </p:txBody>
-          </p:sp>
-        </p:grpSp>
-      </p:grpSp>
-      <p:grpSp>
-        <p:nvGrpSpPr>
-          <p:cNvPr id="24" name="Group 23"/>
-          <p:cNvGrpSpPr/>
-          <p:nvPr/>
-        </p:nvGrpSpPr>
-        <p:grpSpPr>
-          <a:xfrm>
-            <a:off x="357780" y="2067708"/>
-            <a:ext cx="7780439" cy="408253"/>
-            <a:chOff x="357780" y="2067708"/>
-            <a:chExt cx="7780439" cy="408253"/>
-          </a:xfrm>
-        </p:grpSpPr>
-        <p:sp>
-          <p:nvSpPr>
-            <p:cNvPr id="50" name="TextBox 49"/>
-            <p:cNvSpPr txBox="1"/>
-            <p:nvPr/>
-          </p:nvSpPr>
-          <p:spPr>
-            <a:xfrm>
-              <a:off x="823019" y="2091887"/>
-              <a:ext cx="7315200" cy="338554"/>
-            </a:xfrm>
-            <a:prstGeom prst="rect">
-              <a:avLst/>
-            </a:prstGeom>
-            <a:noFill/>
-          </p:spPr>
-          <p:txBody>
-            <a:bodyPr wrap="square" rtlCol="0">
-              <a:spAutoFit/>
-            </a:bodyPr>
-            <a:lstStyle/>
-            <a:p>
-              <a:pPr>
-                <a:buClr>
-                  <a:schemeClr val="bg1"/>
-                </a:buClr>
-                <a:buSzPct val="140000"/>
-              </a:pPr>
-              <a:r>
-                <a:rPr lang="en-US" sz="1600" dirty="0" smtClean="0">
-                  <a:solidFill>
-                    <a:srgbClr val="444444"/>
-                  </a:solidFill>
-                  <a:latin typeface="Trebuchet MS"/>
-                  <a:cs typeface="Trebuchet MS"/>
-                </a:rPr>
-                <a:t>REPL</a:t>
-              </a:r>
-              <a:endParaRPr lang="en-US" sz="1600" dirty="0">
-                <a:solidFill>
-                  <a:srgbClr val="444444"/>
-                </a:solidFill>
-                <a:latin typeface="Trebuchet MS"/>
-                <a:cs typeface="Trebuchet MS"/>
-              </a:endParaRPr>
-            </a:p>
-          </p:txBody>
-        </p:sp>
-        <p:grpSp>
-          <p:nvGrpSpPr>
-            <p:cNvPr id="51" name="Group 50"/>
-            <p:cNvGrpSpPr>
-              <a:grpSpLocks noChangeAspect="1"/>
-            </p:cNvGrpSpPr>
-            <p:nvPr/>
-          </p:nvGrpSpPr>
-          <p:grpSpPr>
-            <a:xfrm>
-              <a:off x="357780" y="2067708"/>
-              <a:ext cx="411480" cy="408253"/>
-              <a:chOff x="448467" y="2071851"/>
-              <a:chExt cx="464582" cy="464582"/>
-            </a:xfrm>
-          </p:grpSpPr>
-          <p:sp>
-            <p:nvSpPr>
-              <p:cNvPr id="52" name="Oval 51"/>
-              <p:cNvSpPr/>
-              <p:nvPr/>
-            </p:nvSpPr>
-            <p:spPr>
-              <a:xfrm>
-                <a:off x="448467" y="2071851"/>
-                <a:ext cx="464582" cy="464582"/>
-              </a:xfrm>
-              <a:prstGeom prst="ellipse">
-                <a:avLst/>
-              </a:prstGeom>
-              <a:solidFill>
-                <a:srgbClr val="2FC2D9"/>
-              </a:solidFill>
-              <a:ln>
-                <a:noFill/>
-              </a:ln>
-              <a:effectLst/>
-            </p:spPr>
-            <p:style>
-              <a:lnRef idx="1">
-                <a:schemeClr val="accent1"/>
-              </a:lnRef>
-              <a:fillRef idx="3">
-                <a:schemeClr val="accent1"/>
-              </a:fillRef>
-              <a:effectRef idx="2">
-                <a:schemeClr val="accent1"/>
-              </a:effectRef>
-              <a:fontRef idx="minor">
-                <a:schemeClr val="lt1"/>
-              </a:fontRef>
-            </p:style>
-            <p:txBody>
-              <a:bodyPr tIns="91440" bIns="0" rtlCol="0" anchor="ctr" anchorCtr="1">
-                <a:noAutofit/>
-              </a:bodyPr>
-              <a:lstStyle/>
-              <a:p>
-                <a:pPr algn="ctr"/>
-                <a:endParaRPr lang="en-US" sz="1700">
-                  <a:solidFill>
-                    <a:schemeClr val="bg1"/>
-                  </a:solidFill>
-                  <a:latin typeface="Arial Black"/>
-                  <a:cs typeface="Arial Black"/>
-                </a:endParaRPr>
-              </a:p>
-            </p:txBody>
-          </p:sp>
-          <p:sp>
-            <p:nvSpPr>
-              <p:cNvPr id="53" name="TextBox 52"/>
-              <p:cNvSpPr txBox="1"/>
-              <p:nvPr/>
-            </p:nvSpPr>
-            <p:spPr>
-              <a:xfrm>
-                <a:off x="499647" y="2113322"/>
-                <a:ext cx="363015" cy="280194"/>
-              </a:xfrm>
-              <a:prstGeom prst="rect">
-                <a:avLst/>
-              </a:prstGeom>
-              <a:noFill/>
-            </p:spPr>
-            <p:txBody>
-              <a:bodyPr wrap="none" tIns="91440" bIns="0" rtlCol="0" anchor="ctr" anchorCtr="1">
-                <a:noAutofit/>
-              </a:bodyPr>
-              <a:lstStyle/>
-              <a:p>
-                <a:pPr algn="ctr"/>
-                <a:r>
-                  <a:rPr lang="en-US" sz="1700" dirty="0">
-                    <a:solidFill>
-                      <a:schemeClr val="bg1"/>
-                    </a:solidFill>
-                    <a:latin typeface="Arial Black"/>
-                    <a:cs typeface="Arial Black"/>
-                  </a:rPr>
-                  <a:t>2</a:t>
-                </a:r>
-              </a:p>
-            </p:txBody>
-          </p:sp>
-        </p:grpSp>
-      </p:grpSp>
-      <p:grpSp>
-        <p:nvGrpSpPr>
-          <p:cNvPr id="23" name="Group 22"/>
-          <p:cNvGrpSpPr/>
-          <p:nvPr/>
-        </p:nvGrpSpPr>
-        <p:grpSpPr>
-          <a:xfrm>
-            <a:off x="357780" y="2699810"/>
-            <a:ext cx="7780439" cy="408253"/>
-            <a:chOff x="357780" y="2699810"/>
-            <a:chExt cx="7780439" cy="408253"/>
-          </a:xfrm>
-        </p:grpSpPr>
-        <p:sp>
-          <p:nvSpPr>
-            <p:cNvPr id="55" name="TextBox 54"/>
-            <p:cNvSpPr txBox="1"/>
-            <p:nvPr/>
-          </p:nvSpPr>
-          <p:spPr>
-            <a:xfrm>
-              <a:off x="823019" y="2723989"/>
-              <a:ext cx="7315200" cy="338554"/>
-            </a:xfrm>
-            <a:prstGeom prst="rect">
-              <a:avLst/>
-            </a:prstGeom>
-            <a:noFill/>
-          </p:spPr>
-          <p:txBody>
-            <a:bodyPr wrap="square" rtlCol="0">
-              <a:spAutoFit/>
-            </a:bodyPr>
-            <a:lstStyle/>
-            <a:p>
-              <a:pPr>
-                <a:buClr>
-                  <a:schemeClr val="bg1"/>
-                </a:buClr>
-                <a:buSzPct val="140000"/>
-              </a:pPr>
-              <a:r>
-                <a:rPr lang="en-US" sz="1600" dirty="0" smtClean="0">
-                  <a:solidFill>
-                    <a:srgbClr val="444444"/>
-                  </a:solidFill>
-                  <a:latin typeface="Trebuchet MS"/>
-                  <a:cs typeface="Trebuchet MS"/>
-                </a:rPr>
-                <a:t>Collection Factories</a:t>
-              </a:r>
-              <a:endParaRPr lang="en-US" sz="1600" dirty="0">
-                <a:solidFill>
-                  <a:srgbClr val="444444"/>
-                </a:solidFill>
-                <a:latin typeface="Trebuchet MS"/>
-                <a:cs typeface="Trebuchet MS"/>
-              </a:endParaRPr>
-            </a:p>
-          </p:txBody>
-        </p:sp>
-        <p:grpSp>
-          <p:nvGrpSpPr>
-            <p:cNvPr id="56" name="Group 55"/>
-            <p:cNvGrpSpPr>
-              <a:grpSpLocks noChangeAspect="1"/>
-            </p:cNvGrpSpPr>
-            <p:nvPr/>
-          </p:nvGrpSpPr>
-          <p:grpSpPr>
-            <a:xfrm>
-              <a:off x="357780" y="2699810"/>
-              <a:ext cx="411480" cy="408253"/>
-              <a:chOff x="448467" y="2760563"/>
-              <a:chExt cx="464582" cy="464582"/>
-            </a:xfrm>
-          </p:grpSpPr>
-          <p:sp>
-            <p:nvSpPr>
-              <p:cNvPr id="57" name="Oval 56"/>
-              <p:cNvSpPr/>
-              <p:nvPr/>
-            </p:nvSpPr>
-            <p:spPr>
-              <a:xfrm>
-                <a:off x="448467" y="2760563"/>
-                <a:ext cx="464582" cy="464582"/>
-              </a:xfrm>
-              <a:prstGeom prst="ellipse">
-                <a:avLst/>
-              </a:prstGeom>
-              <a:solidFill>
-                <a:srgbClr val="2FC2D9"/>
-              </a:solidFill>
-              <a:ln>
-                <a:noFill/>
-              </a:ln>
-              <a:effectLst/>
-            </p:spPr>
-            <p:style>
-              <a:lnRef idx="1">
-                <a:schemeClr val="accent1"/>
-              </a:lnRef>
-              <a:fillRef idx="3">
-                <a:schemeClr val="accent1"/>
-              </a:fillRef>
-              <a:effectRef idx="2">
-                <a:schemeClr val="accent1"/>
-              </a:effectRef>
-              <a:fontRef idx="minor">
-                <a:schemeClr val="lt1"/>
-              </a:fontRef>
-            </p:style>
-            <p:txBody>
-              <a:bodyPr tIns="91440" bIns="0" rtlCol="0" anchor="ctr" anchorCtr="1">
-                <a:noAutofit/>
-              </a:bodyPr>
-              <a:lstStyle/>
-              <a:p>
-                <a:pPr algn="ctr"/>
-                <a:endParaRPr lang="en-US" sz="1700" dirty="0">
-                  <a:solidFill>
-                    <a:schemeClr val="bg1"/>
-                  </a:solidFill>
-                  <a:latin typeface="Arial Black"/>
-                  <a:cs typeface="Arial Black"/>
-                </a:endParaRPr>
-              </a:p>
-            </p:txBody>
-          </p:sp>
-          <p:sp>
-            <p:nvSpPr>
-              <p:cNvPr id="58" name="TextBox 57"/>
-              <p:cNvSpPr txBox="1"/>
-              <p:nvPr/>
-            </p:nvSpPr>
-            <p:spPr>
-              <a:xfrm>
-                <a:off x="499647" y="2802034"/>
-                <a:ext cx="363015" cy="280194"/>
-              </a:xfrm>
-              <a:prstGeom prst="rect">
-                <a:avLst/>
-              </a:prstGeom>
-              <a:noFill/>
-            </p:spPr>
-            <p:txBody>
-              <a:bodyPr wrap="none" tIns="91440" bIns="0" rtlCol="0" anchor="ctr" anchorCtr="1">
-                <a:noAutofit/>
-              </a:bodyPr>
-              <a:lstStyle/>
-              <a:p>
-                <a:pPr algn="ctr"/>
-                <a:r>
-                  <a:rPr lang="en-US" sz="1700" dirty="0">
-                    <a:solidFill>
-                      <a:schemeClr val="bg1"/>
-                    </a:solidFill>
-                    <a:latin typeface="Arial Black"/>
-                    <a:cs typeface="Arial Black"/>
-                  </a:rPr>
-                  <a:t>3</a:t>
-                </a:r>
-              </a:p>
-            </p:txBody>
-          </p:sp>
-        </p:grpSp>
-      </p:grpSp>
-      <p:grpSp>
-        <p:nvGrpSpPr>
-          <p:cNvPr id="18" name="Group 17"/>
-          <p:cNvGrpSpPr/>
-          <p:nvPr/>
-        </p:nvGrpSpPr>
-        <p:grpSpPr>
-          <a:xfrm>
-            <a:off x="357780" y="3325738"/>
-            <a:ext cx="7780439" cy="408253"/>
-            <a:chOff x="357780" y="2699810"/>
-            <a:chExt cx="7780439" cy="408253"/>
-          </a:xfrm>
-        </p:grpSpPr>
-        <p:sp>
-          <p:nvSpPr>
-            <p:cNvPr id="19" name="TextBox 18"/>
-            <p:cNvSpPr txBox="1"/>
-            <p:nvPr/>
-          </p:nvSpPr>
-          <p:spPr>
-            <a:xfrm>
-              <a:off x="823019" y="2723989"/>
-              <a:ext cx="7315200" cy="338554"/>
-            </a:xfrm>
-            <a:prstGeom prst="rect">
-              <a:avLst/>
-            </a:prstGeom>
-            <a:noFill/>
-          </p:spPr>
-          <p:txBody>
-            <a:bodyPr wrap="square" rtlCol="0">
-              <a:spAutoFit/>
-            </a:bodyPr>
-            <a:lstStyle/>
-            <a:p>
-              <a:pPr>
-                <a:buClr>
-                  <a:schemeClr val="bg1"/>
-                </a:buClr>
-                <a:buSzPct val="140000"/>
-              </a:pPr>
-              <a:r>
-                <a:rPr lang="en-US" sz="1600" dirty="0" smtClean="0">
-                  <a:solidFill>
-                    <a:srgbClr val="444444"/>
-                  </a:solidFill>
-                  <a:latin typeface="Trebuchet MS"/>
-                  <a:cs typeface="Trebuchet MS"/>
-                </a:rPr>
-                <a:t>Other improvements</a:t>
-              </a:r>
-              <a:endParaRPr lang="en-US" sz="1600" dirty="0">
-                <a:solidFill>
-                  <a:srgbClr val="444444"/>
-                </a:solidFill>
-                <a:latin typeface="Trebuchet MS"/>
-                <a:cs typeface="Trebuchet MS"/>
-              </a:endParaRPr>
-            </a:p>
-          </p:txBody>
-        </p:sp>
-        <p:grpSp>
-          <p:nvGrpSpPr>
-            <p:cNvPr id="20" name="Group 19"/>
-            <p:cNvGrpSpPr>
-              <a:grpSpLocks noChangeAspect="1"/>
-            </p:cNvGrpSpPr>
-            <p:nvPr/>
-          </p:nvGrpSpPr>
-          <p:grpSpPr>
-            <a:xfrm>
-              <a:off x="357780" y="2699810"/>
-              <a:ext cx="411480" cy="408253"/>
-              <a:chOff x="448467" y="2760563"/>
-              <a:chExt cx="464582" cy="464582"/>
-            </a:xfrm>
-          </p:grpSpPr>
-          <p:sp>
-            <p:nvSpPr>
-              <p:cNvPr id="21" name="Oval 20"/>
-              <p:cNvSpPr/>
-              <p:nvPr/>
-            </p:nvSpPr>
-            <p:spPr>
-              <a:xfrm>
-                <a:off x="448467" y="2760563"/>
-                <a:ext cx="464582" cy="464582"/>
-              </a:xfrm>
-              <a:prstGeom prst="ellipse">
-                <a:avLst/>
-              </a:prstGeom>
-              <a:solidFill>
-                <a:srgbClr val="2FC2D9"/>
-              </a:solidFill>
-              <a:ln>
-                <a:noFill/>
-              </a:ln>
-              <a:effectLst/>
-            </p:spPr>
-            <p:style>
-              <a:lnRef idx="1">
-                <a:schemeClr val="accent1"/>
-              </a:lnRef>
-              <a:fillRef idx="3">
-                <a:schemeClr val="accent1"/>
-              </a:fillRef>
-              <a:effectRef idx="2">
-                <a:schemeClr val="accent1"/>
-              </a:effectRef>
-              <a:fontRef idx="minor">
-                <a:schemeClr val="lt1"/>
-              </a:fontRef>
-            </p:style>
-            <p:txBody>
-              <a:bodyPr tIns="91440" bIns="0" rtlCol="0" anchor="ctr" anchorCtr="1">
-                <a:noAutofit/>
-              </a:bodyPr>
-              <a:lstStyle/>
-              <a:p>
-                <a:pPr algn="ctr"/>
-                <a:endParaRPr lang="en-US" sz="1700" dirty="0">
-                  <a:solidFill>
-                    <a:schemeClr val="bg1"/>
-                  </a:solidFill>
-                  <a:latin typeface="Arial Black"/>
-                  <a:cs typeface="Arial Black"/>
-                </a:endParaRPr>
-              </a:p>
-            </p:txBody>
-          </p:sp>
-          <p:sp>
-            <p:nvSpPr>
-              <p:cNvPr id="22" name="TextBox 21"/>
-              <p:cNvSpPr txBox="1"/>
-              <p:nvPr/>
-            </p:nvSpPr>
-            <p:spPr>
-              <a:xfrm>
-                <a:off x="499647" y="2802034"/>
-                <a:ext cx="363015" cy="280194"/>
-              </a:xfrm>
-              <a:prstGeom prst="rect">
-                <a:avLst/>
-              </a:prstGeom>
-              <a:noFill/>
-            </p:spPr>
-            <p:txBody>
-              <a:bodyPr wrap="none" tIns="91440" bIns="0" rtlCol="0" anchor="ctr" anchorCtr="1">
-                <a:noAutofit/>
-              </a:bodyPr>
-              <a:lstStyle/>
-              <a:p>
-                <a:pPr algn="ctr"/>
-                <a:r>
-                  <a:rPr lang="en-US" sz="1700" dirty="0">
-                    <a:solidFill>
-                      <a:schemeClr val="bg1"/>
-                    </a:solidFill>
-                    <a:latin typeface="Arial Black"/>
-                    <a:cs typeface="Arial Black"/>
-                  </a:rPr>
-                  <a:t>4</a:t>
-                </a:r>
-                <a:endParaRPr lang="en-US" sz="1700" dirty="0">
-                  <a:solidFill>
-                    <a:schemeClr val="bg1"/>
-                  </a:solidFill>
-                  <a:latin typeface="Arial Black"/>
-                  <a:cs typeface="Arial Black"/>
-                </a:endParaRPr>
-              </a:p>
-            </p:txBody>
-          </p:sp>
-        </p:grpSp>
-      </p:grpSp>
-    </p:spTree>
-    <p:extLst>
-      <p:ext uri="{BB962C8B-B14F-4D97-AF65-F5344CB8AC3E}">
-        <p14:creationId xmlns:p14="http://schemas.microsoft.com/office/powerpoint/2010/main" val="975152797"/>
-      </p:ext>
-    </p:extLst>
-  </p:cSld>
-  <p:clrMapOvr>
-    <a:masterClrMapping/>
-  </p:clrMapOvr>
-  <p:timing>
-    <p:tnLst>
-      <p:par>
-        <p:cTn id="1" dur="indefinite" restart="never" nodeType="tmRoot"/>
-      </p:par>
-    </p:tnLst>
-  </p:timing>
-</p:sld>
-</file>
-
-<file path=ppt/slides/slide3.xml><?xml version="1.0" encoding="utf-8"?>
-<p:sld xmlns:a="http://schemas.openxmlformats.org/drawingml/2006/main" xmlns:r="http://schemas.openxmlformats.org/officeDocument/2006/relationships" xmlns:p="http://schemas.openxmlformats.org/presentationml/2006/main">
-  <p:cSld>
-    <p:spTree>
-      <p:nvGrpSpPr>
-        <p:cNvPr id="1" name=""/>
-        <p:cNvGrpSpPr/>
-        <p:nvPr/>
-      </p:nvGrpSpPr>
-      <p:grpSpPr>
-        <a:xfrm>
-          <a:off x="0" y="0"/>
-          <a:ext cx="0" cy="0"/>
-          <a:chOff x="0" y="0"/>
-          <a:chExt cx="0" cy="0"/>
-        </a:xfrm>
-      </p:grpSpPr>
-      <p:sp>
-        <p:nvSpPr>
-          <p:cNvPr id="6" name="Text Placeholder 5"/>
-          <p:cNvSpPr>
-            <a:spLocks noGrp="1"/>
-          </p:cNvSpPr>
-          <p:nvPr>
-            <p:ph type="body" sz="quarter" idx="10"/>
-          </p:nvPr>
-        </p:nvSpPr>
-        <p:spPr>
-          <a:xfrm>
-            <a:off x="0" y="0"/>
-            <a:ext cx="9144000" cy="932688"/>
-          </a:xfrm>
-        </p:spPr>
-        <p:txBody>
-          <a:bodyPr>
-            <a:normAutofit/>
-          </a:bodyPr>
-          <a:lstStyle/>
-          <a:p>
-            <a:r>
-              <a:rPr lang="en-US" dirty="0" smtClean="0"/>
-              <a:t>Java </a:t>
-            </a:r>
-            <a:r>
-              <a:rPr lang="en-US" dirty="0" smtClean="0"/>
-              <a:t>8 vs 9</a:t>
-            </a:r>
-            <a:endParaRPr lang="en-US" dirty="0"/>
-          </a:p>
-        </p:txBody>
-      </p:sp>
-      <p:pic>
-        <p:nvPicPr>
-          <p:cNvPr id="1027" name="Picture 3"/>
-          <p:cNvPicPr>
-            <a:picLocks noChangeAspect="1" noChangeArrowheads="1"/>
-          </p:cNvPicPr>
-          <p:nvPr/>
-        </p:nvPicPr>
-        <p:blipFill>
-          <a:blip r:embed="rId3">
-            <a:extLst>
-              <a:ext uri="{28A0092B-C50C-407E-A947-70E740481C1C}">
-                <a14:useLocalDpi xmlns:a14="http://schemas.microsoft.com/office/drawing/2010/main" val="0"/>
-              </a:ext>
-            </a:extLst>
-          </a:blip>
-          <a:srcRect/>
-          <a:stretch>
-            <a:fillRect/>
-          </a:stretch>
-        </p:blipFill>
-        <p:spPr bwMode="auto">
-          <a:xfrm>
-            <a:off x="4854349" y="1415142"/>
-            <a:ext cx="3876675" cy="2362200"/>
-          </a:xfrm>
-          <a:prstGeom prst="rect">
-            <a:avLst/>
-          </a:prstGeom>
-          <a:noFill/>
-          <a:ln>
-            <a:noFill/>
-          </a:ln>
-          <a:extLst>
-            <a:ext uri="{909E8E84-426E-40DD-AFC4-6F175D3DCCD1}">
-              <a14:hiddenFill xmlns:a14="http://schemas.microsoft.com/office/drawing/2010/main">
-                <a:solidFill>
-                  <a:schemeClr val="accent1"/>
-                </a:solidFill>
-              </a14:hiddenFill>
-            </a:ext>
-            <a:ext uri="{91240B29-F687-4F45-9708-019B960494DF}">
-              <a14:hiddenLine xmlns:a14="http://schemas.microsoft.com/office/drawing/2010/main" w="9525">
-                <a:solidFill>
-                  <a:schemeClr val="tx1"/>
-                </a:solidFill>
-                <a:miter lim="800000"/>
-                <a:headEnd/>
-                <a:tailEnd/>
-              </a14:hiddenLine>
-            </a:ext>
-          </a:extLst>
-        </p:spPr>
-      </p:pic>
-      <p:pic>
-        <p:nvPicPr>
-          <p:cNvPr id="1030" name="Picture 6"/>
-          <p:cNvPicPr>
-            <a:picLocks noChangeAspect="1" noChangeArrowheads="1"/>
-          </p:cNvPicPr>
-          <p:nvPr/>
-        </p:nvPicPr>
-        <p:blipFill>
-          <a:blip r:embed="rId4">
-            <a:extLst>
-              <a:ext uri="{28A0092B-C50C-407E-A947-70E740481C1C}">
-                <a14:useLocalDpi xmlns:a14="http://schemas.microsoft.com/office/drawing/2010/main" val="0"/>
-              </a:ext>
-            </a:extLst>
-          </a:blip>
-          <a:srcRect/>
-          <a:stretch>
-            <a:fillRect/>
-          </a:stretch>
-        </p:blipFill>
-        <p:spPr bwMode="auto">
-          <a:xfrm>
-            <a:off x="259896" y="1415142"/>
-            <a:ext cx="4248150" cy="2981325"/>
-          </a:xfrm>
-          <a:prstGeom prst="rect">
-            <a:avLst/>
-          </a:prstGeom>
-          <a:noFill/>
-          <a:ln>
-            <a:noFill/>
-          </a:ln>
-          <a:extLst>
-            <a:ext uri="{909E8E84-426E-40DD-AFC4-6F175D3DCCD1}">
-              <a14:hiddenFill xmlns:a14="http://schemas.microsoft.com/office/drawing/2010/main">
-                <a:solidFill>
-                  <a:schemeClr val="accent1"/>
-                </a:solidFill>
-              </a14:hiddenFill>
-            </a:ext>
-            <a:ext uri="{91240B29-F687-4F45-9708-019B960494DF}">
-              <a14:hiddenLine xmlns:a14="http://schemas.microsoft.com/office/drawing/2010/main" w="9525">
-                <a:solidFill>
-                  <a:schemeClr val="tx1"/>
-                </a:solidFill>
-                <a:miter lim="800000"/>
-                <a:headEnd/>
-                <a:tailEnd/>
-              </a14:hiddenLine>
-            </a:ext>
-          </a:extLst>
-        </p:spPr>
-      </p:pic>
-    </p:spTree>
-    <p:extLst>
-      <p:ext uri="{BB962C8B-B14F-4D97-AF65-F5344CB8AC3E}">
-        <p14:creationId xmlns:p14="http://schemas.microsoft.com/office/powerpoint/2010/main" val="4035246169"/>
-      </p:ext>
-    </p:extLst>
-  </p:cSld>
-  <p:clrMapOvr>
-    <a:masterClrMapping/>
-  </p:clrMapOvr>
-  <p:timing>
-    <p:tnLst>
-      <p:par>
-        <p:cTn id="1" dur="indefinite" restart="never" nodeType="tmRoot"/>
-      </p:par>
-    </p:tnLst>
-  </p:timing>
-</p:sld>
-</file>
-
-<file path=ppt/slides/slide4.xml><?xml version="1.0" encoding="utf-8"?>
-<p:sld xmlns:a="http://schemas.openxmlformats.org/drawingml/2006/main" xmlns:r="http://schemas.openxmlformats.org/officeDocument/2006/relationships" xmlns:p="http://schemas.openxmlformats.org/presentationml/2006/main">
-  <p:cSld>
-    <p:spTree>
-      <p:nvGrpSpPr>
-        <p:cNvPr id="1" name=""/>
-        <p:cNvGrpSpPr/>
-        <p:nvPr/>
-      </p:nvGrpSpPr>
-      <p:grpSpPr>
-        <a:xfrm>
-          <a:off x="0" y="0"/>
-          <a:ext cx="0" cy="0"/>
-          <a:chOff x="0" y="0"/>
-          <a:chExt cx="0" cy="0"/>
-        </a:xfrm>
-      </p:grpSpPr>
-      <p:sp>
-        <p:nvSpPr>
-          <p:cNvPr id="2" name="Text Placeholder 1"/>
-          <p:cNvSpPr>
-            <a:spLocks noGrp="1"/>
-          </p:cNvSpPr>
-          <p:nvPr>
-            <p:ph type="body" sz="quarter" idx="10"/>
-          </p:nvPr>
-        </p:nvSpPr>
-        <p:spPr/>
-        <p:txBody>
-          <a:bodyPr/>
-          <a:lstStyle/>
-          <a:p>
-            <a:endParaRPr lang="ru-RU"/>
-          </a:p>
-        </p:txBody>
-      </p:sp>
-      <p:sp>
-        <p:nvSpPr>
-          <p:cNvPr id="4" name="Text Placeholder 3"/>
-          <p:cNvSpPr>
-            <a:spLocks noGrp="1"/>
-          </p:cNvSpPr>
-          <p:nvPr>
-            <p:ph type="body" sz="quarter" idx="11"/>
-          </p:nvPr>
-        </p:nvSpPr>
-        <p:spPr/>
-        <p:txBody>
-          <a:bodyPr/>
-          <a:lstStyle/>
-          <a:p>
-            <a:r>
-              <a:rPr lang="en-US" dirty="0" smtClean="0"/>
-              <a:t>Creating modular application</a:t>
-            </a:r>
-            <a:endParaRPr lang="ru-RU" dirty="0"/>
-          </a:p>
-        </p:txBody>
-      </p:sp>
-      <p:grpSp>
-        <p:nvGrpSpPr>
-          <p:cNvPr id="5" name="Group 24"/>
-          <p:cNvGrpSpPr/>
-          <p:nvPr/>
-        </p:nvGrpSpPr>
-        <p:grpSpPr>
-          <a:xfrm>
-            <a:off x="357780" y="1435606"/>
-            <a:ext cx="7780439" cy="408253"/>
-            <a:chOff x="357780" y="1435606"/>
-            <a:chExt cx="7780439" cy="408253"/>
-          </a:xfrm>
-        </p:grpSpPr>
-        <p:sp>
-          <p:nvSpPr>
-            <p:cNvPr id="6" name="TextBox 5"/>
-            <p:cNvSpPr txBox="1"/>
-            <p:nvPr/>
-          </p:nvSpPr>
-          <p:spPr>
-            <a:xfrm>
-              <a:off x="823019" y="1459785"/>
-              <a:ext cx="7315200" cy="338554"/>
-            </a:xfrm>
-            <a:prstGeom prst="rect">
-              <a:avLst/>
-            </a:prstGeom>
-            <a:noFill/>
-          </p:spPr>
-          <p:txBody>
-            <a:bodyPr wrap="square" rtlCol="0">
-              <a:spAutoFit/>
-            </a:bodyPr>
-            <a:lstStyle/>
-            <a:p>
-              <a:r>
-                <a:rPr lang="en-US" sz="1600" dirty="0" smtClean="0"/>
-                <a:t>module-info.java – require and export</a:t>
-              </a:r>
-              <a:endParaRPr lang="en-US" sz="1600" dirty="0"/>
-            </a:p>
-          </p:txBody>
-        </p:sp>
-        <p:grpSp>
-          <p:nvGrpSpPr>
-            <p:cNvPr id="7" name="Group 35"/>
-            <p:cNvGrpSpPr>
-              <a:grpSpLocks noChangeAspect="1"/>
-            </p:cNvGrpSpPr>
-            <p:nvPr/>
-          </p:nvGrpSpPr>
-          <p:grpSpPr>
-            <a:xfrm>
-              <a:off x="357780" y="1435606"/>
-              <a:ext cx="411480" cy="408253"/>
-              <a:chOff x="448467" y="1385718"/>
-              <a:chExt cx="464582" cy="464582"/>
-            </a:xfrm>
-          </p:grpSpPr>
-          <p:sp>
-            <p:nvSpPr>
-              <p:cNvPr id="8" name="Oval 36"/>
-              <p:cNvSpPr/>
-              <p:nvPr/>
-            </p:nvSpPr>
-            <p:spPr>
-              <a:xfrm>
-                <a:off x="448467" y="1385718"/>
-                <a:ext cx="464582" cy="464582"/>
-              </a:xfrm>
-              <a:prstGeom prst="ellipse">
-                <a:avLst/>
-              </a:prstGeom>
-              <a:solidFill>
-                <a:srgbClr val="2FC2D9"/>
-              </a:solidFill>
-              <a:ln>
-                <a:noFill/>
-              </a:ln>
-              <a:effectLst/>
-            </p:spPr>
-            <p:style>
-              <a:lnRef idx="1">
-                <a:schemeClr val="accent1"/>
-              </a:lnRef>
-              <a:fillRef idx="3">
-                <a:schemeClr val="accent1"/>
-              </a:fillRef>
-              <a:effectRef idx="2">
-                <a:schemeClr val="accent1"/>
-              </a:effectRef>
-              <a:fontRef idx="minor">
-                <a:schemeClr val="lt1"/>
-              </a:fontRef>
-            </p:style>
-            <p:txBody>
-              <a:bodyPr tIns="91440" bIns="0" rtlCol="0" anchor="ctr" anchorCtr="1">
-                <a:noAutofit/>
-              </a:bodyPr>
-              <a:lstStyle/>
-              <a:p>
-                <a:pPr algn="ctr"/>
-                <a:endParaRPr lang="en-US" sz="1700" dirty="0">
-                  <a:solidFill>
-                    <a:schemeClr val="bg1"/>
-                  </a:solidFill>
-                  <a:latin typeface="Arial Black"/>
-                  <a:cs typeface="Arial Black"/>
-                </a:endParaRPr>
-              </a:p>
-            </p:txBody>
-          </p:sp>
-          <p:sp>
-            <p:nvSpPr>
-              <p:cNvPr id="9" name="TextBox 8"/>
-              <p:cNvSpPr txBox="1"/>
-              <p:nvPr/>
-            </p:nvSpPr>
-            <p:spPr>
-              <a:xfrm>
-                <a:off x="497577" y="1427189"/>
-                <a:ext cx="363015" cy="280194"/>
-              </a:xfrm>
-              <a:prstGeom prst="rect">
-                <a:avLst/>
-              </a:prstGeom>
-              <a:noFill/>
-            </p:spPr>
-            <p:txBody>
-              <a:bodyPr wrap="none" tIns="91440" bIns="0" rtlCol="0" anchor="ctr" anchorCtr="1">
-                <a:noAutofit/>
-              </a:bodyPr>
-              <a:lstStyle/>
-              <a:p>
-                <a:pPr algn="ctr"/>
-                <a:r>
-                  <a:rPr lang="en-US" sz="1700" dirty="0">
-                    <a:solidFill>
-                      <a:schemeClr val="bg1"/>
-                    </a:solidFill>
-                    <a:latin typeface="Arial Black"/>
-                    <a:cs typeface="Arial Black"/>
-                  </a:rPr>
-                  <a:t>1</a:t>
-                </a:r>
-              </a:p>
-            </p:txBody>
-          </p:sp>
-        </p:grpSp>
-      </p:grpSp>
-      <p:grpSp>
-        <p:nvGrpSpPr>
-          <p:cNvPr id="10" name="Group 23"/>
-          <p:cNvGrpSpPr/>
-          <p:nvPr/>
-        </p:nvGrpSpPr>
-        <p:grpSpPr>
-          <a:xfrm>
-            <a:off x="357780" y="2475961"/>
-            <a:ext cx="7780439" cy="408253"/>
-            <a:chOff x="357780" y="2067708"/>
-            <a:chExt cx="7780439" cy="408253"/>
-          </a:xfrm>
-        </p:grpSpPr>
-        <p:sp>
-          <p:nvSpPr>
-            <p:cNvPr id="11" name="TextBox 10"/>
-            <p:cNvSpPr txBox="1"/>
-            <p:nvPr/>
-          </p:nvSpPr>
-          <p:spPr>
-            <a:xfrm>
-              <a:off x="823019" y="2091887"/>
-              <a:ext cx="7315200" cy="338554"/>
-            </a:xfrm>
-            <a:prstGeom prst="rect">
-              <a:avLst/>
-            </a:prstGeom>
-            <a:noFill/>
-          </p:spPr>
-          <p:txBody>
-            <a:bodyPr wrap="square" rtlCol="0">
-              <a:spAutoFit/>
-            </a:bodyPr>
-            <a:lstStyle/>
-            <a:p>
-              <a:pPr>
-                <a:buClr>
-                  <a:schemeClr val="bg1"/>
-                </a:buClr>
-                <a:buSzPct val="140000"/>
-              </a:pPr>
-              <a:r>
-                <a:rPr lang="en-US" sz="1600" dirty="0" err="1">
-                  <a:solidFill>
-                    <a:srgbClr val="444444"/>
-                  </a:solidFill>
-                  <a:cs typeface="Trebuchet MS"/>
-                </a:rPr>
-                <a:t>j</a:t>
-              </a:r>
-              <a:r>
-                <a:rPr lang="en-US" sz="1600" dirty="0" err="1" smtClean="0">
-                  <a:solidFill>
-                    <a:srgbClr val="444444"/>
-                  </a:solidFill>
-                  <a:cs typeface="Trebuchet MS"/>
-                </a:rPr>
-                <a:t>avac</a:t>
-              </a:r>
-              <a:r>
-                <a:rPr lang="en-US" sz="1600" dirty="0" smtClean="0">
-                  <a:solidFill>
-                    <a:srgbClr val="444444"/>
-                  </a:solidFill>
-                  <a:cs typeface="Trebuchet MS"/>
-                </a:rPr>
-                <a:t> --module-path</a:t>
-              </a:r>
-              <a:endParaRPr lang="en-US" sz="1600" dirty="0">
-                <a:solidFill>
-                  <a:srgbClr val="444444"/>
-                </a:solidFill>
-                <a:cs typeface="Trebuchet MS"/>
-              </a:endParaRPr>
-            </a:p>
-          </p:txBody>
-        </p:sp>
-        <p:grpSp>
-          <p:nvGrpSpPr>
-            <p:cNvPr id="12" name="Group 50"/>
-            <p:cNvGrpSpPr>
-              <a:grpSpLocks noChangeAspect="1"/>
-            </p:cNvGrpSpPr>
-            <p:nvPr/>
-          </p:nvGrpSpPr>
-          <p:grpSpPr>
-            <a:xfrm>
-              <a:off x="357780" y="2067708"/>
-              <a:ext cx="411480" cy="408253"/>
-              <a:chOff x="448467" y="2071851"/>
-              <a:chExt cx="464582" cy="464582"/>
-            </a:xfrm>
-          </p:grpSpPr>
-          <p:sp>
-            <p:nvSpPr>
-              <p:cNvPr id="13" name="Oval 51"/>
-              <p:cNvSpPr/>
-              <p:nvPr/>
-            </p:nvSpPr>
-            <p:spPr>
-              <a:xfrm>
-                <a:off x="448467" y="2071851"/>
-                <a:ext cx="464582" cy="464582"/>
-              </a:xfrm>
-              <a:prstGeom prst="ellipse">
-                <a:avLst/>
-              </a:prstGeom>
-              <a:solidFill>
-                <a:srgbClr val="2FC2D9"/>
-              </a:solidFill>
-              <a:ln>
-                <a:noFill/>
-              </a:ln>
-              <a:effectLst/>
-            </p:spPr>
-            <p:style>
-              <a:lnRef idx="1">
-                <a:schemeClr val="accent1"/>
-              </a:lnRef>
-              <a:fillRef idx="3">
-                <a:schemeClr val="accent1"/>
-              </a:fillRef>
-              <a:effectRef idx="2">
-                <a:schemeClr val="accent1"/>
-              </a:effectRef>
-              <a:fontRef idx="minor">
-                <a:schemeClr val="lt1"/>
-              </a:fontRef>
-            </p:style>
-            <p:txBody>
-              <a:bodyPr tIns="91440" bIns="0" rtlCol="0" anchor="ctr" anchorCtr="1">
-                <a:noAutofit/>
-              </a:bodyPr>
-              <a:lstStyle/>
-              <a:p>
-                <a:pPr algn="ctr"/>
-                <a:endParaRPr lang="en-US" sz="1700">
-                  <a:solidFill>
-                    <a:schemeClr val="bg1"/>
-                  </a:solidFill>
-                  <a:latin typeface="Arial Black"/>
-                  <a:cs typeface="Arial Black"/>
-                </a:endParaRPr>
-              </a:p>
-            </p:txBody>
-          </p:sp>
-          <p:sp>
-            <p:nvSpPr>
-              <p:cNvPr id="14" name="TextBox 13"/>
-              <p:cNvSpPr txBox="1"/>
-              <p:nvPr/>
-            </p:nvSpPr>
-            <p:spPr>
-              <a:xfrm>
-                <a:off x="499647" y="2113322"/>
-                <a:ext cx="363015" cy="280194"/>
-              </a:xfrm>
-              <a:prstGeom prst="rect">
-                <a:avLst/>
-              </a:prstGeom>
-              <a:noFill/>
-            </p:spPr>
-            <p:txBody>
-              <a:bodyPr wrap="none" tIns="91440" bIns="0" rtlCol="0" anchor="ctr" anchorCtr="1">
-                <a:noAutofit/>
-              </a:bodyPr>
-              <a:lstStyle/>
-              <a:p>
-                <a:pPr algn="ctr"/>
-                <a:r>
-                  <a:rPr lang="en-US" sz="1700" dirty="0">
-                    <a:solidFill>
-                      <a:schemeClr val="bg1"/>
-                    </a:solidFill>
-                    <a:latin typeface="Arial Black"/>
-                    <a:cs typeface="Arial Black"/>
-                  </a:rPr>
-                  <a:t>2</a:t>
-                </a:r>
-              </a:p>
-            </p:txBody>
-          </p:sp>
-        </p:grpSp>
-      </p:grpSp>
-      <p:grpSp>
-        <p:nvGrpSpPr>
-          <p:cNvPr id="15" name="Group 21"/>
-          <p:cNvGrpSpPr/>
-          <p:nvPr/>
-        </p:nvGrpSpPr>
-        <p:grpSpPr>
-          <a:xfrm>
-            <a:off x="357780" y="3490519"/>
-            <a:ext cx="7780439" cy="408253"/>
-            <a:chOff x="357780" y="3331911"/>
-            <a:chExt cx="7780439" cy="408253"/>
-          </a:xfrm>
-        </p:grpSpPr>
-        <p:sp>
-          <p:nvSpPr>
-            <p:cNvPr id="16" name="TextBox 15"/>
-            <p:cNvSpPr txBox="1"/>
-            <p:nvPr/>
-          </p:nvSpPr>
-          <p:spPr>
-            <a:xfrm>
-              <a:off x="823019" y="3356091"/>
-              <a:ext cx="7315200" cy="338554"/>
-            </a:xfrm>
-            <a:prstGeom prst="rect">
-              <a:avLst/>
-            </a:prstGeom>
-            <a:noFill/>
-          </p:spPr>
-          <p:txBody>
-            <a:bodyPr wrap="square" rtlCol="0">
-              <a:spAutoFit/>
-            </a:bodyPr>
-            <a:lstStyle/>
-            <a:p>
-              <a:r>
-                <a:rPr lang="en-US" sz="1600" dirty="0" err="1" smtClean="0"/>
-                <a:t>jlink</a:t>
-              </a:r>
-              <a:endParaRPr lang="en-US" sz="1600" dirty="0"/>
-            </a:p>
-          </p:txBody>
-        </p:sp>
-        <p:grpSp>
-          <p:nvGrpSpPr>
-            <p:cNvPr id="17" name="Group 60"/>
-            <p:cNvGrpSpPr>
-              <a:grpSpLocks noChangeAspect="1"/>
-            </p:cNvGrpSpPr>
-            <p:nvPr/>
-          </p:nvGrpSpPr>
-          <p:grpSpPr>
-            <a:xfrm>
-              <a:off x="357780" y="3331911"/>
-              <a:ext cx="411480" cy="408253"/>
-              <a:chOff x="448467" y="3449275"/>
-              <a:chExt cx="464582" cy="464582"/>
-            </a:xfrm>
-          </p:grpSpPr>
-          <p:sp>
-            <p:nvSpPr>
-              <p:cNvPr id="18" name="Oval 61"/>
-              <p:cNvSpPr/>
-              <p:nvPr/>
-            </p:nvSpPr>
-            <p:spPr>
-              <a:xfrm>
-                <a:off x="448467" y="3449275"/>
-                <a:ext cx="464582" cy="464582"/>
-              </a:xfrm>
-              <a:prstGeom prst="ellipse">
-                <a:avLst/>
-              </a:prstGeom>
-              <a:solidFill>
-                <a:srgbClr val="2FC2D9"/>
-              </a:solidFill>
-              <a:ln>
-                <a:noFill/>
-              </a:ln>
-              <a:effectLst/>
-            </p:spPr>
-            <p:style>
-              <a:lnRef idx="1">
-                <a:schemeClr val="accent1"/>
-              </a:lnRef>
-              <a:fillRef idx="3">
-                <a:schemeClr val="accent1"/>
-              </a:fillRef>
-              <a:effectRef idx="2">
-                <a:schemeClr val="accent1"/>
-              </a:effectRef>
-              <a:fontRef idx="minor">
-                <a:schemeClr val="lt1"/>
-              </a:fontRef>
-            </p:style>
-            <p:txBody>
-              <a:bodyPr tIns="91440" bIns="0" rtlCol="0" anchor="ctr" anchorCtr="1">
-                <a:noAutofit/>
-              </a:bodyPr>
-              <a:lstStyle/>
-              <a:p>
-                <a:pPr algn="ctr"/>
-                <a:endParaRPr lang="en-US" sz="1700">
-                  <a:solidFill>
-                    <a:schemeClr val="bg1"/>
-                  </a:solidFill>
-                  <a:latin typeface="Arial Black"/>
-                  <a:cs typeface="Arial Black"/>
-                </a:endParaRPr>
-              </a:p>
-            </p:txBody>
-          </p:sp>
-          <p:sp>
-            <p:nvSpPr>
-              <p:cNvPr id="19" name="TextBox 18"/>
-              <p:cNvSpPr txBox="1"/>
-              <p:nvPr/>
-            </p:nvSpPr>
-            <p:spPr>
-              <a:xfrm>
-                <a:off x="499648" y="3490746"/>
-                <a:ext cx="363015" cy="280194"/>
-              </a:xfrm>
-              <a:prstGeom prst="rect">
-                <a:avLst/>
-              </a:prstGeom>
-              <a:noFill/>
-            </p:spPr>
-            <p:txBody>
-              <a:bodyPr wrap="none" tIns="91440" bIns="0" rtlCol="0" anchor="ctr" anchorCtr="1">
-                <a:noAutofit/>
-              </a:bodyPr>
-              <a:lstStyle/>
-              <a:p>
-                <a:pPr algn="ctr"/>
-                <a:r>
-                  <a:rPr lang="en-US" sz="1700" dirty="0">
-                    <a:solidFill>
-                      <a:schemeClr val="bg1"/>
-                    </a:solidFill>
-                    <a:latin typeface="Arial Black"/>
-                    <a:cs typeface="Arial Black"/>
-                  </a:rPr>
-                  <a:t>3</a:t>
-                </a:r>
-              </a:p>
-            </p:txBody>
-          </p:sp>
-        </p:grpSp>
-      </p:grpSp>
-    </p:spTree>
-    <p:extLst>
-      <p:ext uri="{BB962C8B-B14F-4D97-AF65-F5344CB8AC3E}">
-        <p14:creationId xmlns:p14="http://schemas.microsoft.com/office/powerpoint/2010/main" val="2551745281"/>
-      </p:ext>
-    </p:extLst>
-  </p:cSld>
-  <p:clrMapOvr>
-    <a:masterClrMapping/>
-  </p:clrMapOvr>
-</p:sld>
-</file>
-
-<file path=ppt/slides/slide5.xml><?xml version="1.0" encoding="utf-8"?>
-<p:sld xmlns:a="http://schemas.openxmlformats.org/drawingml/2006/main" xmlns:r="http://schemas.openxmlformats.org/officeDocument/2006/relationships" xmlns:p="http://schemas.openxmlformats.org/presentationml/2006/main">
-  <p:cSld>
-    <p:spTree>
-      <p:nvGrpSpPr>
-        <p:cNvPr id="1" name=""/>
-        <p:cNvGrpSpPr/>
-        <p:nvPr/>
-      </p:nvGrpSpPr>
-      <p:grpSpPr>
-        <a:xfrm>
-          <a:off x="0" y="0"/>
-          <a:ext cx="0" cy="0"/>
-          <a:chOff x="0" y="0"/>
-          <a:chExt cx="0" cy="0"/>
-        </a:xfrm>
-      </p:grpSpPr>
-      <p:sp>
-        <p:nvSpPr>
-          <p:cNvPr id="2" name="Text Placeholder 1"/>
-          <p:cNvSpPr>
-            <a:spLocks noGrp="1"/>
-          </p:cNvSpPr>
-          <p:nvPr>
-            <p:ph type="body" sz="quarter" idx="10"/>
-          </p:nvPr>
-        </p:nvSpPr>
-        <p:spPr/>
-        <p:txBody>
-          <a:bodyPr/>
-          <a:lstStyle/>
-          <a:p>
-            <a:endParaRPr lang="ru-RU"/>
-          </a:p>
-        </p:txBody>
-      </p:sp>
-      <p:sp>
-        <p:nvSpPr>
-          <p:cNvPr id="4" name="Text Placeholder 3"/>
-          <p:cNvSpPr>
-            <a:spLocks noGrp="1"/>
-          </p:cNvSpPr>
-          <p:nvPr>
-            <p:ph type="body" sz="quarter" idx="11"/>
-          </p:nvPr>
-        </p:nvSpPr>
-        <p:spPr/>
-        <p:txBody>
-          <a:bodyPr/>
-          <a:lstStyle/>
-          <a:p>
-            <a:r>
-              <a:rPr lang="en-US" dirty="0" smtClean="0"/>
-              <a:t>Using with Maven</a:t>
-            </a:r>
-            <a:endParaRPr lang="ru-RU" dirty="0"/>
-          </a:p>
-        </p:txBody>
-      </p:sp>
-      <p:sp>
-        <p:nvSpPr>
-          <p:cNvPr id="3" name="TextBox 2"/>
-          <p:cNvSpPr txBox="1"/>
-          <p:nvPr/>
-        </p:nvSpPr>
-        <p:spPr>
-          <a:xfrm>
-            <a:off x="187779" y="1216478"/>
-            <a:ext cx="6930102" cy="757130"/>
-          </a:xfrm>
-          <a:prstGeom prst="rect">
-            <a:avLst/>
-          </a:prstGeom>
-          <a:noFill/>
-        </p:spPr>
-        <p:txBody>
-          <a:bodyPr wrap="none" rtlCol="0">
-            <a:spAutoFit/>
-          </a:bodyPr>
-          <a:lstStyle/>
-          <a:p>
-            <a:pPr>
-              <a:lnSpc>
-                <a:spcPct val="120000"/>
-              </a:lnSpc>
-            </a:pPr>
-            <a:r>
-              <a:rPr lang="en-US" dirty="0" smtClean="0">
-                <a:solidFill>
-                  <a:srgbClr val="444444"/>
-                </a:solidFill>
-                <a:latin typeface="Trebuchet MS"/>
-                <a:cs typeface="Trebuchet MS"/>
-              </a:rPr>
-              <a:t>When migrating to Java 9 many maven plugins has to be updated</a:t>
-            </a:r>
-          </a:p>
-          <a:p>
-            <a:pPr>
-              <a:lnSpc>
-                <a:spcPct val="120000"/>
-              </a:lnSpc>
-            </a:pPr>
-            <a:endParaRPr lang="en-US" dirty="0" smtClean="0">
-              <a:solidFill>
-                <a:srgbClr val="444444"/>
-              </a:solidFill>
-              <a:latin typeface="Trebuchet MS"/>
-              <a:cs typeface="Trebuchet MS"/>
-            </a:endParaRPr>
-          </a:p>
-        </p:txBody>
-      </p:sp>
-      <p:sp>
-        <p:nvSpPr>
-          <p:cNvPr id="20" name="Rectangle 19"/>
-          <p:cNvSpPr/>
-          <p:nvPr/>
-        </p:nvSpPr>
-        <p:spPr>
-          <a:xfrm>
-            <a:off x="187779" y="2144199"/>
-            <a:ext cx="8156121" cy="394660"/>
-          </a:xfrm>
-          <a:prstGeom prst="rect">
-            <a:avLst/>
-          </a:prstGeom>
-        </p:spPr>
-        <p:txBody>
-          <a:bodyPr wrap="square">
-            <a:spAutoFit/>
-          </a:bodyPr>
-          <a:lstStyle/>
-          <a:p>
-            <a:pPr>
-              <a:lnSpc>
-                <a:spcPct val="120000"/>
-              </a:lnSpc>
-            </a:pPr>
-            <a:r>
-              <a:rPr lang="en-US" dirty="0">
-                <a:solidFill>
-                  <a:srgbClr val="444444"/>
-                </a:solidFill>
-                <a:cs typeface="Trebuchet MS"/>
-                <a:hlinkClick r:id="rId2"/>
-              </a:rPr>
-              <a:t>https://cwiki.apache.org/confluence/display/MAVEN/Java+9+-+Jigsaw</a:t>
-            </a:r>
-            <a:endParaRPr lang="ru-RU" dirty="0" err="1">
-              <a:solidFill>
-                <a:srgbClr val="444444"/>
-              </a:solidFill>
-              <a:cs typeface="Trebuchet MS"/>
-            </a:endParaRPr>
-          </a:p>
-        </p:txBody>
-      </p:sp>
-    </p:spTree>
-    <p:extLst>
-      <p:ext uri="{BB962C8B-B14F-4D97-AF65-F5344CB8AC3E}">
-        <p14:creationId xmlns:p14="http://schemas.microsoft.com/office/powerpoint/2010/main" val="3283865720"/>
-      </p:ext>
-    </p:extLst>
-  </p:cSld>
-  <p:clrMapOvr>
-    <a:masterClrMapping/>
-  </p:clrMapOvr>
-</p:sld>
-</file>
-
-<file path=ppt/slides/slide6.xml><?xml version="1.0" encoding="utf-8"?>
-<p:sld xmlns:a="http://schemas.openxmlformats.org/drawingml/2006/main" xmlns:r="http://schemas.openxmlformats.org/officeDocument/2006/relationships" xmlns:p="http://schemas.openxmlformats.org/presentationml/2006/main">
-  <p:cSld>
-    <p:spTree>
-      <p:nvGrpSpPr>
-        <p:cNvPr id="1" name=""/>
-        <p:cNvGrpSpPr/>
-        <p:nvPr/>
-      </p:nvGrpSpPr>
-      <p:grpSpPr>
-        <a:xfrm>
-          <a:off x="0" y="0"/>
-          <a:ext cx="0" cy="0"/>
-          <a:chOff x="0" y="0"/>
-          <a:chExt cx="0" cy="0"/>
-        </a:xfrm>
-      </p:grpSpPr>
-      <p:sp>
-        <p:nvSpPr>
-          <p:cNvPr id="2" name="Text Placeholder 1"/>
-          <p:cNvSpPr>
-            <a:spLocks noGrp="1"/>
-          </p:cNvSpPr>
-          <p:nvPr>
-            <p:ph type="body" sz="quarter" idx="10"/>
-          </p:nvPr>
-        </p:nvSpPr>
-        <p:spPr/>
-        <p:txBody>
-          <a:bodyPr/>
-          <a:lstStyle/>
-          <a:p>
-            <a:endParaRPr lang="ru-RU"/>
-          </a:p>
-        </p:txBody>
-      </p:sp>
-      <p:sp>
-        <p:nvSpPr>
-          <p:cNvPr id="4" name="Text Placeholder 3"/>
-          <p:cNvSpPr>
-            <a:spLocks noGrp="1"/>
-          </p:cNvSpPr>
-          <p:nvPr>
-            <p:ph type="body" sz="quarter" idx="11"/>
-          </p:nvPr>
-        </p:nvSpPr>
-        <p:spPr/>
-        <p:txBody>
-          <a:bodyPr/>
-          <a:lstStyle/>
-          <a:p>
-            <a:r>
               <a:rPr lang="en-US" dirty="0" smtClean="0"/>
               <a:t>Java REPL</a:t>
             </a:r>
@@ -16577,7 +14022,6 @@
                 <a:rPr lang="en-US" sz="1600" dirty="0"/>
                 <a:t>Semicolon is optional on bare statements</a:t>
               </a:r>
-              <a:endParaRPr lang="en-US" sz="1600" dirty="0"/>
             </a:p>
           </p:txBody>
         </p:sp>
@@ -16895,7 +14339,6 @@
                 <a:rPr lang="en-US" sz="1600" dirty="0"/>
                 <a:t>Forward reference</a:t>
               </a:r>
-              <a:endParaRPr lang="en-US" sz="1600" dirty="0"/>
             </a:p>
           </p:txBody>
         </p:sp>
@@ -17016,10 +14459,17 @@
   <p:clrMapOvr>
     <a:masterClrMapping/>
   </p:clrMapOvr>
+  <p:timing>
+    <p:tnLst>
+      <p:par>
+        <p:cTn id="1" dur="indefinite" restart="never" nodeType="tmRoot"/>
+      </p:par>
+    </p:tnLst>
+  </p:timing>
 </p:sld>
 </file>
 
-<file path=ppt/slides/slide7.xml><?xml version="1.0" encoding="utf-8"?>
+<file path=ppt/slides/slide11.xml><?xml version="1.0" encoding="utf-8"?>
 <p:sld xmlns:a="http://schemas.openxmlformats.org/drawingml/2006/main" xmlns:r="http://schemas.openxmlformats.org/officeDocument/2006/relationships" xmlns:p="http://schemas.openxmlformats.org/presentationml/2006/main">
   <p:cSld>
     <p:spTree>
@@ -17582,10 +15032,17 @@
   <p:clrMapOvr>
     <a:masterClrMapping/>
   </p:clrMapOvr>
+  <p:timing>
+    <p:tnLst>
+      <p:par>
+        <p:cTn id="1" dur="indefinite" restart="never" nodeType="tmRoot"/>
+      </p:par>
+    </p:tnLst>
+  </p:timing>
 </p:sld>
 </file>
 
-<file path=ppt/slides/slide8.xml><?xml version="1.0" encoding="utf-8"?>
+<file path=ppt/slides/slide12.xml><?xml version="1.0" encoding="utf-8"?>
 <p:sld xmlns:a="http://schemas.openxmlformats.org/drawingml/2006/main" xmlns:r="http://schemas.openxmlformats.org/officeDocument/2006/relationships" xmlns:p="http://schemas.openxmlformats.org/presentationml/2006/main">
   <p:cSld>
     <p:spTree>
@@ -17852,10 +15309,17 @@
   <p:clrMapOvr>
     <a:masterClrMapping/>
   </p:clrMapOvr>
+  <p:timing>
+    <p:tnLst>
+      <p:par>
+        <p:cTn id="1" dur="indefinite" restart="never" nodeType="tmRoot"/>
+      </p:par>
+    </p:tnLst>
+  </p:timing>
 </p:sld>
 </file>
 
-<file path=ppt/slides/slide9.xml><?xml version="1.0" encoding="utf-8"?>
+<file path=ppt/slides/slide13.xml><?xml version="1.0" encoding="utf-8"?>
 <p:sld xmlns:a="http://schemas.openxmlformats.org/drawingml/2006/main" xmlns:r="http://schemas.openxmlformats.org/officeDocument/2006/relationships" xmlns:p="http://schemas.openxmlformats.org/presentationml/2006/main">
   <p:cSld>
     <p:spTree>
@@ -18266,6 +15730,3236 @@
   <p:clrMapOvr>
     <a:masterClrMapping/>
   </p:clrMapOvr>
+  <p:timing>
+    <p:tnLst>
+      <p:par>
+        <p:cTn id="1" dur="indefinite" restart="never" nodeType="tmRoot"/>
+      </p:par>
+    </p:tnLst>
+  </p:timing>
+</p:sld>
+</file>
+
+<file path=ppt/slides/slide14.xml><?xml version="1.0" encoding="utf-8"?>
+<p:sld xmlns:a="http://schemas.openxmlformats.org/drawingml/2006/main" xmlns:r="http://schemas.openxmlformats.org/officeDocument/2006/relationships" xmlns:p="http://schemas.openxmlformats.org/presentationml/2006/main">
+  <p:cSld>
+    <p:spTree>
+      <p:nvGrpSpPr>
+        <p:cNvPr id="1" name=""/>
+        <p:cNvGrpSpPr/>
+        <p:nvPr/>
+      </p:nvGrpSpPr>
+      <p:grpSpPr>
+        <a:xfrm>
+          <a:off x="0" y="0"/>
+          <a:ext cx="0" cy="0"/>
+          <a:chOff x="0" y="0"/>
+          <a:chExt cx="0" cy="0"/>
+        </a:xfrm>
+      </p:grpSpPr>
+      <p:sp>
+        <p:nvSpPr>
+          <p:cNvPr id="2" name="Text Placeholder 1"/>
+          <p:cNvSpPr>
+            <a:spLocks noGrp="1"/>
+          </p:cNvSpPr>
+          <p:nvPr>
+            <p:ph type="body" sz="quarter" idx="10"/>
+          </p:nvPr>
+        </p:nvSpPr>
+        <p:spPr/>
+        <p:txBody>
+          <a:bodyPr/>
+          <a:lstStyle/>
+          <a:p>
+            <a:endParaRPr lang="ru-RU"/>
+          </a:p>
+        </p:txBody>
+      </p:sp>
+      <p:sp>
+        <p:nvSpPr>
+          <p:cNvPr id="4" name="Text Placeholder 3"/>
+          <p:cNvSpPr>
+            <a:spLocks noGrp="1"/>
+          </p:cNvSpPr>
+          <p:nvPr>
+            <p:ph type="body" sz="quarter" idx="11"/>
+          </p:nvPr>
+        </p:nvSpPr>
+        <p:spPr/>
+        <p:txBody>
+          <a:bodyPr/>
+          <a:lstStyle/>
+          <a:p>
+            <a:r>
+              <a:rPr lang="en-US" dirty="0"/>
+              <a:t>Private interface methods</a:t>
+            </a:r>
+          </a:p>
+        </p:txBody>
+      </p:sp>
+      <p:sp>
+        <p:nvSpPr>
+          <p:cNvPr id="5" name="TextBox 4"/>
+          <p:cNvSpPr txBox="1"/>
+          <p:nvPr/>
+        </p:nvSpPr>
+        <p:spPr>
+          <a:xfrm>
+            <a:off x="187777" y="1085850"/>
+            <a:ext cx="7609199" cy="5380640"/>
+          </a:xfrm>
+          <a:prstGeom prst="rect">
+            <a:avLst/>
+          </a:prstGeom>
+          <a:noFill/>
+        </p:spPr>
+        <p:txBody>
+          <a:bodyPr wrap="none" rtlCol="0">
+            <a:spAutoFit/>
+          </a:bodyPr>
+          <a:lstStyle/>
+          <a:p>
+            <a:pPr>
+              <a:lnSpc>
+                <a:spcPct val="120000"/>
+              </a:lnSpc>
+            </a:pPr>
+            <a:r>
+              <a:rPr lang="en-US" b="1" dirty="0"/>
+              <a:t>public interface </a:t>
+            </a:r>
+            <a:r>
+              <a:rPr lang="en-US" dirty="0" err="1"/>
+              <a:t>MyInterface</a:t>
+            </a:r>
+            <a:r>
+              <a:rPr lang="en-US" dirty="0"/>
+              <a:t> {</a:t>
+            </a:r>
+            <a:br>
+              <a:rPr lang="en-US" dirty="0"/>
+            </a:br>
+            <a:r>
+              <a:rPr lang="en-US" dirty="0"/>
+              <a:t>    </a:t>
+            </a:r>
+            <a:r>
+              <a:rPr lang="en-US" b="1" dirty="0"/>
+              <a:t>void </a:t>
+            </a:r>
+            <a:r>
+              <a:rPr lang="en-US" dirty="0" err="1"/>
+              <a:t>normalInterfaceMethod</a:t>
+            </a:r>
+            <a:r>
+              <a:rPr lang="en-US" dirty="0"/>
+              <a:t>();</a:t>
+            </a:r>
+            <a:br>
+              <a:rPr lang="en-US" dirty="0"/>
+            </a:br>
+            <a:r>
+              <a:rPr lang="en-US" dirty="0"/>
+              <a:t/>
+            </a:r>
+            <a:br>
+              <a:rPr lang="en-US" dirty="0"/>
+            </a:br>
+            <a:r>
+              <a:rPr lang="en-US" dirty="0"/>
+              <a:t>    </a:t>
+            </a:r>
+            <a:r>
+              <a:rPr lang="en-US" b="1" dirty="0"/>
+              <a:t>default void </a:t>
+            </a:r>
+            <a:r>
+              <a:rPr lang="en-US" dirty="0" err="1"/>
+              <a:t>interfaceMethodWithDefault</a:t>
+            </a:r>
+            <a:r>
+              <a:rPr lang="en-US" dirty="0"/>
+              <a:t>() {</a:t>
+            </a:r>
+            <a:br>
+              <a:rPr lang="en-US" dirty="0"/>
+            </a:br>
+            <a:r>
+              <a:rPr lang="en-US" dirty="0"/>
+              <a:t>        </a:t>
+            </a:r>
+            <a:r>
+              <a:rPr lang="en-US" dirty="0" err="1"/>
+              <a:t>init</a:t>
+            </a:r>
+            <a:r>
+              <a:rPr lang="en-US" dirty="0"/>
+              <a:t>();</a:t>
+            </a:r>
+            <a:br>
+              <a:rPr lang="en-US" dirty="0"/>
+            </a:br>
+            <a:r>
+              <a:rPr lang="en-US" dirty="0"/>
+              <a:t>    }</a:t>
+            </a:r>
+            <a:br>
+              <a:rPr lang="en-US" dirty="0"/>
+            </a:br>
+            <a:r>
+              <a:rPr lang="en-US" dirty="0"/>
+              <a:t/>
+            </a:r>
+            <a:br>
+              <a:rPr lang="en-US" dirty="0"/>
+            </a:br>
+            <a:r>
+              <a:rPr lang="en-US" dirty="0"/>
+              <a:t>    </a:t>
+            </a:r>
+            <a:r>
+              <a:rPr lang="en-US" b="1" dirty="0"/>
+              <a:t>default void </a:t>
+            </a:r>
+            <a:r>
+              <a:rPr lang="en-US" dirty="0" err="1"/>
+              <a:t>anotherDefaultMethod</a:t>
+            </a:r>
+            <a:r>
+              <a:rPr lang="en-US" dirty="0"/>
+              <a:t>() {</a:t>
+            </a:r>
+            <a:br>
+              <a:rPr lang="en-US" dirty="0"/>
+            </a:br>
+            <a:r>
+              <a:rPr lang="en-US" dirty="0"/>
+              <a:t>        </a:t>
+            </a:r>
+            <a:r>
+              <a:rPr lang="en-US" dirty="0" err="1"/>
+              <a:t>init</a:t>
+            </a:r>
+            <a:r>
+              <a:rPr lang="en-US" dirty="0"/>
+              <a:t>();</a:t>
+            </a:r>
+            <a:br>
+              <a:rPr lang="en-US" dirty="0"/>
+            </a:br>
+            <a:r>
+              <a:rPr lang="en-US" dirty="0"/>
+              <a:t>    }</a:t>
+            </a:r>
+            <a:br>
+              <a:rPr lang="en-US" dirty="0"/>
+            </a:br>
+            <a:r>
+              <a:rPr lang="en-US" dirty="0"/>
+              <a:t/>
+            </a:r>
+            <a:br>
+              <a:rPr lang="en-US" dirty="0"/>
+            </a:br>
+            <a:r>
+              <a:rPr lang="en-US" dirty="0"/>
+              <a:t>    </a:t>
+            </a:r>
+            <a:r>
+              <a:rPr lang="en-US" i="1" dirty="0"/>
+              <a:t>// This method is not part of the public API exposed by </a:t>
+            </a:r>
+            <a:r>
+              <a:rPr lang="en-US" i="1" dirty="0" err="1"/>
+              <a:t>MyInterface</a:t>
+            </a:r>
+            <a:r>
+              <a:rPr lang="en-US" i="1" dirty="0"/>
+              <a:t> </a:t>
+            </a:r>
+            <a:br>
+              <a:rPr lang="en-US" i="1" dirty="0"/>
+            </a:br>
+            <a:r>
+              <a:rPr lang="en-US" i="1" dirty="0"/>
+              <a:t>    </a:t>
+            </a:r>
+            <a:r>
+              <a:rPr lang="en-US" b="1" dirty="0"/>
+              <a:t>private void </a:t>
+            </a:r>
+            <a:r>
+              <a:rPr lang="en-US" dirty="0" err="1"/>
+              <a:t>init</a:t>
+            </a:r>
+            <a:r>
+              <a:rPr lang="en-US" dirty="0"/>
+              <a:t>() {</a:t>
+            </a:r>
+            <a:br>
+              <a:rPr lang="en-US" dirty="0"/>
+            </a:br>
+            <a:r>
+              <a:rPr lang="en-US" dirty="0"/>
+              <a:t>        </a:t>
+            </a:r>
+            <a:r>
+              <a:rPr lang="en-US" dirty="0" err="1"/>
+              <a:t>System.</a:t>
+            </a:r>
+            <a:r>
+              <a:rPr lang="en-US" b="1" i="1" dirty="0" err="1"/>
+              <a:t>out</a:t>
+            </a:r>
+            <a:r>
+              <a:rPr lang="en-US" dirty="0" err="1"/>
+              <a:t>.println</a:t>
+            </a:r>
+            <a:r>
+              <a:rPr lang="en-US" dirty="0"/>
+              <a:t>(</a:t>
+            </a:r>
+            <a:r>
+              <a:rPr lang="en-US" b="1" dirty="0"/>
+              <a:t>"Initializing"</a:t>
+            </a:r>
+            <a:r>
+              <a:rPr lang="en-US" dirty="0"/>
+              <a:t>);</a:t>
+            </a:r>
+            <a:br>
+              <a:rPr lang="en-US" dirty="0"/>
+            </a:br>
+            <a:r>
+              <a:rPr lang="en-US" dirty="0"/>
+              <a:t>    }</a:t>
+            </a:r>
+            <a:br>
+              <a:rPr lang="en-US" dirty="0"/>
+            </a:br>
+            <a:r>
+              <a:rPr lang="en-US" dirty="0"/>
+              <a:t>}</a:t>
+            </a:r>
+            <a:endParaRPr lang="ru-RU" dirty="0" err="1">
+              <a:solidFill>
+                <a:srgbClr val="444444"/>
+              </a:solidFill>
+              <a:latin typeface="Trebuchet MS"/>
+              <a:cs typeface="Trebuchet MS"/>
+            </a:endParaRPr>
+          </a:p>
+        </p:txBody>
+      </p:sp>
+    </p:spTree>
+    <p:extLst>
+      <p:ext uri="{BB962C8B-B14F-4D97-AF65-F5344CB8AC3E}">
+        <p14:creationId xmlns:p14="http://schemas.microsoft.com/office/powerpoint/2010/main" val="431730922"/>
+      </p:ext>
+    </p:extLst>
+  </p:cSld>
+  <p:clrMapOvr>
+    <a:masterClrMapping/>
+  </p:clrMapOvr>
+  <p:timing>
+    <p:tnLst>
+      <p:par>
+        <p:cTn id="1" dur="indefinite" restart="never" nodeType="tmRoot"/>
+      </p:par>
+    </p:tnLst>
+  </p:timing>
+</p:sld>
+</file>
+
+<file path=ppt/slides/slide15.xml><?xml version="1.0" encoding="utf-8"?>
+<p:sld xmlns:a="http://schemas.openxmlformats.org/drawingml/2006/main" xmlns:r="http://schemas.openxmlformats.org/officeDocument/2006/relationships" xmlns:p="http://schemas.openxmlformats.org/presentationml/2006/main">
+  <p:cSld>
+    <p:spTree>
+      <p:nvGrpSpPr>
+        <p:cNvPr id="1" name=""/>
+        <p:cNvGrpSpPr/>
+        <p:nvPr/>
+      </p:nvGrpSpPr>
+      <p:grpSpPr>
+        <a:xfrm>
+          <a:off x="0" y="0"/>
+          <a:ext cx="0" cy="0"/>
+          <a:chOff x="0" y="0"/>
+          <a:chExt cx="0" cy="0"/>
+        </a:xfrm>
+      </p:grpSpPr>
+      <p:sp>
+        <p:nvSpPr>
+          <p:cNvPr id="2" name="Text Placeholder 1"/>
+          <p:cNvSpPr>
+            <a:spLocks noGrp="1"/>
+          </p:cNvSpPr>
+          <p:nvPr>
+            <p:ph type="body" sz="quarter" idx="10"/>
+          </p:nvPr>
+        </p:nvSpPr>
+        <p:spPr/>
+        <p:txBody>
+          <a:bodyPr/>
+          <a:lstStyle/>
+          <a:p>
+            <a:endParaRPr lang="ru-RU"/>
+          </a:p>
+        </p:txBody>
+      </p:sp>
+      <p:sp>
+        <p:nvSpPr>
+          <p:cNvPr id="4" name="Text Placeholder 3"/>
+          <p:cNvSpPr>
+            <a:spLocks noGrp="1"/>
+          </p:cNvSpPr>
+          <p:nvPr>
+            <p:ph type="body" sz="quarter" idx="11"/>
+          </p:nvPr>
+        </p:nvSpPr>
+        <p:spPr/>
+        <p:txBody>
+          <a:bodyPr/>
+          <a:lstStyle/>
+          <a:p>
+            <a:r>
+              <a:rPr lang="en-US" dirty="0" smtClean="0"/>
+              <a:t>Others</a:t>
+            </a:r>
+            <a:endParaRPr lang="en-US" dirty="0"/>
+          </a:p>
+        </p:txBody>
+      </p:sp>
+      <p:grpSp>
+        <p:nvGrpSpPr>
+          <p:cNvPr id="6" name="Group 24"/>
+          <p:cNvGrpSpPr/>
+          <p:nvPr/>
+        </p:nvGrpSpPr>
+        <p:grpSpPr>
+          <a:xfrm>
+            <a:off x="187778" y="1353682"/>
+            <a:ext cx="7780439" cy="408253"/>
+            <a:chOff x="357780" y="1435606"/>
+            <a:chExt cx="7780439" cy="408253"/>
+          </a:xfrm>
+        </p:grpSpPr>
+        <p:sp>
+          <p:nvSpPr>
+            <p:cNvPr id="7" name="TextBox 6"/>
+            <p:cNvSpPr txBox="1"/>
+            <p:nvPr/>
+          </p:nvSpPr>
+          <p:spPr>
+            <a:xfrm>
+              <a:off x="823019" y="1459785"/>
+              <a:ext cx="7315200" cy="361061"/>
+            </a:xfrm>
+            <a:prstGeom prst="rect">
+              <a:avLst/>
+            </a:prstGeom>
+            <a:noFill/>
+          </p:spPr>
+          <p:txBody>
+            <a:bodyPr wrap="square" rtlCol="0">
+              <a:spAutoFit/>
+            </a:bodyPr>
+            <a:lstStyle/>
+            <a:p>
+              <a:pPr>
+                <a:lnSpc>
+                  <a:spcPct val="120000"/>
+                </a:lnSpc>
+              </a:pPr>
+              <a:r>
+                <a:rPr lang="en-US" sz="1600" dirty="0" smtClean="0">
+                  <a:solidFill>
+                    <a:srgbClr val="444444"/>
+                  </a:solidFill>
+                  <a:cs typeface="Trebuchet MS"/>
+                </a:rPr>
+                <a:t>HTTP/2 (incubator module)</a:t>
+              </a:r>
+              <a:endParaRPr lang="en-US" sz="1600" dirty="0"/>
+            </a:p>
+          </p:txBody>
+        </p:sp>
+        <p:grpSp>
+          <p:nvGrpSpPr>
+            <p:cNvPr id="8" name="Group 35"/>
+            <p:cNvGrpSpPr>
+              <a:grpSpLocks noChangeAspect="1"/>
+            </p:cNvGrpSpPr>
+            <p:nvPr/>
+          </p:nvGrpSpPr>
+          <p:grpSpPr>
+            <a:xfrm>
+              <a:off x="357780" y="1435606"/>
+              <a:ext cx="411480" cy="408253"/>
+              <a:chOff x="448467" y="1385718"/>
+              <a:chExt cx="464582" cy="464582"/>
+            </a:xfrm>
+          </p:grpSpPr>
+          <p:sp>
+            <p:nvSpPr>
+              <p:cNvPr id="9" name="Oval 36"/>
+              <p:cNvSpPr/>
+              <p:nvPr/>
+            </p:nvSpPr>
+            <p:spPr>
+              <a:xfrm>
+                <a:off x="448467" y="1385718"/>
+                <a:ext cx="464582" cy="464582"/>
+              </a:xfrm>
+              <a:prstGeom prst="ellipse">
+                <a:avLst/>
+              </a:prstGeom>
+              <a:solidFill>
+                <a:srgbClr val="2FC2D9"/>
+              </a:solidFill>
+              <a:ln>
+                <a:noFill/>
+              </a:ln>
+              <a:effectLst/>
+            </p:spPr>
+            <p:style>
+              <a:lnRef idx="1">
+                <a:schemeClr val="accent1"/>
+              </a:lnRef>
+              <a:fillRef idx="3">
+                <a:schemeClr val="accent1"/>
+              </a:fillRef>
+              <a:effectRef idx="2">
+                <a:schemeClr val="accent1"/>
+              </a:effectRef>
+              <a:fontRef idx="minor">
+                <a:schemeClr val="lt1"/>
+              </a:fontRef>
+            </p:style>
+            <p:txBody>
+              <a:bodyPr tIns="91440" bIns="0" rtlCol="0" anchor="ctr" anchorCtr="1">
+                <a:noAutofit/>
+              </a:bodyPr>
+              <a:lstStyle/>
+              <a:p>
+                <a:pPr algn="ctr"/>
+                <a:endParaRPr lang="en-US" sz="1700" dirty="0">
+                  <a:solidFill>
+                    <a:schemeClr val="bg1"/>
+                  </a:solidFill>
+                  <a:latin typeface="Arial Black"/>
+                  <a:cs typeface="Arial Black"/>
+                </a:endParaRPr>
+              </a:p>
+            </p:txBody>
+          </p:sp>
+          <p:sp>
+            <p:nvSpPr>
+              <p:cNvPr id="10" name="TextBox 9"/>
+              <p:cNvSpPr txBox="1"/>
+              <p:nvPr/>
+            </p:nvSpPr>
+            <p:spPr>
+              <a:xfrm>
+                <a:off x="497577" y="1427189"/>
+                <a:ext cx="363015" cy="280194"/>
+              </a:xfrm>
+              <a:prstGeom prst="rect">
+                <a:avLst/>
+              </a:prstGeom>
+              <a:noFill/>
+            </p:spPr>
+            <p:txBody>
+              <a:bodyPr wrap="none" tIns="91440" bIns="0" rtlCol="0" anchor="ctr" anchorCtr="1">
+                <a:noAutofit/>
+              </a:bodyPr>
+              <a:lstStyle/>
+              <a:p>
+                <a:pPr algn="ctr"/>
+                <a:r>
+                  <a:rPr lang="en-US" sz="1700" dirty="0">
+                    <a:solidFill>
+                      <a:schemeClr val="bg1"/>
+                    </a:solidFill>
+                    <a:latin typeface="Arial Black"/>
+                    <a:cs typeface="Arial Black"/>
+                  </a:rPr>
+                  <a:t>1</a:t>
+                </a:r>
+              </a:p>
+            </p:txBody>
+          </p:sp>
+        </p:grpSp>
+      </p:grpSp>
+      <p:grpSp>
+        <p:nvGrpSpPr>
+          <p:cNvPr id="11" name="Group 23"/>
+          <p:cNvGrpSpPr/>
+          <p:nvPr/>
+        </p:nvGrpSpPr>
+        <p:grpSpPr>
+          <a:xfrm>
+            <a:off x="187778" y="2394037"/>
+            <a:ext cx="7780439" cy="408253"/>
+            <a:chOff x="357780" y="2067708"/>
+            <a:chExt cx="7780439" cy="408253"/>
+          </a:xfrm>
+        </p:grpSpPr>
+        <p:sp>
+          <p:nvSpPr>
+            <p:cNvPr id="12" name="TextBox 11"/>
+            <p:cNvSpPr txBox="1"/>
+            <p:nvPr/>
+          </p:nvSpPr>
+          <p:spPr>
+            <a:xfrm>
+              <a:off x="823019" y="2091887"/>
+              <a:ext cx="7315200" cy="338554"/>
+            </a:xfrm>
+            <a:prstGeom prst="rect">
+              <a:avLst/>
+            </a:prstGeom>
+            <a:noFill/>
+          </p:spPr>
+          <p:txBody>
+            <a:bodyPr wrap="square" rtlCol="0">
+              <a:spAutoFit/>
+            </a:bodyPr>
+            <a:lstStyle/>
+            <a:p>
+              <a:r>
+                <a:rPr lang="en-US" sz="1600" dirty="0"/>
+                <a:t>Improved </a:t>
+              </a:r>
+              <a:r>
+                <a:rPr lang="en-US" sz="1600" dirty="0" smtClean="0"/>
+                <a:t>Javadoc – HTML 5 and search</a:t>
+              </a:r>
+              <a:endParaRPr lang="en-US" sz="1600" dirty="0"/>
+            </a:p>
+          </p:txBody>
+        </p:sp>
+        <p:grpSp>
+          <p:nvGrpSpPr>
+            <p:cNvPr id="13" name="Group 50"/>
+            <p:cNvGrpSpPr>
+              <a:grpSpLocks noChangeAspect="1"/>
+            </p:cNvGrpSpPr>
+            <p:nvPr/>
+          </p:nvGrpSpPr>
+          <p:grpSpPr>
+            <a:xfrm>
+              <a:off x="357780" y="2067708"/>
+              <a:ext cx="411480" cy="408253"/>
+              <a:chOff x="448467" y="2071851"/>
+              <a:chExt cx="464582" cy="464582"/>
+            </a:xfrm>
+          </p:grpSpPr>
+          <p:sp>
+            <p:nvSpPr>
+              <p:cNvPr id="14" name="Oval 51"/>
+              <p:cNvSpPr/>
+              <p:nvPr/>
+            </p:nvSpPr>
+            <p:spPr>
+              <a:xfrm>
+                <a:off x="448467" y="2071851"/>
+                <a:ext cx="464582" cy="464582"/>
+              </a:xfrm>
+              <a:prstGeom prst="ellipse">
+                <a:avLst/>
+              </a:prstGeom>
+              <a:solidFill>
+                <a:srgbClr val="2FC2D9"/>
+              </a:solidFill>
+              <a:ln>
+                <a:noFill/>
+              </a:ln>
+              <a:effectLst/>
+            </p:spPr>
+            <p:style>
+              <a:lnRef idx="1">
+                <a:schemeClr val="accent1"/>
+              </a:lnRef>
+              <a:fillRef idx="3">
+                <a:schemeClr val="accent1"/>
+              </a:fillRef>
+              <a:effectRef idx="2">
+                <a:schemeClr val="accent1"/>
+              </a:effectRef>
+              <a:fontRef idx="minor">
+                <a:schemeClr val="lt1"/>
+              </a:fontRef>
+            </p:style>
+            <p:txBody>
+              <a:bodyPr tIns="91440" bIns="0" rtlCol="0" anchor="ctr" anchorCtr="1">
+                <a:noAutofit/>
+              </a:bodyPr>
+              <a:lstStyle/>
+              <a:p>
+                <a:pPr algn="ctr"/>
+                <a:endParaRPr lang="en-US" sz="1700">
+                  <a:solidFill>
+                    <a:schemeClr val="bg1"/>
+                  </a:solidFill>
+                  <a:latin typeface="Arial Black"/>
+                  <a:cs typeface="Arial Black"/>
+                </a:endParaRPr>
+              </a:p>
+            </p:txBody>
+          </p:sp>
+          <p:sp>
+            <p:nvSpPr>
+              <p:cNvPr id="15" name="TextBox 14"/>
+              <p:cNvSpPr txBox="1"/>
+              <p:nvPr/>
+            </p:nvSpPr>
+            <p:spPr>
+              <a:xfrm>
+                <a:off x="499647" y="2113322"/>
+                <a:ext cx="363015" cy="280194"/>
+              </a:xfrm>
+              <a:prstGeom prst="rect">
+                <a:avLst/>
+              </a:prstGeom>
+              <a:noFill/>
+            </p:spPr>
+            <p:txBody>
+              <a:bodyPr wrap="none" tIns="91440" bIns="0" rtlCol="0" anchor="ctr" anchorCtr="1">
+                <a:noAutofit/>
+              </a:bodyPr>
+              <a:lstStyle/>
+              <a:p>
+                <a:pPr algn="ctr"/>
+                <a:r>
+                  <a:rPr lang="en-US" sz="1700" dirty="0">
+                    <a:solidFill>
+                      <a:schemeClr val="bg1"/>
+                    </a:solidFill>
+                    <a:latin typeface="Arial Black"/>
+                    <a:cs typeface="Arial Black"/>
+                  </a:rPr>
+                  <a:t>2</a:t>
+                </a:r>
+              </a:p>
+            </p:txBody>
+          </p:sp>
+        </p:grpSp>
+      </p:grpSp>
+      <p:sp>
+        <p:nvSpPr>
+          <p:cNvPr id="16" name="Rectangle 15"/>
+          <p:cNvSpPr/>
+          <p:nvPr/>
+        </p:nvSpPr>
+        <p:spPr>
+          <a:xfrm>
+            <a:off x="653017" y="2949068"/>
+            <a:ext cx="5682217" cy="369332"/>
+          </a:xfrm>
+          <a:prstGeom prst="rect">
+            <a:avLst/>
+          </a:prstGeom>
+        </p:spPr>
+        <p:txBody>
+          <a:bodyPr wrap="square">
+            <a:spAutoFit/>
+          </a:bodyPr>
+          <a:lstStyle/>
+          <a:p>
+            <a:r>
+              <a:rPr lang="en-US" dirty="0"/>
+              <a:t>https://docs.oracle.com/javase/8/docs/api/</a:t>
+            </a:r>
+            <a:endParaRPr lang="ru-RU" dirty="0"/>
+          </a:p>
+        </p:txBody>
+      </p:sp>
+      <p:sp>
+        <p:nvSpPr>
+          <p:cNvPr id="17" name="Rectangle 16"/>
+          <p:cNvSpPr/>
+          <p:nvPr/>
+        </p:nvSpPr>
+        <p:spPr>
+          <a:xfrm>
+            <a:off x="653017" y="3440570"/>
+            <a:ext cx="8207482" cy="369332"/>
+          </a:xfrm>
+          <a:prstGeom prst="rect">
+            <a:avLst/>
+          </a:prstGeom>
+        </p:spPr>
+        <p:txBody>
+          <a:bodyPr wrap="square">
+            <a:spAutoFit/>
+          </a:bodyPr>
+          <a:lstStyle/>
+          <a:p>
+            <a:r>
+              <a:rPr lang="en-US" dirty="0"/>
+              <a:t>http://download.java.net/java/jdk9/docs/api/overview-summary.html</a:t>
+            </a:r>
+            <a:endParaRPr lang="ru-RU" dirty="0"/>
+          </a:p>
+        </p:txBody>
+      </p:sp>
+      <p:grpSp>
+        <p:nvGrpSpPr>
+          <p:cNvPr id="18" name="Group 23"/>
+          <p:cNvGrpSpPr/>
+          <p:nvPr/>
+        </p:nvGrpSpPr>
+        <p:grpSpPr>
+          <a:xfrm>
+            <a:off x="231275" y="4146637"/>
+            <a:ext cx="7780439" cy="408253"/>
+            <a:chOff x="357780" y="2067708"/>
+            <a:chExt cx="7780439" cy="408253"/>
+          </a:xfrm>
+        </p:grpSpPr>
+        <p:sp>
+          <p:nvSpPr>
+            <p:cNvPr id="19" name="TextBox 18"/>
+            <p:cNvSpPr txBox="1"/>
+            <p:nvPr/>
+          </p:nvSpPr>
+          <p:spPr>
+            <a:xfrm>
+              <a:off x="823019" y="2091887"/>
+              <a:ext cx="7315200" cy="338554"/>
+            </a:xfrm>
+            <a:prstGeom prst="rect">
+              <a:avLst/>
+            </a:prstGeom>
+            <a:noFill/>
+          </p:spPr>
+          <p:txBody>
+            <a:bodyPr wrap="square" rtlCol="0">
+              <a:spAutoFit/>
+            </a:bodyPr>
+            <a:lstStyle/>
+            <a:p>
+              <a:r>
+                <a:rPr lang="en-US" sz="1600" dirty="0" smtClean="0"/>
+                <a:t>Flow API – Publisher and Subscriber</a:t>
+              </a:r>
+              <a:endParaRPr lang="en-US" sz="1600" dirty="0"/>
+            </a:p>
+          </p:txBody>
+        </p:sp>
+        <p:grpSp>
+          <p:nvGrpSpPr>
+            <p:cNvPr id="20" name="Group 50"/>
+            <p:cNvGrpSpPr>
+              <a:grpSpLocks noChangeAspect="1"/>
+            </p:cNvGrpSpPr>
+            <p:nvPr/>
+          </p:nvGrpSpPr>
+          <p:grpSpPr>
+            <a:xfrm>
+              <a:off x="357780" y="2067708"/>
+              <a:ext cx="411480" cy="408253"/>
+              <a:chOff x="448467" y="2071851"/>
+              <a:chExt cx="464582" cy="464582"/>
+            </a:xfrm>
+          </p:grpSpPr>
+          <p:sp>
+            <p:nvSpPr>
+              <p:cNvPr id="21" name="Oval 51"/>
+              <p:cNvSpPr/>
+              <p:nvPr/>
+            </p:nvSpPr>
+            <p:spPr>
+              <a:xfrm>
+                <a:off x="448467" y="2071851"/>
+                <a:ext cx="464582" cy="464582"/>
+              </a:xfrm>
+              <a:prstGeom prst="ellipse">
+                <a:avLst/>
+              </a:prstGeom>
+              <a:solidFill>
+                <a:srgbClr val="2FC2D9"/>
+              </a:solidFill>
+              <a:ln>
+                <a:noFill/>
+              </a:ln>
+              <a:effectLst/>
+            </p:spPr>
+            <p:style>
+              <a:lnRef idx="1">
+                <a:schemeClr val="accent1"/>
+              </a:lnRef>
+              <a:fillRef idx="3">
+                <a:schemeClr val="accent1"/>
+              </a:fillRef>
+              <a:effectRef idx="2">
+                <a:schemeClr val="accent1"/>
+              </a:effectRef>
+              <a:fontRef idx="minor">
+                <a:schemeClr val="lt1"/>
+              </a:fontRef>
+            </p:style>
+            <p:txBody>
+              <a:bodyPr tIns="91440" bIns="0" rtlCol="0" anchor="ctr" anchorCtr="1">
+                <a:noAutofit/>
+              </a:bodyPr>
+              <a:lstStyle/>
+              <a:p>
+                <a:pPr algn="ctr"/>
+                <a:endParaRPr lang="en-US" sz="1700">
+                  <a:solidFill>
+                    <a:schemeClr val="bg1"/>
+                  </a:solidFill>
+                  <a:latin typeface="Arial Black"/>
+                  <a:cs typeface="Arial Black"/>
+                </a:endParaRPr>
+              </a:p>
+            </p:txBody>
+          </p:sp>
+          <p:sp>
+            <p:nvSpPr>
+              <p:cNvPr id="22" name="TextBox 21"/>
+              <p:cNvSpPr txBox="1"/>
+              <p:nvPr/>
+            </p:nvSpPr>
+            <p:spPr>
+              <a:xfrm>
+                <a:off x="499647" y="2113322"/>
+                <a:ext cx="363015" cy="280194"/>
+              </a:xfrm>
+              <a:prstGeom prst="rect">
+                <a:avLst/>
+              </a:prstGeom>
+              <a:noFill/>
+            </p:spPr>
+            <p:txBody>
+              <a:bodyPr wrap="none" tIns="91440" bIns="0" rtlCol="0" anchor="ctr" anchorCtr="1">
+                <a:noAutofit/>
+              </a:bodyPr>
+              <a:lstStyle/>
+              <a:p>
+                <a:pPr algn="ctr"/>
+                <a:r>
+                  <a:rPr lang="en-US" sz="1700" dirty="0" smtClean="0">
+                    <a:solidFill>
+                      <a:schemeClr val="bg1"/>
+                    </a:solidFill>
+                    <a:latin typeface="Arial Black"/>
+                    <a:cs typeface="Arial Black"/>
+                  </a:rPr>
+                  <a:t>3</a:t>
+                </a:r>
+                <a:endParaRPr lang="en-US" sz="1700" dirty="0">
+                  <a:solidFill>
+                    <a:schemeClr val="bg1"/>
+                  </a:solidFill>
+                  <a:latin typeface="Arial Black"/>
+                  <a:cs typeface="Arial Black"/>
+                </a:endParaRPr>
+              </a:p>
+            </p:txBody>
+          </p:sp>
+        </p:grpSp>
+      </p:grpSp>
+    </p:spTree>
+    <p:extLst>
+      <p:ext uri="{BB962C8B-B14F-4D97-AF65-F5344CB8AC3E}">
+        <p14:creationId xmlns:p14="http://schemas.microsoft.com/office/powerpoint/2010/main" val="2684034211"/>
+      </p:ext>
+    </p:extLst>
+  </p:cSld>
+  <p:clrMapOvr>
+    <a:masterClrMapping/>
+  </p:clrMapOvr>
+  <p:timing>
+    <p:tnLst>
+      <p:par>
+        <p:cTn id="1" dur="indefinite" restart="never" nodeType="tmRoot"/>
+      </p:par>
+    </p:tnLst>
+  </p:timing>
+</p:sld>
+</file>
+
+<file path=ppt/slides/slide16.xml><?xml version="1.0" encoding="utf-8"?>
+<p:sld xmlns:a="http://schemas.openxmlformats.org/drawingml/2006/main" xmlns:r="http://schemas.openxmlformats.org/officeDocument/2006/relationships" xmlns:p="http://schemas.openxmlformats.org/presentationml/2006/main">
+  <p:cSld>
+    <p:spTree>
+      <p:nvGrpSpPr>
+        <p:cNvPr id="1" name=""/>
+        <p:cNvGrpSpPr/>
+        <p:nvPr/>
+      </p:nvGrpSpPr>
+      <p:grpSpPr>
+        <a:xfrm>
+          <a:off x="0" y="0"/>
+          <a:ext cx="0" cy="0"/>
+          <a:chOff x="0" y="0"/>
+          <a:chExt cx="0" cy="0"/>
+        </a:xfrm>
+      </p:grpSpPr>
+      <p:sp>
+        <p:nvSpPr>
+          <p:cNvPr id="5" name="Text Placeholder 4"/>
+          <p:cNvSpPr>
+            <a:spLocks noGrp="1"/>
+          </p:cNvSpPr>
+          <p:nvPr>
+            <p:ph type="body" sz="quarter" idx="11"/>
+          </p:nvPr>
+        </p:nvSpPr>
+        <p:spPr/>
+        <p:txBody>
+          <a:bodyPr/>
+          <a:lstStyle/>
+          <a:p>
+            <a:r>
+              <a:rPr lang="en-US" dirty="0" smtClean="0"/>
+              <a:t>Questions? </a:t>
+            </a:r>
+            <a:endParaRPr lang="en-US" dirty="0"/>
+          </a:p>
+        </p:txBody>
+      </p:sp>
+    </p:spTree>
+    <p:extLst>
+      <p:ext uri="{BB962C8B-B14F-4D97-AF65-F5344CB8AC3E}">
+        <p14:creationId xmlns:p14="http://schemas.microsoft.com/office/powerpoint/2010/main" val="432070721"/>
+      </p:ext>
+    </p:extLst>
+  </p:cSld>
+  <p:clrMapOvr>
+    <a:masterClrMapping/>
+  </p:clrMapOvr>
+  <p:timing>
+    <p:tnLst>
+      <p:par>
+        <p:cTn id="1" dur="indefinite" restart="never" nodeType="tmRoot"/>
+      </p:par>
+    </p:tnLst>
+  </p:timing>
+</p:sld>
+</file>
+
+<file path=ppt/slides/slide2.xml><?xml version="1.0" encoding="utf-8"?>
+<p:sld xmlns:a="http://schemas.openxmlformats.org/drawingml/2006/main" xmlns:r="http://schemas.openxmlformats.org/officeDocument/2006/relationships" xmlns:p="http://schemas.openxmlformats.org/presentationml/2006/main">
+  <p:cSld>
+    <p:spTree>
+      <p:nvGrpSpPr>
+        <p:cNvPr id="1" name=""/>
+        <p:cNvGrpSpPr/>
+        <p:nvPr/>
+      </p:nvGrpSpPr>
+      <p:grpSpPr>
+        <a:xfrm>
+          <a:off x="0" y="0"/>
+          <a:ext cx="0" cy="0"/>
+          <a:chOff x="0" y="0"/>
+          <a:chExt cx="0" cy="0"/>
+        </a:xfrm>
+      </p:grpSpPr>
+      <p:sp>
+        <p:nvSpPr>
+          <p:cNvPr id="13" name="Text Placeholder 12"/>
+          <p:cNvSpPr>
+            <a:spLocks noGrp="1"/>
+          </p:cNvSpPr>
+          <p:nvPr>
+            <p:ph type="body" sz="quarter" idx="10"/>
+          </p:nvPr>
+        </p:nvSpPr>
+        <p:spPr/>
+        <p:txBody>
+          <a:bodyPr/>
+          <a:lstStyle/>
+          <a:p>
+            <a:r>
+              <a:rPr lang="en-US" dirty="0" smtClean="0"/>
+              <a:t>Agenda</a:t>
+            </a:r>
+            <a:endParaRPr lang="en-US" dirty="0"/>
+          </a:p>
+        </p:txBody>
+      </p:sp>
+      <p:grpSp>
+        <p:nvGrpSpPr>
+          <p:cNvPr id="25" name="Group 24"/>
+          <p:cNvGrpSpPr/>
+          <p:nvPr/>
+        </p:nvGrpSpPr>
+        <p:grpSpPr>
+          <a:xfrm>
+            <a:off x="357780" y="1435606"/>
+            <a:ext cx="7780439" cy="408253"/>
+            <a:chOff x="357780" y="1435606"/>
+            <a:chExt cx="7780439" cy="408253"/>
+          </a:xfrm>
+        </p:grpSpPr>
+        <p:sp>
+          <p:nvSpPr>
+            <p:cNvPr id="35" name="TextBox 34"/>
+            <p:cNvSpPr txBox="1"/>
+            <p:nvPr/>
+          </p:nvSpPr>
+          <p:spPr>
+            <a:xfrm>
+              <a:off x="823019" y="1459785"/>
+              <a:ext cx="7315200" cy="338554"/>
+            </a:xfrm>
+            <a:prstGeom prst="rect">
+              <a:avLst/>
+            </a:prstGeom>
+            <a:noFill/>
+          </p:spPr>
+          <p:txBody>
+            <a:bodyPr wrap="square" rtlCol="0">
+              <a:spAutoFit/>
+            </a:bodyPr>
+            <a:lstStyle/>
+            <a:p>
+              <a:pPr>
+                <a:buClr>
+                  <a:schemeClr val="bg1"/>
+                </a:buClr>
+                <a:buSzPct val="140000"/>
+              </a:pPr>
+              <a:r>
+                <a:rPr lang="en-US" sz="1600" dirty="0" smtClean="0">
+                  <a:solidFill>
+                    <a:srgbClr val="444444"/>
+                  </a:solidFill>
+                  <a:latin typeface="Trebuchet MS"/>
+                  <a:cs typeface="Trebuchet MS"/>
+                </a:rPr>
+                <a:t>Modularization</a:t>
+              </a:r>
+              <a:endParaRPr lang="en-US" sz="1600" dirty="0">
+                <a:solidFill>
+                  <a:srgbClr val="444444"/>
+                </a:solidFill>
+                <a:latin typeface="Trebuchet MS"/>
+                <a:cs typeface="Trebuchet MS"/>
+              </a:endParaRPr>
+            </a:p>
+          </p:txBody>
+        </p:sp>
+        <p:grpSp>
+          <p:nvGrpSpPr>
+            <p:cNvPr id="36" name="Group 35"/>
+            <p:cNvGrpSpPr>
+              <a:grpSpLocks noChangeAspect="1"/>
+            </p:cNvGrpSpPr>
+            <p:nvPr/>
+          </p:nvGrpSpPr>
+          <p:grpSpPr>
+            <a:xfrm>
+              <a:off x="357780" y="1435606"/>
+              <a:ext cx="411480" cy="408253"/>
+              <a:chOff x="448467" y="1385718"/>
+              <a:chExt cx="464582" cy="464582"/>
+            </a:xfrm>
+          </p:grpSpPr>
+          <p:sp>
+            <p:nvSpPr>
+              <p:cNvPr id="37" name="Oval 36"/>
+              <p:cNvSpPr/>
+              <p:nvPr/>
+            </p:nvSpPr>
+            <p:spPr>
+              <a:xfrm>
+                <a:off x="448467" y="1385718"/>
+                <a:ext cx="464582" cy="464582"/>
+              </a:xfrm>
+              <a:prstGeom prst="ellipse">
+                <a:avLst/>
+              </a:prstGeom>
+              <a:solidFill>
+                <a:srgbClr val="2FC2D9"/>
+              </a:solidFill>
+              <a:ln>
+                <a:noFill/>
+              </a:ln>
+              <a:effectLst/>
+            </p:spPr>
+            <p:style>
+              <a:lnRef idx="1">
+                <a:schemeClr val="accent1"/>
+              </a:lnRef>
+              <a:fillRef idx="3">
+                <a:schemeClr val="accent1"/>
+              </a:fillRef>
+              <a:effectRef idx="2">
+                <a:schemeClr val="accent1"/>
+              </a:effectRef>
+              <a:fontRef idx="minor">
+                <a:schemeClr val="lt1"/>
+              </a:fontRef>
+            </p:style>
+            <p:txBody>
+              <a:bodyPr tIns="91440" bIns="0" rtlCol="0" anchor="ctr" anchorCtr="1">
+                <a:noAutofit/>
+              </a:bodyPr>
+              <a:lstStyle/>
+              <a:p>
+                <a:pPr algn="ctr"/>
+                <a:endParaRPr lang="en-US" sz="1700" dirty="0">
+                  <a:solidFill>
+                    <a:schemeClr val="bg1"/>
+                  </a:solidFill>
+                  <a:latin typeface="Arial Black"/>
+                  <a:cs typeface="Arial Black"/>
+                </a:endParaRPr>
+              </a:p>
+            </p:txBody>
+          </p:sp>
+          <p:sp>
+            <p:nvSpPr>
+              <p:cNvPr id="48" name="TextBox 47"/>
+              <p:cNvSpPr txBox="1"/>
+              <p:nvPr/>
+            </p:nvSpPr>
+            <p:spPr>
+              <a:xfrm>
+                <a:off x="497577" y="1427189"/>
+                <a:ext cx="363015" cy="280194"/>
+              </a:xfrm>
+              <a:prstGeom prst="rect">
+                <a:avLst/>
+              </a:prstGeom>
+              <a:noFill/>
+            </p:spPr>
+            <p:txBody>
+              <a:bodyPr wrap="none" tIns="91440" bIns="0" rtlCol="0" anchor="ctr" anchorCtr="1">
+                <a:noAutofit/>
+              </a:bodyPr>
+              <a:lstStyle/>
+              <a:p>
+                <a:pPr algn="ctr"/>
+                <a:r>
+                  <a:rPr lang="en-US" sz="1700" dirty="0">
+                    <a:solidFill>
+                      <a:schemeClr val="bg1"/>
+                    </a:solidFill>
+                    <a:latin typeface="Arial Black"/>
+                    <a:cs typeface="Arial Black"/>
+                  </a:rPr>
+                  <a:t>1</a:t>
+                </a:r>
+              </a:p>
+            </p:txBody>
+          </p:sp>
+        </p:grpSp>
+      </p:grpSp>
+      <p:grpSp>
+        <p:nvGrpSpPr>
+          <p:cNvPr id="24" name="Group 23"/>
+          <p:cNvGrpSpPr/>
+          <p:nvPr/>
+        </p:nvGrpSpPr>
+        <p:grpSpPr>
+          <a:xfrm>
+            <a:off x="357780" y="2067708"/>
+            <a:ext cx="7780439" cy="408253"/>
+            <a:chOff x="357780" y="2067708"/>
+            <a:chExt cx="7780439" cy="408253"/>
+          </a:xfrm>
+        </p:grpSpPr>
+        <p:sp>
+          <p:nvSpPr>
+            <p:cNvPr id="50" name="TextBox 49"/>
+            <p:cNvSpPr txBox="1"/>
+            <p:nvPr/>
+          </p:nvSpPr>
+          <p:spPr>
+            <a:xfrm>
+              <a:off x="823019" y="2091887"/>
+              <a:ext cx="7315200" cy="338554"/>
+            </a:xfrm>
+            <a:prstGeom prst="rect">
+              <a:avLst/>
+            </a:prstGeom>
+            <a:noFill/>
+          </p:spPr>
+          <p:txBody>
+            <a:bodyPr wrap="square" rtlCol="0">
+              <a:spAutoFit/>
+            </a:bodyPr>
+            <a:lstStyle/>
+            <a:p>
+              <a:pPr>
+                <a:buClr>
+                  <a:schemeClr val="bg1"/>
+                </a:buClr>
+                <a:buSzPct val="140000"/>
+              </a:pPr>
+              <a:r>
+                <a:rPr lang="en-US" sz="1600" dirty="0" smtClean="0">
+                  <a:solidFill>
+                    <a:srgbClr val="444444"/>
+                  </a:solidFill>
+                  <a:latin typeface="Trebuchet MS"/>
+                  <a:cs typeface="Trebuchet MS"/>
+                </a:rPr>
+                <a:t>REPL</a:t>
+              </a:r>
+              <a:endParaRPr lang="en-US" sz="1600" dirty="0">
+                <a:solidFill>
+                  <a:srgbClr val="444444"/>
+                </a:solidFill>
+                <a:latin typeface="Trebuchet MS"/>
+                <a:cs typeface="Trebuchet MS"/>
+              </a:endParaRPr>
+            </a:p>
+          </p:txBody>
+        </p:sp>
+        <p:grpSp>
+          <p:nvGrpSpPr>
+            <p:cNvPr id="51" name="Group 50"/>
+            <p:cNvGrpSpPr>
+              <a:grpSpLocks noChangeAspect="1"/>
+            </p:cNvGrpSpPr>
+            <p:nvPr/>
+          </p:nvGrpSpPr>
+          <p:grpSpPr>
+            <a:xfrm>
+              <a:off x="357780" y="2067708"/>
+              <a:ext cx="411480" cy="408253"/>
+              <a:chOff x="448467" y="2071851"/>
+              <a:chExt cx="464582" cy="464582"/>
+            </a:xfrm>
+          </p:grpSpPr>
+          <p:sp>
+            <p:nvSpPr>
+              <p:cNvPr id="52" name="Oval 51"/>
+              <p:cNvSpPr/>
+              <p:nvPr/>
+            </p:nvSpPr>
+            <p:spPr>
+              <a:xfrm>
+                <a:off x="448467" y="2071851"/>
+                <a:ext cx="464582" cy="464582"/>
+              </a:xfrm>
+              <a:prstGeom prst="ellipse">
+                <a:avLst/>
+              </a:prstGeom>
+              <a:solidFill>
+                <a:srgbClr val="2FC2D9"/>
+              </a:solidFill>
+              <a:ln>
+                <a:noFill/>
+              </a:ln>
+              <a:effectLst/>
+            </p:spPr>
+            <p:style>
+              <a:lnRef idx="1">
+                <a:schemeClr val="accent1"/>
+              </a:lnRef>
+              <a:fillRef idx="3">
+                <a:schemeClr val="accent1"/>
+              </a:fillRef>
+              <a:effectRef idx="2">
+                <a:schemeClr val="accent1"/>
+              </a:effectRef>
+              <a:fontRef idx="minor">
+                <a:schemeClr val="lt1"/>
+              </a:fontRef>
+            </p:style>
+            <p:txBody>
+              <a:bodyPr tIns="91440" bIns="0" rtlCol="0" anchor="ctr" anchorCtr="1">
+                <a:noAutofit/>
+              </a:bodyPr>
+              <a:lstStyle/>
+              <a:p>
+                <a:pPr algn="ctr"/>
+                <a:endParaRPr lang="en-US" sz="1700">
+                  <a:solidFill>
+                    <a:schemeClr val="bg1"/>
+                  </a:solidFill>
+                  <a:latin typeface="Arial Black"/>
+                  <a:cs typeface="Arial Black"/>
+                </a:endParaRPr>
+              </a:p>
+            </p:txBody>
+          </p:sp>
+          <p:sp>
+            <p:nvSpPr>
+              <p:cNvPr id="53" name="TextBox 52"/>
+              <p:cNvSpPr txBox="1"/>
+              <p:nvPr/>
+            </p:nvSpPr>
+            <p:spPr>
+              <a:xfrm>
+                <a:off x="499647" y="2113322"/>
+                <a:ext cx="363015" cy="280194"/>
+              </a:xfrm>
+              <a:prstGeom prst="rect">
+                <a:avLst/>
+              </a:prstGeom>
+              <a:noFill/>
+            </p:spPr>
+            <p:txBody>
+              <a:bodyPr wrap="none" tIns="91440" bIns="0" rtlCol="0" anchor="ctr" anchorCtr="1">
+                <a:noAutofit/>
+              </a:bodyPr>
+              <a:lstStyle/>
+              <a:p>
+                <a:pPr algn="ctr"/>
+                <a:r>
+                  <a:rPr lang="en-US" sz="1700" dirty="0">
+                    <a:solidFill>
+                      <a:schemeClr val="bg1"/>
+                    </a:solidFill>
+                    <a:latin typeface="Arial Black"/>
+                    <a:cs typeface="Arial Black"/>
+                  </a:rPr>
+                  <a:t>2</a:t>
+                </a:r>
+              </a:p>
+            </p:txBody>
+          </p:sp>
+        </p:grpSp>
+      </p:grpSp>
+      <p:grpSp>
+        <p:nvGrpSpPr>
+          <p:cNvPr id="23" name="Group 22"/>
+          <p:cNvGrpSpPr/>
+          <p:nvPr/>
+        </p:nvGrpSpPr>
+        <p:grpSpPr>
+          <a:xfrm>
+            <a:off x="357780" y="2699810"/>
+            <a:ext cx="7780439" cy="408253"/>
+            <a:chOff x="357780" y="2699810"/>
+            <a:chExt cx="7780439" cy="408253"/>
+          </a:xfrm>
+        </p:grpSpPr>
+        <p:sp>
+          <p:nvSpPr>
+            <p:cNvPr id="55" name="TextBox 54"/>
+            <p:cNvSpPr txBox="1"/>
+            <p:nvPr/>
+          </p:nvSpPr>
+          <p:spPr>
+            <a:xfrm>
+              <a:off x="823019" y="2723989"/>
+              <a:ext cx="7315200" cy="338554"/>
+            </a:xfrm>
+            <a:prstGeom prst="rect">
+              <a:avLst/>
+            </a:prstGeom>
+            <a:noFill/>
+          </p:spPr>
+          <p:txBody>
+            <a:bodyPr wrap="square" rtlCol="0">
+              <a:spAutoFit/>
+            </a:bodyPr>
+            <a:lstStyle/>
+            <a:p>
+              <a:pPr>
+                <a:buClr>
+                  <a:schemeClr val="bg1"/>
+                </a:buClr>
+                <a:buSzPct val="140000"/>
+              </a:pPr>
+              <a:r>
+                <a:rPr lang="en-US" sz="1600" dirty="0" smtClean="0">
+                  <a:solidFill>
+                    <a:srgbClr val="444444"/>
+                  </a:solidFill>
+                  <a:latin typeface="Trebuchet MS"/>
+                  <a:cs typeface="Trebuchet MS"/>
+                </a:rPr>
+                <a:t>Other various improvements </a:t>
+              </a:r>
+              <a:endParaRPr lang="en-US" sz="1600" dirty="0">
+                <a:solidFill>
+                  <a:srgbClr val="444444"/>
+                </a:solidFill>
+                <a:latin typeface="Trebuchet MS"/>
+                <a:cs typeface="Trebuchet MS"/>
+              </a:endParaRPr>
+            </a:p>
+          </p:txBody>
+        </p:sp>
+        <p:grpSp>
+          <p:nvGrpSpPr>
+            <p:cNvPr id="56" name="Group 55"/>
+            <p:cNvGrpSpPr>
+              <a:grpSpLocks noChangeAspect="1"/>
+            </p:cNvGrpSpPr>
+            <p:nvPr/>
+          </p:nvGrpSpPr>
+          <p:grpSpPr>
+            <a:xfrm>
+              <a:off x="357780" y="2699810"/>
+              <a:ext cx="411480" cy="408253"/>
+              <a:chOff x="448467" y="2760563"/>
+              <a:chExt cx="464582" cy="464582"/>
+            </a:xfrm>
+          </p:grpSpPr>
+          <p:sp>
+            <p:nvSpPr>
+              <p:cNvPr id="57" name="Oval 56"/>
+              <p:cNvSpPr/>
+              <p:nvPr/>
+            </p:nvSpPr>
+            <p:spPr>
+              <a:xfrm>
+                <a:off x="448467" y="2760563"/>
+                <a:ext cx="464582" cy="464582"/>
+              </a:xfrm>
+              <a:prstGeom prst="ellipse">
+                <a:avLst/>
+              </a:prstGeom>
+              <a:solidFill>
+                <a:srgbClr val="2FC2D9"/>
+              </a:solidFill>
+              <a:ln>
+                <a:noFill/>
+              </a:ln>
+              <a:effectLst/>
+            </p:spPr>
+            <p:style>
+              <a:lnRef idx="1">
+                <a:schemeClr val="accent1"/>
+              </a:lnRef>
+              <a:fillRef idx="3">
+                <a:schemeClr val="accent1"/>
+              </a:fillRef>
+              <a:effectRef idx="2">
+                <a:schemeClr val="accent1"/>
+              </a:effectRef>
+              <a:fontRef idx="minor">
+                <a:schemeClr val="lt1"/>
+              </a:fontRef>
+            </p:style>
+            <p:txBody>
+              <a:bodyPr tIns="91440" bIns="0" rtlCol="0" anchor="ctr" anchorCtr="1">
+                <a:noAutofit/>
+              </a:bodyPr>
+              <a:lstStyle/>
+              <a:p>
+                <a:pPr algn="ctr"/>
+                <a:endParaRPr lang="en-US" sz="1700" dirty="0">
+                  <a:solidFill>
+                    <a:schemeClr val="bg1"/>
+                  </a:solidFill>
+                  <a:latin typeface="Arial Black"/>
+                  <a:cs typeface="Arial Black"/>
+                </a:endParaRPr>
+              </a:p>
+            </p:txBody>
+          </p:sp>
+          <p:sp>
+            <p:nvSpPr>
+              <p:cNvPr id="58" name="TextBox 57"/>
+              <p:cNvSpPr txBox="1"/>
+              <p:nvPr/>
+            </p:nvSpPr>
+            <p:spPr>
+              <a:xfrm>
+                <a:off x="499647" y="2802034"/>
+                <a:ext cx="363015" cy="280194"/>
+              </a:xfrm>
+              <a:prstGeom prst="rect">
+                <a:avLst/>
+              </a:prstGeom>
+              <a:noFill/>
+            </p:spPr>
+            <p:txBody>
+              <a:bodyPr wrap="none" tIns="91440" bIns="0" rtlCol="0" anchor="ctr" anchorCtr="1">
+                <a:noAutofit/>
+              </a:bodyPr>
+              <a:lstStyle/>
+              <a:p>
+                <a:pPr algn="ctr"/>
+                <a:r>
+                  <a:rPr lang="en-US" sz="1700" dirty="0">
+                    <a:solidFill>
+                      <a:schemeClr val="bg1"/>
+                    </a:solidFill>
+                    <a:latin typeface="Arial Black"/>
+                    <a:cs typeface="Arial Black"/>
+                  </a:rPr>
+                  <a:t>3</a:t>
+                </a:r>
+              </a:p>
+            </p:txBody>
+          </p:sp>
+        </p:grpSp>
+      </p:grpSp>
+      <p:pic>
+        <p:nvPicPr>
+          <p:cNvPr id="1026" name="Picture 2" descr="http://blog.takipi.com/wp-content/uploads/2017/01/java9.png"/>
+          <p:cNvPicPr>
+            <a:picLocks noChangeAspect="1" noChangeArrowheads="1"/>
+          </p:cNvPicPr>
+          <p:nvPr/>
+        </p:nvPicPr>
+        <p:blipFill rotWithShape="1">
+          <a:blip r:embed="rId3">
+            <a:extLst>
+              <a:ext uri="{28A0092B-C50C-407E-A947-70E740481C1C}">
+                <a14:useLocalDpi xmlns:a14="http://schemas.microsoft.com/office/drawing/2010/main" val="0"/>
+              </a:ext>
+            </a:extLst>
+          </a:blip>
+          <a:srcRect l="22011" r="22895"/>
+          <a:stretch/>
+        </p:blipFill>
+        <p:spPr bwMode="auto">
+          <a:xfrm>
+            <a:off x="6100354" y="3485291"/>
+            <a:ext cx="3043646" cy="2857500"/>
+          </a:xfrm>
+          <a:prstGeom prst="rect">
+            <a:avLst/>
+          </a:prstGeom>
+          <a:noFill/>
+          <a:extLst>
+            <a:ext uri="{909E8E84-426E-40DD-AFC4-6F175D3DCCD1}">
+              <a14:hiddenFill xmlns:a14="http://schemas.microsoft.com/office/drawing/2010/main">
+                <a:solidFill>
+                  <a:srgbClr val="FFFFFF"/>
+                </a:solidFill>
+              </a14:hiddenFill>
+            </a:ext>
+          </a:extLst>
+        </p:spPr>
+      </p:pic>
+    </p:spTree>
+    <p:extLst>
+      <p:ext uri="{BB962C8B-B14F-4D97-AF65-F5344CB8AC3E}">
+        <p14:creationId xmlns:p14="http://schemas.microsoft.com/office/powerpoint/2010/main" val="975152797"/>
+      </p:ext>
+    </p:extLst>
+  </p:cSld>
+  <p:clrMapOvr>
+    <a:masterClrMapping/>
+  </p:clrMapOvr>
+  <p:timing>
+    <p:tnLst>
+      <p:par>
+        <p:cTn id="1" dur="indefinite" restart="never" nodeType="tmRoot"/>
+      </p:par>
+    </p:tnLst>
+  </p:timing>
+</p:sld>
+</file>
+
+<file path=ppt/slides/slide3.xml><?xml version="1.0" encoding="utf-8"?>
+<p:sld xmlns:a="http://schemas.openxmlformats.org/drawingml/2006/main" xmlns:r="http://schemas.openxmlformats.org/officeDocument/2006/relationships" xmlns:p="http://schemas.openxmlformats.org/presentationml/2006/main">
+  <p:cSld>
+    <p:spTree>
+      <p:nvGrpSpPr>
+        <p:cNvPr id="1" name=""/>
+        <p:cNvGrpSpPr/>
+        <p:nvPr/>
+      </p:nvGrpSpPr>
+      <p:grpSpPr>
+        <a:xfrm>
+          <a:off x="0" y="0"/>
+          <a:ext cx="0" cy="0"/>
+          <a:chOff x="0" y="0"/>
+          <a:chExt cx="0" cy="0"/>
+        </a:xfrm>
+      </p:grpSpPr>
+      <p:sp>
+        <p:nvSpPr>
+          <p:cNvPr id="6" name="Text Placeholder 5"/>
+          <p:cNvSpPr>
+            <a:spLocks noGrp="1"/>
+          </p:cNvSpPr>
+          <p:nvPr>
+            <p:ph type="body" sz="quarter" idx="10"/>
+          </p:nvPr>
+        </p:nvSpPr>
+        <p:spPr>
+          <a:xfrm>
+            <a:off x="0" y="0"/>
+            <a:ext cx="9144000" cy="932688"/>
+          </a:xfrm>
+        </p:spPr>
+        <p:txBody>
+          <a:bodyPr>
+            <a:normAutofit/>
+          </a:bodyPr>
+          <a:lstStyle/>
+          <a:p>
+            <a:r>
+              <a:rPr lang="en-US" dirty="0" smtClean="0"/>
+              <a:t>Java 8 vs 9</a:t>
+            </a:r>
+            <a:endParaRPr lang="en-US" dirty="0"/>
+          </a:p>
+        </p:txBody>
+      </p:sp>
+      <p:pic>
+        <p:nvPicPr>
+          <p:cNvPr id="1027" name="Picture 3"/>
+          <p:cNvPicPr>
+            <a:picLocks noChangeAspect="1" noChangeArrowheads="1"/>
+          </p:cNvPicPr>
+          <p:nvPr/>
+        </p:nvPicPr>
+        <p:blipFill>
+          <a:blip r:embed="rId3">
+            <a:extLst>
+              <a:ext uri="{28A0092B-C50C-407E-A947-70E740481C1C}">
+                <a14:useLocalDpi xmlns:a14="http://schemas.microsoft.com/office/drawing/2010/main" val="0"/>
+              </a:ext>
+            </a:extLst>
+          </a:blip>
+          <a:srcRect/>
+          <a:stretch>
+            <a:fillRect/>
+          </a:stretch>
+        </p:blipFill>
+        <p:spPr bwMode="auto">
+          <a:xfrm>
+            <a:off x="4854349" y="1415142"/>
+            <a:ext cx="3876675" cy="2362200"/>
+          </a:xfrm>
+          <a:prstGeom prst="rect">
+            <a:avLst/>
+          </a:prstGeom>
+          <a:noFill/>
+          <a:ln>
+            <a:noFill/>
+          </a:ln>
+          <a:extLst>
+            <a:ext uri="{909E8E84-426E-40DD-AFC4-6F175D3DCCD1}">
+              <a14:hiddenFill xmlns:a14="http://schemas.microsoft.com/office/drawing/2010/main">
+                <a:solidFill>
+                  <a:schemeClr val="accent1"/>
+                </a:solidFill>
+              </a14:hiddenFill>
+            </a:ext>
+            <a:ext uri="{91240B29-F687-4F45-9708-019B960494DF}">
+              <a14:hiddenLine xmlns:a14="http://schemas.microsoft.com/office/drawing/2010/main" w="9525">
+                <a:solidFill>
+                  <a:schemeClr val="tx1"/>
+                </a:solidFill>
+                <a:miter lim="800000"/>
+                <a:headEnd/>
+                <a:tailEnd/>
+              </a14:hiddenLine>
+            </a:ext>
+          </a:extLst>
+        </p:spPr>
+      </p:pic>
+      <p:pic>
+        <p:nvPicPr>
+          <p:cNvPr id="1030" name="Picture 6"/>
+          <p:cNvPicPr>
+            <a:picLocks noChangeAspect="1" noChangeArrowheads="1"/>
+          </p:cNvPicPr>
+          <p:nvPr/>
+        </p:nvPicPr>
+        <p:blipFill>
+          <a:blip r:embed="rId4">
+            <a:extLst>
+              <a:ext uri="{28A0092B-C50C-407E-A947-70E740481C1C}">
+                <a14:useLocalDpi xmlns:a14="http://schemas.microsoft.com/office/drawing/2010/main" val="0"/>
+              </a:ext>
+            </a:extLst>
+          </a:blip>
+          <a:srcRect/>
+          <a:stretch>
+            <a:fillRect/>
+          </a:stretch>
+        </p:blipFill>
+        <p:spPr bwMode="auto">
+          <a:xfrm>
+            <a:off x="259896" y="1415142"/>
+            <a:ext cx="4248150" cy="2981325"/>
+          </a:xfrm>
+          <a:prstGeom prst="rect">
+            <a:avLst/>
+          </a:prstGeom>
+          <a:noFill/>
+          <a:ln>
+            <a:noFill/>
+          </a:ln>
+          <a:extLst>
+            <a:ext uri="{909E8E84-426E-40DD-AFC4-6F175D3DCCD1}">
+              <a14:hiddenFill xmlns:a14="http://schemas.microsoft.com/office/drawing/2010/main">
+                <a:solidFill>
+                  <a:schemeClr val="accent1"/>
+                </a:solidFill>
+              </a14:hiddenFill>
+            </a:ext>
+            <a:ext uri="{91240B29-F687-4F45-9708-019B960494DF}">
+              <a14:hiddenLine xmlns:a14="http://schemas.microsoft.com/office/drawing/2010/main" w="9525">
+                <a:solidFill>
+                  <a:schemeClr val="tx1"/>
+                </a:solidFill>
+                <a:miter lim="800000"/>
+                <a:headEnd/>
+                <a:tailEnd/>
+              </a14:hiddenLine>
+            </a:ext>
+          </a:extLst>
+        </p:spPr>
+      </p:pic>
+    </p:spTree>
+    <p:extLst>
+      <p:ext uri="{BB962C8B-B14F-4D97-AF65-F5344CB8AC3E}">
+        <p14:creationId xmlns:p14="http://schemas.microsoft.com/office/powerpoint/2010/main" val="4035246169"/>
+      </p:ext>
+    </p:extLst>
+  </p:cSld>
+  <p:clrMapOvr>
+    <a:masterClrMapping/>
+  </p:clrMapOvr>
+  <p:timing>
+    <p:tnLst>
+      <p:par>
+        <p:cTn id="1" dur="indefinite" restart="never" nodeType="tmRoot"/>
+      </p:par>
+    </p:tnLst>
+  </p:timing>
+</p:sld>
+</file>
+
+<file path=ppt/slides/slide4.xml><?xml version="1.0" encoding="utf-8"?>
+<p:sld xmlns:a="http://schemas.openxmlformats.org/drawingml/2006/main" xmlns:r="http://schemas.openxmlformats.org/officeDocument/2006/relationships" xmlns:p="http://schemas.openxmlformats.org/presentationml/2006/main">
+  <p:cSld>
+    <p:spTree>
+      <p:nvGrpSpPr>
+        <p:cNvPr id="1" name=""/>
+        <p:cNvGrpSpPr/>
+        <p:nvPr/>
+      </p:nvGrpSpPr>
+      <p:grpSpPr>
+        <a:xfrm>
+          <a:off x="0" y="0"/>
+          <a:ext cx="0" cy="0"/>
+          <a:chOff x="0" y="0"/>
+          <a:chExt cx="0" cy="0"/>
+        </a:xfrm>
+      </p:grpSpPr>
+      <p:sp>
+        <p:nvSpPr>
+          <p:cNvPr id="2" name="Text Placeholder 1"/>
+          <p:cNvSpPr>
+            <a:spLocks noGrp="1"/>
+          </p:cNvSpPr>
+          <p:nvPr>
+            <p:ph type="body" sz="quarter" idx="10"/>
+          </p:nvPr>
+        </p:nvSpPr>
+        <p:spPr/>
+        <p:txBody>
+          <a:bodyPr/>
+          <a:lstStyle/>
+          <a:p>
+            <a:endParaRPr lang="en-US"/>
+          </a:p>
+        </p:txBody>
+      </p:sp>
+      <p:sp>
+        <p:nvSpPr>
+          <p:cNvPr id="4" name="Text Placeholder 3"/>
+          <p:cNvSpPr>
+            <a:spLocks noGrp="1"/>
+          </p:cNvSpPr>
+          <p:nvPr>
+            <p:ph type="body" sz="quarter" idx="11"/>
+          </p:nvPr>
+        </p:nvSpPr>
+        <p:spPr/>
+        <p:txBody>
+          <a:bodyPr/>
+          <a:lstStyle/>
+          <a:p>
+            <a:r>
+              <a:rPr lang="en-US" dirty="0" smtClean="0"/>
+              <a:t>Java Modules</a:t>
+            </a:r>
+            <a:endParaRPr lang="en-US" dirty="0"/>
+          </a:p>
+        </p:txBody>
+      </p:sp>
+      <p:sp>
+        <p:nvSpPr>
+          <p:cNvPr id="5" name="Content Placeholder 2"/>
+          <p:cNvSpPr>
+            <a:spLocks noGrp="1"/>
+          </p:cNvSpPr>
+          <p:nvPr>
+            <p:ph idx="1"/>
+          </p:nvPr>
+        </p:nvSpPr>
+        <p:spPr>
+          <a:xfrm>
+            <a:off x="300446" y="1109035"/>
+            <a:ext cx="8486938" cy="5069696"/>
+          </a:xfrm>
+        </p:spPr>
+        <p:txBody>
+          <a:bodyPr>
+            <a:normAutofit/>
+          </a:bodyPr>
+          <a:lstStyle/>
+          <a:p>
+            <a:r>
+              <a:rPr lang="en-US" sz="3200" dirty="0"/>
+              <a:t>Modules are a new way of grouping code and data. </a:t>
+            </a:r>
+            <a:endParaRPr lang="en-US" sz="3200" dirty="0" smtClean="0"/>
+          </a:p>
+          <a:p>
+            <a:endParaRPr lang="en-US" sz="3200" dirty="0" smtClean="0"/>
+          </a:p>
+          <a:p>
+            <a:r>
+              <a:rPr lang="en-US" sz="3200" dirty="0" smtClean="0"/>
+              <a:t>Modules </a:t>
+            </a:r>
+            <a:r>
+              <a:rPr lang="en-US" sz="3200" dirty="0"/>
+              <a:t>explicitly declare which modules they depend on, and what packages they export</a:t>
+            </a:r>
+            <a:r>
+              <a:rPr lang="en-US" sz="3200" dirty="0" smtClean="0"/>
+              <a:t>.</a:t>
+            </a:r>
+          </a:p>
+          <a:p>
+            <a:endParaRPr lang="en-US" sz="3200" dirty="0"/>
+          </a:p>
+          <a:p>
+            <a:r>
+              <a:rPr lang="en-US" sz="3200" dirty="0"/>
+              <a:t>java --</a:t>
+            </a:r>
+            <a:r>
+              <a:rPr lang="en-US" sz="3200" dirty="0" smtClean="0"/>
+              <a:t>list-modules</a:t>
+            </a:r>
+            <a:endParaRPr lang="en-US" dirty="0"/>
+          </a:p>
+        </p:txBody>
+      </p:sp>
+    </p:spTree>
+    <p:extLst>
+      <p:ext uri="{BB962C8B-B14F-4D97-AF65-F5344CB8AC3E}">
+        <p14:creationId xmlns:p14="http://schemas.microsoft.com/office/powerpoint/2010/main" val="890430260"/>
+      </p:ext>
+    </p:extLst>
+  </p:cSld>
+  <p:clrMapOvr>
+    <a:masterClrMapping/>
+  </p:clrMapOvr>
+  <p:timing>
+    <p:tnLst>
+      <p:par>
+        <p:cTn id="1" dur="indefinite" restart="never" nodeType="tmRoot"/>
+      </p:par>
+    </p:tnLst>
+  </p:timing>
+</p:sld>
+</file>
+
+<file path=ppt/slides/slide5.xml><?xml version="1.0" encoding="utf-8"?>
+<p:sld xmlns:a="http://schemas.openxmlformats.org/drawingml/2006/main" xmlns:r="http://schemas.openxmlformats.org/officeDocument/2006/relationships" xmlns:p="http://schemas.openxmlformats.org/presentationml/2006/main">
+  <p:cSld>
+    <p:spTree>
+      <p:nvGrpSpPr>
+        <p:cNvPr id="1" name=""/>
+        <p:cNvGrpSpPr/>
+        <p:nvPr/>
+      </p:nvGrpSpPr>
+      <p:grpSpPr>
+        <a:xfrm>
+          <a:off x="0" y="0"/>
+          <a:ext cx="0" cy="0"/>
+          <a:chOff x="0" y="0"/>
+          <a:chExt cx="0" cy="0"/>
+        </a:xfrm>
+      </p:grpSpPr>
+      <p:sp>
+        <p:nvSpPr>
+          <p:cNvPr id="2" name="Text Placeholder 1"/>
+          <p:cNvSpPr>
+            <a:spLocks noGrp="1"/>
+          </p:cNvSpPr>
+          <p:nvPr>
+            <p:ph type="body" sz="quarter" idx="10"/>
+          </p:nvPr>
+        </p:nvSpPr>
+        <p:spPr/>
+        <p:txBody>
+          <a:bodyPr/>
+          <a:lstStyle/>
+          <a:p>
+            <a:endParaRPr lang="en-US"/>
+          </a:p>
+        </p:txBody>
+      </p:sp>
+      <p:sp>
+        <p:nvSpPr>
+          <p:cNvPr id="4" name="Text Placeholder 3"/>
+          <p:cNvSpPr>
+            <a:spLocks noGrp="1"/>
+          </p:cNvSpPr>
+          <p:nvPr>
+            <p:ph type="body" sz="quarter" idx="11"/>
+          </p:nvPr>
+        </p:nvSpPr>
+        <p:spPr/>
+        <p:txBody>
+          <a:bodyPr/>
+          <a:lstStyle/>
+          <a:p>
+            <a:r>
+              <a:rPr lang="en-US" dirty="0" smtClean="0"/>
+              <a:t>Java </a:t>
+            </a:r>
+            <a:r>
+              <a:rPr lang="en-US" dirty="0"/>
+              <a:t>M</a:t>
+            </a:r>
+            <a:r>
+              <a:rPr lang="en-US" dirty="0" smtClean="0"/>
+              <a:t>odule</a:t>
+            </a:r>
+            <a:endParaRPr lang="en-US" dirty="0"/>
+          </a:p>
+        </p:txBody>
+      </p:sp>
+      <p:pic>
+        <p:nvPicPr>
+          <p:cNvPr id="5" name="Picture 4"/>
+          <p:cNvPicPr>
+            <a:picLocks noChangeAspect="1"/>
+          </p:cNvPicPr>
+          <p:nvPr/>
+        </p:nvPicPr>
+        <p:blipFill rotWithShape="1">
+          <a:blip r:embed="rId2"/>
+          <a:srcRect r="32556"/>
+          <a:stretch/>
+        </p:blipFill>
+        <p:spPr>
+          <a:xfrm>
+            <a:off x="2037807" y="1161288"/>
+            <a:ext cx="4180114" cy="5324421"/>
+          </a:xfrm>
+          <a:prstGeom prst="rect">
+            <a:avLst/>
+          </a:prstGeom>
+        </p:spPr>
+      </p:pic>
+    </p:spTree>
+    <p:extLst>
+      <p:ext uri="{BB962C8B-B14F-4D97-AF65-F5344CB8AC3E}">
+        <p14:creationId xmlns:p14="http://schemas.microsoft.com/office/powerpoint/2010/main" val="338866559"/>
+      </p:ext>
+    </p:extLst>
+  </p:cSld>
+  <p:clrMapOvr>
+    <a:masterClrMapping/>
+  </p:clrMapOvr>
+  <p:timing>
+    <p:tnLst>
+      <p:par>
+        <p:cTn id="1" dur="indefinite" restart="never" nodeType="tmRoot"/>
+      </p:par>
+    </p:tnLst>
+  </p:timing>
+</p:sld>
+</file>
+
+<file path=ppt/slides/slide6.xml><?xml version="1.0" encoding="utf-8"?>
+<p:sld xmlns:a="http://schemas.openxmlformats.org/drawingml/2006/main" xmlns:r="http://schemas.openxmlformats.org/officeDocument/2006/relationships" xmlns:p="http://schemas.openxmlformats.org/presentationml/2006/main">
+  <p:cSld>
+    <p:spTree>
+      <p:nvGrpSpPr>
+        <p:cNvPr id="1" name=""/>
+        <p:cNvGrpSpPr/>
+        <p:nvPr/>
+      </p:nvGrpSpPr>
+      <p:grpSpPr>
+        <a:xfrm>
+          <a:off x="0" y="0"/>
+          <a:ext cx="0" cy="0"/>
+          <a:chOff x="0" y="0"/>
+          <a:chExt cx="0" cy="0"/>
+        </a:xfrm>
+      </p:grpSpPr>
+      <p:sp>
+        <p:nvSpPr>
+          <p:cNvPr id="2" name="Text Placeholder 1"/>
+          <p:cNvSpPr>
+            <a:spLocks noGrp="1"/>
+          </p:cNvSpPr>
+          <p:nvPr>
+            <p:ph type="body" sz="quarter" idx="10"/>
+          </p:nvPr>
+        </p:nvSpPr>
+        <p:spPr/>
+        <p:txBody>
+          <a:bodyPr/>
+          <a:lstStyle/>
+          <a:p>
+            <a:endParaRPr lang="en-US"/>
+          </a:p>
+        </p:txBody>
+      </p:sp>
+      <p:sp>
+        <p:nvSpPr>
+          <p:cNvPr id="4" name="Text Placeholder 3"/>
+          <p:cNvSpPr>
+            <a:spLocks noGrp="1"/>
+          </p:cNvSpPr>
+          <p:nvPr>
+            <p:ph type="body" sz="quarter" idx="11"/>
+          </p:nvPr>
+        </p:nvSpPr>
+        <p:spPr/>
+        <p:txBody>
+          <a:bodyPr/>
+          <a:lstStyle/>
+          <a:p>
+            <a:r>
+              <a:rPr lang="en-US" dirty="0" smtClean="0"/>
+              <a:t>Java Module – module-info.java</a:t>
+            </a:r>
+            <a:endParaRPr lang="en-US" dirty="0"/>
+          </a:p>
+        </p:txBody>
+      </p:sp>
+      <p:sp>
+        <p:nvSpPr>
+          <p:cNvPr id="5" name="TextBox 4"/>
+          <p:cNvSpPr txBox="1"/>
+          <p:nvPr/>
+        </p:nvSpPr>
+        <p:spPr>
+          <a:xfrm>
+            <a:off x="261256" y="1240971"/>
+            <a:ext cx="7040881" cy="3194721"/>
+          </a:xfrm>
+          <a:prstGeom prst="rect">
+            <a:avLst/>
+          </a:prstGeom>
+          <a:noFill/>
+        </p:spPr>
+        <p:txBody>
+          <a:bodyPr wrap="square" rtlCol="0">
+            <a:spAutoFit/>
+          </a:bodyPr>
+          <a:lstStyle/>
+          <a:p>
+            <a:pPr>
+              <a:lnSpc>
+                <a:spcPct val="120000"/>
+              </a:lnSpc>
+            </a:pPr>
+            <a:r>
+              <a:rPr lang="en-US" sz="2800" b="1" dirty="0" smtClean="0">
+                <a:solidFill>
+                  <a:srgbClr val="444444"/>
+                </a:solidFill>
+                <a:latin typeface="Trebuchet MS"/>
+                <a:cs typeface="Trebuchet MS"/>
+              </a:rPr>
+              <a:t>REQUIRES</a:t>
+            </a:r>
+            <a:r>
+              <a:rPr lang="en-US" sz="2800" dirty="0" smtClean="0">
+                <a:solidFill>
+                  <a:srgbClr val="444444"/>
+                </a:solidFill>
+                <a:latin typeface="Trebuchet MS"/>
+                <a:cs typeface="Trebuchet MS"/>
+              </a:rPr>
+              <a:t> – define dependencies on other modules</a:t>
+            </a:r>
+          </a:p>
+          <a:p>
+            <a:pPr>
+              <a:lnSpc>
+                <a:spcPct val="120000"/>
+              </a:lnSpc>
+            </a:pPr>
+            <a:endParaRPr lang="en-US" sz="2800" dirty="0" smtClean="0">
+              <a:solidFill>
+                <a:srgbClr val="444444"/>
+              </a:solidFill>
+              <a:latin typeface="Trebuchet MS"/>
+              <a:cs typeface="Trebuchet MS"/>
+            </a:endParaRPr>
+          </a:p>
+          <a:p>
+            <a:pPr>
+              <a:lnSpc>
+                <a:spcPct val="120000"/>
+              </a:lnSpc>
+            </a:pPr>
+            <a:endParaRPr lang="en-US" sz="2800" dirty="0">
+              <a:solidFill>
+                <a:srgbClr val="444444"/>
+              </a:solidFill>
+              <a:latin typeface="Trebuchet MS"/>
+              <a:cs typeface="Trebuchet MS"/>
+            </a:endParaRPr>
+          </a:p>
+          <a:p>
+            <a:pPr>
+              <a:lnSpc>
+                <a:spcPct val="120000"/>
+              </a:lnSpc>
+            </a:pPr>
+            <a:r>
+              <a:rPr lang="en-US" sz="2800" b="1" dirty="0" smtClean="0">
+                <a:solidFill>
+                  <a:srgbClr val="444444"/>
+                </a:solidFill>
+                <a:latin typeface="Trebuchet MS"/>
+                <a:cs typeface="Trebuchet MS"/>
+              </a:rPr>
+              <a:t>EXPORTS</a:t>
+            </a:r>
+            <a:r>
+              <a:rPr lang="en-US" sz="2800" dirty="0" smtClean="0">
+                <a:solidFill>
+                  <a:srgbClr val="444444"/>
+                </a:solidFill>
+                <a:latin typeface="Trebuchet MS"/>
+                <a:cs typeface="Trebuchet MS"/>
+              </a:rPr>
+              <a:t> – define packages available to other modules</a:t>
+            </a:r>
+            <a:endParaRPr lang="en-US" sz="2800" dirty="0">
+              <a:solidFill>
+                <a:srgbClr val="444444"/>
+              </a:solidFill>
+              <a:latin typeface="Trebuchet MS"/>
+              <a:cs typeface="Trebuchet MS"/>
+            </a:endParaRPr>
+          </a:p>
+        </p:txBody>
+      </p:sp>
+    </p:spTree>
+    <p:extLst>
+      <p:ext uri="{BB962C8B-B14F-4D97-AF65-F5344CB8AC3E}">
+        <p14:creationId xmlns:p14="http://schemas.microsoft.com/office/powerpoint/2010/main" val="3786620194"/>
+      </p:ext>
+    </p:extLst>
+  </p:cSld>
+  <p:clrMapOvr>
+    <a:masterClrMapping/>
+  </p:clrMapOvr>
+  <p:timing>
+    <p:tnLst>
+      <p:par>
+        <p:cTn id="1" dur="indefinite" restart="never" nodeType="tmRoot"/>
+      </p:par>
+    </p:tnLst>
+  </p:timing>
+</p:sld>
+</file>
+
+<file path=ppt/slides/slide7.xml><?xml version="1.0" encoding="utf-8"?>
+<p:sld xmlns:a="http://schemas.openxmlformats.org/drawingml/2006/main" xmlns:r="http://schemas.openxmlformats.org/officeDocument/2006/relationships" xmlns:p="http://schemas.openxmlformats.org/presentationml/2006/main">
+  <p:cSld>
+    <p:spTree>
+      <p:nvGrpSpPr>
+        <p:cNvPr id="1" name=""/>
+        <p:cNvGrpSpPr/>
+        <p:nvPr/>
+      </p:nvGrpSpPr>
+      <p:grpSpPr>
+        <a:xfrm>
+          <a:off x="0" y="0"/>
+          <a:ext cx="0" cy="0"/>
+          <a:chOff x="0" y="0"/>
+          <a:chExt cx="0" cy="0"/>
+        </a:xfrm>
+      </p:grpSpPr>
+      <p:sp>
+        <p:nvSpPr>
+          <p:cNvPr id="2" name="Text Placeholder 1"/>
+          <p:cNvSpPr>
+            <a:spLocks noGrp="1"/>
+          </p:cNvSpPr>
+          <p:nvPr>
+            <p:ph type="body" sz="quarter" idx="10"/>
+          </p:nvPr>
+        </p:nvSpPr>
+        <p:spPr/>
+        <p:txBody>
+          <a:bodyPr/>
+          <a:lstStyle/>
+          <a:p>
+            <a:endParaRPr lang="en-US"/>
+          </a:p>
+        </p:txBody>
+      </p:sp>
+      <p:sp>
+        <p:nvSpPr>
+          <p:cNvPr id="3" name="Content Placeholder 2"/>
+          <p:cNvSpPr>
+            <a:spLocks noGrp="1"/>
+          </p:cNvSpPr>
+          <p:nvPr>
+            <p:ph idx="1"/>
+          </p:nvPr>
+        </p:nvSpPr>
+        <p:spPr/>
+        <p:txBody>
+          <a:bodyPr/>
+          <a:lstStyle/>
+          <a:p>
+            <a:r>
+              <a:rPr lang="en-US" sz="2400" dirty="0" err="1"/>
+              <a:t>javac</a:t>
+            </a:r>
+            <a:r>
+              <a:rPr lang="en-US" sz="2000" dirty="0"/>
+              <a:t> </a:t>
+            </a:r>
+            <a:endParaRPr lang="en-US" sz="2000" dirty="0" smtClean="0"/>
+          </a:p>
+          <a:p>
+            <a:r>
+              <a:rPr lang="en-US" sz="2000" dirty="0"/>
+              <a:t> </a:t>
+            </a:r>
+            <a:r>
+              <a:rPr lang="en-US" sz="2000" dirty="0" smtClean="0"/>
+              <a:t>	-</a:t>
+            </a:r>
+            <a:r>
+              <a:rPr lang="en-US" sz="2000" dirty="0"/>
+              <a:t>d mods/</a:t>
+            </a:r>
+            <a:r>
+              <a:rPr lang="en-US" sz="2000" dirty="0" err="1"/>
+              <a:t>org.greetings</a:t>
+            </a:r>
+            <a:r>
+              <a:rPr lang="en-US" sz="2000" dirty="0"/>
+              <a:t> </a:t>
+            </a:r>
+            <a:r>
+              <a:rPr lang="en-US" sz="2000" dirty="0" err="1"/>
+              <a:t>org.greetings</a:t>
+            </a:r>
+            <a:r>
+              <a:rPr lang="en-US" sz="2000" dirty="0"/>
+              <a:t>/module-info.java </a:t>
+            </a:r>
+            <a:r>
+              <a:rPr lang="en-US" sz="2000" dirty="0" smtClean="0"/>
+              <a:t>	</a:t>
+            </a:r>
+            <a:r>
+              <a:rPr lang="en-US" sz="2000" dirty="0" err="1" smtClean="0"/>
+              <a:t>org.greetings</a:t>
+            </a:r>
+            <a:r>
+              <a:rPr lang="en-US" sz="2000" dirty="0" smtClean="0"/>
+              <a:t>/org/greetings/Main.java</a:t>
+            </a:r>
+          </a:p>
+          <a:p>
+            <a:endParaRPr lang="en-US" sz="2000" dirty="0"/>
+          </a:p>
+          <a:p>
+            <a:endParaRPr lang="en-US" sz="2000" dirty="0" smtClean="0"/>
+          </a:p>
+          <a:p>
+            <a:pPr lvl="0" defTabSz="914400" eaLnBrk="0" fontAlgn="base" hangingPunct="0">
+              <a:lnSpc>
+                <a:spcPct val="100000"/>
+              </a:lnSpc>
+              <a:spcBef>
+                <a:spcPct val="0"/>
+              </a:spcBef>
+              <a:spcAft>
+                <a:spcPct val="0"/>
+              </a:spcAft>
+              <a:buClrTx/>
+            </a:pPr>
+            <a:r>
+              <a:rPr lang="en-US" altLang="en-US" sz="2400" dirty="0"/>
+              <a:t>java </a:t>
+            </a:r>
+            <a:endParaRPr lang="en-US" altLang="en-US" sz="2400" dirty="0" smtClean="0"/>
+          </a:p>
+          <a:p>
+            <a:pPr lvl="0" defTabSz="914400" eaLnBrk="0" fontAlgn="base" hangingPunct="0">
+              <a:lnSpc>
+                <a:spcPct val="100000"/>
+              </a:lnSpc>
+              <a:spcBef>
+                <a:spcPct val="0"/>
+              </a:spcBef>
+              <a:spcAft>
+                <a:spcPct val="0"/>
+              </a:spcAft>
+              <a:buClrTx/>
+            </a:pPr>
+            <a:r>
+              <a:rPr lang="en-US" altLang="en-US" sz="2400" dirty="0"/>
+              <a:t>	</a:t>
+            </a:r>
+            <a:r>
+              <a:rPr lang="en-US" altLang="en-US" sz="2400" dirty="0" smtClean="0"/>
+              <a:t>--</a:t>
+            </a:r>
+            <a:r>
+              <a:rPr lang="en-US" altLang="en-US" sz="2400" dirty="0"/>
+              <a:t>module-path mods </a:t>
+            </a:r>
+            <a:endParaRPr lang="en-US" altLang="en-US" sz="2400" dirty="0" smtClean="0"/>
+          </a:p>
+          <a:p>
+            <a:pPr lvl="0" defTabSz="914400" eaLnBrk="0" fontAlgn="base" hangingPunct="0">
+              <a:lnSpc>
+                <a:spcPct val="100000"/>
+              </a:lnSpc>
+              <a:spcBef>
+                <a:spcPct val="0"/>
+              </a:spcBef>
+              <a:spcAft>
+                <a:spcPct val="0"/>
+              </a:spcAft>
+              <a:buClrTx/>
+            </a:pPr>
+            <a:r>
+              <a:rPr lang="en-US" altLang="en-US" sz="2400" dirty="0"/>
+              <a:t>	</a:t>
+            </a:r>
+            <a:r>
+              <a:rPr lang="en-US" altLang="en-US" sz="2400" dirty="0" smtClean="0"/>
+              <a:t>-</a:t>
+            </a:r>
+            <a:r>
+              <a:rPr lang="en-US" altLang="en-US" sz="2400" dirty="0"/>
+              <a:t>m </a:t>
+            </a:r>
+            <a:r>
+              <a:rPr lang="en-US" altLang="en-US" sz="2400" dirty="0" err="1"/>
+              <a:t>com.greetings</a:t>
+            </a:r>
+            <a:r>
+              <a:rPr lang="en-US" altLang="en-US" sz="2400" dirty="0"/>
+              <a:t>/</a:t>
+            </a:r>
+            <a:r>
+              <a:rPr lang="en-US" altLang="en-US" sz="2400" dirty="0" err="1"/>
+              <a:t>com.greetings.Main</a:t>
+            </a:r>
+            <a:r>
+              <a:rPr lang="en-US" altLang="en-US" sz="2400" dirty="0"/>
+              <a:t> </a:t>
+            </a:r>
+          </a:p>
+          <a:p>
+            <a:endParaRPr lang="en-US" sz="2000" dirty="0" smtClean="0"/>
+          </a:p>
+          <a:p>
+            <a:endParaRPr lang="en-US" dirty="0" smtClean="0"/>
+          </a:p>
+          <a:p>
+            <a:endParaRPr lang="en-US" dirty="0"/>
+          </a:p>
+          <a:p>
+            <a:endParaRPr lang="en-US" dirty="0"/>
+          </a:p>
+        </p:txBody>
+      </p:sp>
+      <p:sp>
+        <p:nvSpPr>
+          <p:cNvPr id="4" name="Text Placeholder 3"/>
+          <p:cNvSpPr>
+            <a:spLocks noGrp="1"/>
+          </p:cNvSpPr>
+          <p:nvPr>
+            <p:ph type="body" sz="quarter" idx="11"/>
+          </p:nvPr>
+        </p:nvSpPr>
+        <p:spPr/>
+        <p:txBody>
+          <a:bodyPr/>
+          <a:lstStyle/>
+          <a:p>
+            <a:r>
+              <a:rPr lang="en-US" dirty="0" smtClean="0"/>
+              <a:t>Compiling and Running module</a:t>
+            </a:r>
+            <a:endParaRPr lang="en-US" dirty="0"/>
+          </a:p>
+        </p:txBody>
+      </p:sp>
+    </p:spTree>
+    <p:extLst>
+      <p:ext uri="{BB962C8B-B14F-4D97-AF65-F5344CB8AC3E}">
+        <p14:creationId xmlns:p14="http://schemas.microsoft.com/office/powerpoint/2010/main" val="3173303832"/>
+      </p:ext>
+    </p:extLst>
+  </p:cSld>
+  <p:clrMapOvr>
+    <a:masterClrMapping/>
+  </p:clrMapOvr>
+  <p:timing>
+    <p:tnLst>
+      <p:par>
+        <p:cTn id="1" dur="indefinite" restart="never" nodeType="tmRoot"/>
+      </p:par>
+    </p:tnLst>
+  </p:timing>
+</p:sld>
+</file>
+
+<file path=ppt/slides/slide8.xml><?xml version="1.0" encoding="utf-8"?>
+<p:sld xmlns:a="http://schemas.openxmlformats.org/drawingml/2006/main" xmlns:r="http://schemas.openxmlformats.org/officeDocument/2006/relationships" xmlns:p="http://schemas.openxmlformats.org/presentationml/2006/main">
+  <p:cSld>
+    <p:spTree>
+      <p:nvGrpSpPr>
+        <p:cNvPr id="1" name=""/>
+        <p:cNvGrpSpPr/>
+        <p:nvPr/>
+      </p:nvGrpSpPr>
+      <p:grpSpPr>
+        <a:xfrm>
+          <a:off x="0" y="0"/>
+          <a:ext cx="0" cy="0"/>
+          <a:chOff x="0" y="0"/>
+          <a:chExt cx="0" cy="0"/>
+        </a:xfrm>
+      </p:grpSpPr>
+      <p:sp>
+        <p:nvSpPr>
+          <p:cNvPr id="2" name="Text Placeholder 1"/>
+          <p:cNvSpPr>
+            <a:spLocks noGrp="1"/>
+          </p:cNvSpPr>
+          <p:nvPr>
+            <p:ph type="body" sz="quarter" idx="10"/>
+          </p:nvPr>
+        </p:nvSpPr>
+        <p:spPr/>
+        <p:txBody>
+          <a:bodyPr/>
+          <a:lstStyle/>
+          <a:p>
+            <a:endParaRPr lang="ru-RU"/>
+          </a:p>
+        </p:txBody>
+      </p:sp>
+      <p:sp>
+        <p:nvSpPr>
+          <p:cNvPr id="4" name="Text Placeholder 3"/>
+          <p:cNvSpPr>
+            <a:spLocks noGrp="1"/>
+          </p:cNvSpPr>
+          <p:nvPr>
+            <p:ph type="body" sz="quarter" idx="11"/>
+          </p:nvPr>
+        </p:nvSpPr>
+        <p:spPr/>
+        <p:txBody>
+          <a:bodyPr/>
+          <a:lstStyle/>
+          <a:p>
+            <a:r>
+              <a:rPr lang="en-US" dirty="0" smtClean="0"/>
+              <a:t>Creating modular application</a:t>
+            </a:r>
+            <a:endParaRPr lang="ru-RU" dirty="0"/>
+          </a:p>
+        </p:txBody>
+      </p:sp>
+      <p:grpSp>
+        <p:nvGrpSpPr>
+          <p:cNvPr id="5" name="Group 24"/>
+          <p:cNvGrpSpPr/>
+          <p:nvPr/>
+        </p:nvGrpSpPr>
+        <p:grpSpPr>
+          <a:xfrm>
+            <a:off x="357780" y="1435606"/>
+            <a:ext cx="7780439" cy="408253"/>
+            <a:chOff x="357780" y="1435606"/>
+            <a:chExt cx="7780439" cy="408253"/>
+          </a:xfrm>
+        </p:grpSpPr>
+        <p:sp>
+          <p:nvSpPr>
+            <p:cNvPr id="6" name="TextBox 5"/>
+            <p:cNvSpPr txBox="1"/>
+            <p:nvPr/>
+          </p:nvSpPr>
+          <p:spPr>
+            <a:xfrm>
+              <a:off x="823019" y="1459785"/>
+              <a:ext cx="7315200" cy="338554"/>
+            </a:xfrm>
+            <a:prstGeom prst="rect">
+              <a:avLst/>
+            </a:prstGeom>
+            <a:noFill/>
+          </p:spPr>
+          <p:txBody>
+            <a:bodyPr wrap="square" rtlCol="0">
+              <a:spAutoFit/>
+            </a:bodyPr>
+            <a:lstStyle/>
+            <a:p>
+              <a:r>
+                <a:rPr lang="en-US" sz="1600" dirty="0" smtClean="0"/>
+                <a:t>module-info.java – require and export</a:t>
+              </a:r>
+              <a:endParaRPr lang="en-US" sz="1600" dirty="0"/>
+            </a:p>
+          </p:txBody>
+        </p:sp>
+        <p:grpSp>
+          <p:nvGrpSpPr>
+            <p:cNvPr id="7" name="Group 35"/>
+            <p:cNvGrpSpPr>
+              <a:grpSpLocks noChangeAspect="1"/>
+            </p:cNvGrpSpPr>
+            <p:nvPr/>
+          </p:nvGrpSpPr>
+          <p:grpSpPr>
+            <a:xfrm>
+              <a:off x="357780" y="1435606"/>
+              <a:ext cx="411480" cy="408253"/>
+              <a:chOff x="448467" y="1385718"/>
+              <a:chExt cx="464582" cy="464582"/>
+            </a:xfrm>
+          </p:grpSpPr>
+          <p:sp>
+            <p:nvSpPr>
+              <p:cNvPr id="8" name="Oval 36"/>
+              <p:cNvSpPr/>
+              <p:nvPr/>
+            </p:nvSpPr>
+            <p:spPr>
+              <a:xfrm>
+                <a:off x="448467" y="1385718"/>
+                <a:ext cx="464582" cy="464582"/>
+              </a:xfrm>
+              <a:prstGeom prst="ellipse">
+                <a:avLst/>
+              </a:prstGeom>
+              <a:solidFill>
+                <a:srgbClr val="2FC2D9"/>
+              </a:solidFill>
+              <a:ln>
+                <a:noFill/>
+              </a:ln>
+              <a:effectLst/>
+            </p:spPr>
+            <p:style>
+              <a:lnRef idx="1">
+                <a:schemeClr val="accent1"/>
+              </a:lnRef>
+              <a:fillRef idx="3">
+                <a:schemeClr val="accent1"/>
+              </a:fillRef>
+              <a:effectRef idx="2">
+                <a:schemeClr val="accent1"/>
+              </a:effectRef>
+              <a:fontRef idx="minor">
+                <a:schemeClr val="lt1"/>
+              </a:fontRef>
+            </p:style>
+            <p:txBody>
+              <a:bodyPr tIns="91440" bIns="0" rtlCol="0" anchor="ctr" anchorCtr="1">
+                <a:noAutofit/>
+              </a:bodyPr>
+              <a:lstStyle/>
+              <a:p>
+                <a:pPr algn="ctr"/>
+                <a:endParaRPr lang="en-US" sz="1700" dirty="0">
+                  <a:solidFill>
+                    <a:schemeClr val="bg1"/>
+                  </a:solidFill>
+                  <a:latin typeface="Arial Black"/>
+                  <a:cs typeface="Arial Black"/>
+                </a:endParaRPr>
+              </a:p>
+            </p:txBody>
+          </p:sp>
+          <p:sp>
+            <p:nvSpPr>
+              <p:cNvPr id="9" name="TextBox 8"/>
+              <p:cNvSpPr txBox="1"/>
+              <p:nvPr/>
+            </p:nvSpPr>
+            <p:spPr>
+              <a:xfrm>
+                <a:off x="497577" y="1427189"/>
+                <a:ext cx="363015" cy="280194"/>
+              </a:xfrm>
+              <a:prstGeom prst="rect">
+                <a:avLst/>
+              </a:prstGeom>
+              <a:noFill/>
+            </p:spPr>
+            <p:txBody>
+              <a:bodyPr wrap="none" tIns="91440" bIns="0" rtlCol="0" anchor="ctr" anchorCtr="1">
+                <a:noAutofit/>
+              </a:bodyPr>
+              <a:lstStyle/>
+              <a:p>
+                <a:pPr algn="ctr"/>
+                <a:r>
+                  <a:rPr lang="en-US" sz="1700" dirty="0">
+                    <a:solidFill>
+                      <a:schemeClr val="bg1"/>
+                    </a:solidFill>
+                    <a:latin typeface="Arial Black"/>
+                    <a:cs typeface="Arial Black"/>
+                  </a:rPr>
+                  <a:t>1</a:t>
+                </a:r>
+              </a:p>
+            </p:txBody>
+          </p:sp>
+        </p:grpSp>
+      </p:grpSp>
+      <p:grpSp>
+        <p:nvGrpSpPr>
+          <p:cNvPr id="10" name="Group 23"/>
+          <p:cNvGrpSpPr/>
+          <p:nvPr/>
+        </p:nvGrpSpPr>
+        <p:grpSpPr>
+          <a:xfrm>
+            <a:off x="357780" y="2475961"/>
+            <a:ext cx="7780439" cy="408253"/>
+            <a:chOff x="357780" y="2067708"/>
+            <a:chExt cx="7780439" cy="408253"/>
+          </a:xfrm>
+        </p:grpSpPr>
+        <p:sp>
+          <p:nvSpPr>
+            <p:cNvPr id="11" name="TextBox 10"/>
+            <p:cNvSpPr txBox="1"/>
+            <p:nvPr/>
+          </p:nvSpPr>
+          <p:spPr>
+            <a:xfrm>
+              <a:off x="823019" y="2091887"/>
+              <a:ext cx="7315200" cy="338554"/>
+            </a:xfrm>
+            <a:prstGeom prst="rect">
+              <a:avLst/>
+            </a:prstGeom>
+            <a:noFill/>
+          </p:spPr>
+          <p:txBody>
+            <a:bodyPr wrap="square" rtlCol="0">
+              <a:spAutoFit/>
+            </a:bodyPr>
+            <a:lstStyle/>
+            <a:p>
+              <a:pPr>
+                <a:buClr>
+                  <a:schemeClr val="bg1"/>
+                </a:buClr>
+                <a:buSzPct val="140000"/>
+              </a:pPr>
+              <a:r>
+                <a:rPr lang="en-US" sz="1600" dirty="0" err="1">
+                  <a:solidFill>
+                    <a:srgbClr val="444444"/>
+                  </a:solidFill>
+                  <a:cs typeface="Trebuchet MS"/>
+                </a:rPr>
+                <a:t>j</a:t>
+              </a:r>
+              <a:r>
+                <a:rPr lang="en-US" sz="1600" dirty="0" err="1" smtClean="0">
+                  <a:solidFill>
+                    <a:srgbClr val="444444"/>
+                  </a:solidFill>
+                  <a:cs typeface="Trebuchet MS"/>
+                </a:rPr>
+                <a:t>avac</a:t>
+              </a:r>
+              <a:r>
+                <a:rPr lang="en-US" sz="1600" dirty="0" smtClean="0">
+                  <a:solidFill>
+                    <a:srgbClr val="444444"/>
+                  </a:solidFill>
+                  <a:cs typeface="Trebuchet MS"/>
+                </a:rPr>
+                <a:t> --module-path</a:t>
+              </a:r>
+              <a:endParaRPr lang="en-US" sz="1600" dirty="0">
+                <a:solidFill>
+                  <a:srgbClr val="444444"/>
+                </a:solidFill>
+                <a:cs typeface="Trebuchet MS"/>
+              </a:endParaRPr>
+            </a:p>
+          </p:txBody>
+        </p:sp>
+        <p:grpSp>
+          <p:nvGrpSpPr>
+            <p:cNvPr id="12" name="Group 50"/>
+            <p:cNvGrpSpPr>
+              <a:grpSpLocks noChangeAspect="1"/>
+            </p:cNvGrpSpPr>
+            <p:nvPr/>
+          </p:nvGrpSpPr>
+          <p:grpSpPr>
+            <a:xfrm>
+              <a:off x="357780" y="2067708"/>
+              <a:ext cx="411480" cy="408253"/>
+              <a:chOff x="448467" y="2071851"/>
+              <a:chExt cx="464582" cy="464582"/>
+            </a:xfrm>
+          </p:grpSpPr>
+          <p:sp>
+            <p:nvSpPr>
+              <p:cNvPr id="13" name="Oval 51"/>
+              <p:cNvSpPr/>
+              <p:nvPr/>
+            </p:nvSpPr>
+            <p:spPr>
+              <a:xfrm>
+                <a:off x="448467" y="2071851"/>
+                <a:ext cx="464582" cy="464582"/>
+              </a:xfrm>
+              <a:prstGeom prst="ellipse">
+                <a:avLst/>
+              </a:prstGeom>
+              <a:solidFill>
+                <a:srgbClr val="2FC2D9"/>
+              </a:solidFill>
+              <a:ln>
+                <a:noFill/>
+              </a:ln>
+              <a:effectLst/>
+            </p:spPr>
+            <p:style>
+              <a:lnRef idx="1">
+                <a:schemeClr val="accent1"/>
+              </a:lnRef>
+              <a:fillRef idx="3">
+                <a:schemeClr val="accent1"/>
+              </a:fillRef>
+              <a:effectRef idx="2">
+                <a:schemeClr val="accent1"/>
+              </a:effectRef>
+              <a:fontRef idx="minor">
+                <a:schemeClr val="lt1"/>
+              </a:fontRef>
+            </p:style>
+            <p:txBody>
+              <a:bodyPr tIns="91440" bIns="0" rtlCol="0" anchor="ctr" anchorCtr="1">
+                <a:noAutofit/>
+              </a:bodyPr>
+              <a:lstStyle/>
+              <a:p>
+                <a:pPr algn="ctr"/>
+                <a:endParaRPr lang="en-US" sz="1700">
+                  <a:solidFill>
+                    <a:schemeClr val="bg1"/>
+                  </a:solidFill>
+                  <a:latin typeface="Arial Black"/>
+                  <a:cs typeface="Arial Black"/>
+                </a:endParaRPr>
+              </a:p>
+            </p:txBody>
+          </p:sp>
+          <p:sp>
+            <p:nvSpPr>
+              <p:cNvPr id="14" name="TextBox 13"/>
+              <p:cNvSpPr txBox="1"/>
+              <p:nvPr/>
+            </p:nvSpPr>
+            <p:spPr>
+              <a:xfrm>
+                <a:off x="499647" y="2113322"/>
+                <a:ext cx="363015" cy="280194"/>
+              </a:xfrm>
+              <a:prstGeom prst="rect">
+                <a:avLst/>
+              </a:prstGeom>
+              <a:noFill/>
+            </p:spPr>
+            <p:txBody>
+              <a:bodyPr wrap="none" tIns="91440" bIns="0" rtlCol="0" anchor="ctr" anchorCtr="1">
+                <a:noAutofit/>
+              </a:bodyPr>
+              <a:lstStyle/>
+              <a:p>
+                <a:pPr algn="ctr"/>
+                <a:r>
+                  <a:rPr lang="en-US" sz="1700" dirty="0">
+                    <a:solidFill>
+                      <a:schemeClr val="bg1"/>
+                    </a:solidFill>
+                    <a:latin typeface="Arial Black"/>
+                    <a:cs typeface="Arial Black"/>
+                  </a:rPr>
+                  <a:t>2</a:t>
+                </a:r>
+              </a:p>
+            </p:txBody>
+          </p:sp>
+        </p:grpSp>
+      </p:grpSp>
+      <p:grpSp>
+        <p:nvGrpSpPr>
+          <p:cNvPr id="15" name="Group 21"/>
+          <p:cNvGrpSpPr/>
+          <p:nvPr/>
+        </p:nvGrpSpPr>
+        <p:grpSpPr>
+          <a:xfrm>
+            <a:off x="357780" y="3490519"/>
+            <a:ext cx="7780439" cy="408253"/>
+            <a:chOff x="357780" y="3331911"/>
+            <a:chExt cx="7780439" cy="408253"/>
+          </a:xfrm>
+        </p:grpSpPr>
+        <p:sp>
+          <p:nvSpPr>
+            <p:cNvPr id="16" name="TextBox 15"/>
+            <p:cNvSpPr txBox="1"/>
+            <p:nvPr/>
+          </p:nvSpPr>
+          <p:spPr>
+            <a:xfrm>
+              <a:off x="823019" y="3356091"/>
+              <a:ext cx="7315200" cy="338554"/>
+            </a:xfrm>
+            <a:prstGeom prst="rect">
+              <a:avLst/>
+            </a:prstGeom>
+            <a:noFill/>
+          </p:spPr>
+          <p:txBody>
+            <a:bodyPr wrap="square" rtlCol="0">
+              <a:spAutoFit/>
+            </a:bodyPr>
+            <a:lstStyle/>
+            <a:p>
+              <a:r>
+                <a:rPr lang="en-US" sz="1600" dirty="0" err="1" smtClean="0"/>
+                <a:t>jlink</a:t>
+              </a:r>
+              <a:endParaRPr lang="en-US" sz="1600" dirty="0"/>
+            </a:p>
+          </p:txBody>
+        </p:sp>
+        <p:grpSp>
+          <p:nvGrpSpPr>
+            <p:cNvPr id="17" name="Group 60"/>
+            <p:cNvGrpSpPr>
+              <a:grpSpLocks noChangeAspect="1"/>
+            </p:cNvGrpSpPr>
+            <p:nvPr/>
+          </p:nvGrpSpPr>
+          <p:grpSpPr>
+            <a:xfrm>
+              <a:off x="357780" y="3331911"/>
+              <a:ext cx="411480" cy="408253"/>
+              <a:chOff x="448467" y="3449275"/>
+              <a:chExt cx="464582" cy="464582"/>
+            </a:xfrm>
+          </p:grpSpPr>
+          <p:sp>
+            <p:nvSpPr>
+              <p:cNvPr id="18" name="Oval 61"/>
+              <p:cNvSpPr/>
+              <p:nvPr/>
+            </p:nvSpPr>
+            <p:spPr>
+              <a:xfrm>
+                <a:off x="448467" y="3449275"/>
+                <a:ext cx="464582" cy="464582"/>
+              </a:xfrm>
+              <a:prstGeom prst="ellipse">
+                <a:avLst/>
+              </a:prstGeom>
+              <a:solidFill>
+                <a:srgbClr val="2FC2D9"/>
+              </a:solidFill>
+              <a:ln>
+                <a:noFill/>
+              </a:ln>
+              <a:effectLst/>
+            </p:spPr>
+            <p:style>
+              <a:lnRef idx="1">
+                <a:schemeClr val="accent1"/>
+              </a:lnRef>
+              <a:fillRef idx="3">
+                <a:schemeClr val="accent1"/>
+              </a:fillRef>
+              <a:effectRef idx="2">
+                <a:schemeClr val="accent1"/>
+              </a:effectRef>
+              <a:fontRef idx="minor">
+                <a:schemeClr val="lt1"/>
+              </a:fontRef>
+            </p:style>
+            <p:txBody>
+              <a:bodyPr tIns="91440" bIns="0" rtlCol="0" anchor="ctr" anchorCtr="1">
+                <a:noAutofit/>
+              </a:bodyPr>
+              <a:lstStyle/>
+              <a:p>
+                <a:pPr algn="ctr"/>
+                <a:endParaRPr lang="en-US" sz="1700">
+                  <a:solidFill>
+                    <a:schemeClr val="bg1"/>
+                  </a:solidFill>
+                  <a:latin typeface="Arial Black"/>
+                  <a:cs typeface="Arial Black"/>
+                </a:endParaRPr>
+              </a:p>
+            </p:txBody>
+          </p:sp>
+          <p:sp>
+            <p:nvSpPr>
+              <p:cNvPr id="19" name="TextBox 18"/>
+              <p:cNvSpPr txBox="1"/>
+              <p:nvPr/>
+            </p:nvSpPr>
+            <p:spPr>
+              <a:xfrm>
+                <a:off x="499648" y="3490746"/>
+                <a:ext cx="363015" cy="280194"/>
+              </a:xfrm>
+              <a:prstGeom prst="rect">
+                <a:avLst/>
+              </a:prstGeom>
+              <a:noFill/>
+            </p:spPr>
+            <p:txBody>
+              <a:bodyPr wrap="none" tIns="91440" bIns="0" rtlCol="0" anchor="ctr" anchorCtr="1">
+                <a:noAutofit/>
+              </a:bodyPr>
+              <a:lstStyle/>
+              <a:p>
+                <a:pPr algn="ctr"/>
+                <a:r>
+                  <a:rPr lang="en-US" sz="1700" dirty="0">
+                    <a:solidFill>
+                      <a:schemeClr val="bg1"/>
+                    </a:solidFill>
+                    <a:latin typeface="Arial Black"/>
+                    <a:cs typeface="Arial Black"/>
+                  </a:rPr>
+                  <a:t>3</a:t>
+                </a:r>
+              </a:p>
+            </p:txBody>
+          </p:sp>
+        </p:grpSp>
+      </p:grpSp>
+    </p:spTree>
+    <p:extLst>
+      <p:ext uri="{BB962C8B-B14F-4D97-AF65-F5344CB8AC3E}">
+        <p14:creationId xmlns:p14="http://schemas.microsoft.com/office/powerpoint/2010/main" val="2551745281"/>
+      </p:ext>
+    </p:extLst>
+  </p:cSld>
+  <p:clrMapOvr>
+    <a:masterClrMapping/>
+  </p:clrMapOvr>
+  <p:timing>
+    <p:tnLst>
+      <p:par>
+        <p:cTn id="1" dur="indefinite" restart="never" nodeType="tmRoot"/>
+      </p:par>
+    </p:tnLst>
+  </p:timing>
+</p:sld>
+</file>
+
+<file path=ppt/slides/slide9.xml><?xml version="1.0" encoding="utf-8"?>
+<p:sld xmlns:a="http://schemas.openxmlformats.org/drawingml/2006/main" xmlns:r="http://schemas.openxmlformats.org/officeDocument/2006/relationships" xmlns:p="http://schemas.openxmlformats.org/presentationml/2006/main">
+  <p:cSld>
+    <p:spTree>
+      <p:nvGrpSpPr>
+        <p:cNvPr id="1" name=""/>
+        <p:cNvGrpSpPr/>
+        <p:nvPr/>
+      </p:nvGrpSpPr>
+      <p:grpSpPr>
+        <a:xfrm>
+          <a:off x="0" y="0"/>
+          <a:ext cx="0" cy="0"/>
+          <a:chOff x="0" y="0"/>
+          <a:chExt cx="0" cy="0"/>
+        </a:xfrm>
+      </p:grpSpPr>
+      <p:sp>
+        <p:nvSpPr>
+          <p:cNvPr id="2" name="Text Placeholder 1"/>
+          <p:cNvSpPr>
+            <a:spLocks noGrp="1"/>
+          </p:cNvSpPr>
+          <p:nvPr>
+            <p:ph type="body" sz="quarter" idx="10"/>
+          </p:nvPr>
+        </p:nvSpPr>
+        <p:spPr/>
+        <p:txBody>
+          <a:bodyPr/>
+          <a:lstStyle/>
+          <a:p>
+            <a:endParaRPr lang="ru-RU"/>
+          </a:p>
+        </p:txBody>
+      </p:sp>
+      <p:sp>
+        <p:nvSpPr>
+          <p:cNvPr id="4" name="Text Placeholder 3"/>
+          <p:cNvSpPr>
+            <a:spLocks noGrp="1"/>
+          </p:cNvSpPr>
+          <p:nvPr>
+            <p:ph type="body" sz="quarter" idx="11"/>
+          </p:nvPr>
+        </p:nvSpPr>
+        <p:spPr/>
+        <p:txBody>
+          <a:bodyPr/>
+          <a:lstStyle/>
+          <a:p>
+            <a:r>
+              <a:rPr lang="en-US" dirty="0" smtClean="0"/>
+              <a:t>Using with Maven</a:t>
+            </a:r>
+            <a:endParaRPr lang="ru-RU" dirty="0"/>
+          </a:p>
+        </p:txBody>
+      </p:sp>
+      <p:sp>
+        <p:nvSpPr>
+          <p:cNvPr id="3" name="TextBox 2"/>
+          <p:cNvSpPr txBox="1"/>
+          <p:nvPr/>
+        </p:nvSpPr>
+        <p:spPr>
+          <a:xfrm>
+            <a:off x="187779" y="1216478"/>
+            <a:ext cx="6930102" cy="757130"/>
+          </a:xfrm>
+          <a:prstGeom prst="rect">
+            <a:avLst/>
+          </a:prstGeom>
+          <a:noFill/>
+        </p:spPr>
+        <p:txBody>
+          <a:bodyPr wrap="none" rtlCol="0">
+            <a:spAutoFit/>
+          </a:bodyPr>
+          <a:lstStyle/>
+          <a:p>
+            <a:pPr>
+              <a:lnSpc>
+                <a:spcPct val="120000"/>
+              </a:lnSpc>
+            </a:pPr>
+            <a:r>
+              <a:rPr lang="en-US" dirty="0" smtClean="0">
+                <a:solidFill>
+                  <a:srgbClr val="444444"/>
+                </a:solidFill>
+                <a:latin typeface="Trebuchet MS"/>
+                <a:cs typeface="Trebuchet MS"/>
+              </a:rPr>
+              <a:t>When migrating to Java 9 many maven plugins has to be updated</a:t>
+            </a:r>
+          </a:p>
+          <a:p>
+            <a:pPr>
+              <a:lnSpc>
+                <a:spcPct val="120000"/>
+              </a:lnSpc>
+            </a:pPr>
+            <a:endParaRPr lang="en-US" dirty="0" smtClean="0">
+              <a:solidFill>
+                <a:srgbClr val="444444"/>
+              </a:solidFill>
+              <a:latin typeface="Trebuchet MS"/>
+              <a:cs typeface="Trebuchet MS"/>
+            </a:endParaRPr>
+          </a:p>
+        </p:txBody>
+      </p:sp>
+      <p:sp>
+        <p:nvSpPr>
+          <p:cNvPr id="20" name="Rectangle 19"/>
+          <p:cNvSpPr/>
+          <p:nvPr/>
+        </p:nvSpPr>
+        <p:spPr>
+          <a:xfrm>
+            <a:off x="187779" y="2144199"/>
+            <a:ext cx="8156121" cy="394660"/>
+          </a:xfrm>
+          <a:prstGeom prst="rect">
+            <a:avLst/>
+          </a:prstGeom>
+        </p:spPr>
+        <p:txBody>
+          <a:bodyPr wrap="square">
+            <a:spAutoFit/>
+          </a:bodyPr>
+          <a:lstStyle/>
+          <a:p>
+            <a:pPr>
+              <a:lnSpc>
+                <a:spcPct val="120000"/>
+              </a:lnSpc>
+            </a:pPr>
+            <a:r>
+              <a:rPr lang="en-US" dirty="0">
+                <a:solidFill>
+                  <a:srgbClr val="444444"/>
+                </a:solidFill>
+                <a:cs typeface="Trebuchet MS"/>
+                <a:hlinkClick r:id="rId2"/>
+              </a:rPr>
+              <a:t>https://cwiki.apache.org/confluence/display/MAVEN/Java+9+-+Jigsaw</a:t>
+            </a:r>
+            <a:endParaRPr lang="ru-RU" dirty="0" err="1">
+              <a:solidFill>
+                <a:srgbClr val="444444"/>
+              </a:solidFill>
+              <a:cs typeface="Trebuchet MS"/>
+            </a:endParaRPr>
+          </a:p>
+        </p:txBody>
+      </p:sp>
+    </p:spTree>
+    <p:extLst>
+      <p:ext uri="{BB962C8B-B14F-4D97-AF65-F5344CB8AC3E}">
+        <p14:creationId xmlns:p14="http://schemas.microsoft.com/office/powerpoint/2010/main" val="3283865720"/>
+      </p:ext>
+    </p:extLst>
+  </p:cSld>
+  <p:clrMapOvr>
+    <a:masterClrMapping/>
+  </p:clrMapOvr>
+  <p:timing>
+    <p:tnLst>
+      <p:par>
+        <p:cTn id="1" dur="indefinite" restart="never" nodeType="tmRoot"/>
+      </p:par>
+    </p:tnLst>
+  </p:timing>
 </p:sld>
 </file>
 
@@ -19527,6 +20221,15 @@
 </file>
 
 <file path=customXml/item2.xml><?xml version="1.0" encoding="utf-8"?>
+<p:properties xmlns:p="http://schemas.microsoft.com/office/2006/metadata/properties" xmlns:xsi="http://www.w3.org/2001/XMLSchema-instance" xmlns:pc="http://schemas.microsoft.com/office/infopath/2007/PartnerControls">
+  <documentManagement>
+    <PublishingExpirationDate xmlns="http://schemas.microsoft.com/sharepoint/v3" xsi:nil="true"/>
+    <PublishingStartDate xmlns="http://schemas.microsoft.com/sharepoint/v3" xsi:nil="true"/>
+  </documentManagement>
+</p:properties>
+</file>
+
+<file path=customXml/item3.xml><?xml version="1.0" encoding="utf-8"?>
 <ct:contentTypeSchema xmlns:ct="http://schemas.microsoft.com/office/2006/metadata/contentType" xmlns:ma="http://schemas.microsoft.com/office/2006/metadata/properties/metaAttributes" ct:_="" ma:_="" ma:contentTypeName="Document" ma:contentTypeID="0x010100B0E9A4A7D20EA84CAA39F80EA2A19865" ma:contentTypeVersion="1" ma:contentTypeDescription="Create a new document." ma:contentTypeScope="" ma:versionID="4ed0c655cf5595f31b06ef1418ca28bf">
   <xsd:schema xmlns:xsd="http://www.w3.org/2001/XMLSchema" xmlns:xs="http://www.w3.org/2001/XMLSchema" xmlns:p="http://schemas.microsoft.com/office/2006/metadata/properties" xmlns:ns1="http://schemas.microsoft.com/sharepoint/v3" targetNamespace="http://schemas.microsoft.com/office/2006/metadata/properties" ma:root="true" ma:fieldsID="4dcce58c87e9fcebab8021569449a8d0" ns1:_="">
     <xsd:import namespace="http://schemas.microsoft.com/sharepoint/v3"/>
@@ -19658,15 +20361,6 @@
 </ct:contentTypeSchema>
 </file>
 
-<file path=customXml/item3.xml><?xml version="1.0" encoding="utf-8"?>
-<p:properties xmlns:p="http://schemas.microsoft.com/office/2006/metadata/properties" xmlns:xsi="http://www.w3.org/2001/XMLSchema-instance" xmlns:pc="http://schemas.microsoft.com/office/infopath/2007/PartnerControls">
-  <documentManagement>
-    <PublishingExpirationDate xmlns="http://schemas.microsoft.com/sharepoint/v3" xsi:nil="true"/>
-    <PublishingStartDate xmlns="http://schemas.microsoft.com/sharepoint/v3" xsi:nil="true"/>
-  </documentManagement>
-</p:properties>
-</file>
-
 <file path=customXml/itemProps1.xml><?xml version="1.0" encoding="utf-8"?>
 <ds:datastoreItem xmlns:ds="http://schemas.openxmlformats.org/officeDocument/2006/customXml" ds:itemID="{14883F0F-DE57-4ECA-B9BB-F22E8C5B5D82}">
   <ds:schemaRefs>
@@ -19676,6 +20370,22 @@
 </file>
 
 <file path=customXml/itemProps2.xml><?xml version="1.0" encoding="utf-8"?>
+<ds:datastoreItem xmlns:ds="http://schemas.openxmlformats.org/officeDocument/2006/customXml" ds:itemID="{D5E3C081-4081-47AD-A9A6-9F18F525DA1D}">
+  <ds:schemaRefs>
+    <ds:schemaRef ds:uri="http://schemas.microsoft.com/office/infopath/2007/PartnerControls"/>
+    <ds:schemaRef ds:uri="http://purl.org/dc/elements/1.1/"/>
+    <ds:schemaRef ds:uri="http://schemas.microsoft.com/office/2006/metadata/properties"/>
+    <ds:schemaRef ds:uri="http://schemas.microsoft.com/sharepoint/v3"/>
+    <ds:schemaRef ds:uri="http://purl.org/dc/terms/"/>
+    <ds:schemaRef ds:uri="http://schemas.openxmlformats.org/package/2006/metadata/core-properties"/>
+    <ds:schemaRef ds:uri="http://schemas.microsoft.com/office/2006/documentManagement/types"/>
+    <ds:schemaRef ds:uri="http://www.w3.org/XML/1998/namespace"/>
+    <ds:schemaRef ds:uri="http://purl.org/dc/dcmitype/"/>
+  </ds:schemaRefs>
+</ds:datastoreItem>
+</file>
+
+<file path=customXml/itemProps3.xml><?xml version="1.0" encoding="utf-8"?>
 <ds:datastoreItem xmlns:ds="http://schemas.openxmlformats.org/officeDocument/2006/customXml" ds:itemID="{C3A1A37E-F8E3-427A-BCE9-B1DDB8B96CDF}">
   <ds:schemaRefs>
     <ds:schemaRef ds:uri="http://schemas.microsoft.com/office/2006/metadata/contentType"/>
@@ -19691,20 +20401,4 @@
     <ds:schemaRef ds:uri="http://schemas.microsoft.com/internal/obd"/>
   </ds:schemaRefs>
 </ds:datastoreItem>
-</file>
-
-<file path=customXml/itemProps3.xml><?xml version="1.0" encoding="utf-8"?>
-<ds:datastoreItem xmlns:ds="http://schemas.openxmlformats.org/officeDocument/2006/customXml" ds:itemID="{D5E3C081-4081-47AD-A9A6-9F18F525DA1D}">
-  <ds:schemaRefs>
-    <ds:schemaRef ds:uri="http://schemas.microsoft.com/office/infopath/2007/PartnerControls"/>
-    <ds:schemaRef ds:uri="http://purl.org/dc/elements/1.1/"/>
-    <ds:schemaRef ds:uri="http://schemas.microsoft.com/office/2006/metadata/properties"/>
-    <ds:schemaRef ds:uri="http://schemas.microsoft.com/sharepoint/v3"/>
-    <ds:schemaRef ds:uri="http://purl.org/dc/terms/"/>
-    <ds:schemaRef ds:uri="http://schemas.openxmlformats.org/package/2006/metadata/core-properties"/>
-    <ds:schemaRef ds:uri="http://schemas.microsoft.com/office/2006/documentManagement/types"/>
-    <ds:schemaRef ds:uri="http://www.w3.org/XML/1998/namespace"/>
-    <ds:schemaRef ds:uri="http://purl.org/dc/dcmitype/"/>
-  </ds:schemaRefs>
-</ds:datastoreItem>
 </file>